--- a/webpack.pptx
+++ b/webpack.pptx
@@ -5,7 +5,7 @@
     <p:sldMasterId id="2147483648" r:id="rId1"/>
   </p:sldMasterIdLst>
   <p:notesMasterIdLst>
-    <p:notesMasterId r:id="rId20"/>
+    <p:notesMasterId r:id="rId23"/>
   </p:notesMasterIdLst>
   <p:sldIdLst>
     <p:sldId id="311" r:id="rId2"/>
@@ -20,12 +20,15 @@
     <p:sldId id="319" r:id="rId11"/>
     <p:sldId id="320" r:id="rId12"/>
     <p:sldId id="323" r:id="rId13"/>
-    <p:sldId id="324" r:id="rId14"/>
-    <p:sldId id="338" r:id="rId15"/>
-    <p:sldId id="339" r:id="rId16"/>
-    <p:sldId id="340" r:id="rId17"/>
-    <p:sldId id="261" r:id="rId18"/>
-    <p:sldId id="297" r:id="rId19"/>
+    <p:sldId id="342" r:id="rId14"/>
+    <p:sldId id="341" r:id="rId15"/>
+    <p:sldId id="343" r:id="rId16"/>
+    <p:sldId id="324" r:id="rId17"/>
+    <p:sldId id="338" r:id="rId18"/>
+    <p:sldId id="339" r:id="rId19"/>
+    <p:sldId id="340" r:id="rId20"/>
+    <p:sldId id="261" r:id="rId21"/>
+    <p:sldId id="297" r:id="rId22"/>
   </p:sldIdLst>
   <p:sldSz cx="12192000" cy="6858000"/>
   <p:notesSz cx="6858000" cy="9144000"/>
@@ -214,7 +217,7 @@
           <a:p>
             <a:fld id="{2030BE96-282A-45F9-A500-6EDC0F682668}" type="datetimeFigureOut">
               <a:rPr lang="zh-CN" altLang="en-US" smtClean="0"/>
-              <a:t>2019/6/23</a:t>
+              <a:t>2019/7/1</a:t>
             </a:fld>
             <a:endParaRPr lang="zh-CN" altLang="en-US"/>
           </a:p>
@@ -595,6 +598,11 @@
         </p:txBody>
       </p:sp>
     </p:spTree>
+    <p:extLst>
+      <p:ext uri="{BB962C8B-B14F-4D97-AF65-F5344CB8AC3E}">
+        <p14:creationId xmlns:p14="http://schemas.microsoft.com/office/powerpoint/2010/main" val="3620861440"/>
+      </p:ext>
+    </p:extLst>
   </p:cSld>
   <p:clrMapOvr>
     <a:masterClrMapping/>
@@ -1096,7 +1104,7 @@
     </p:spTree>
     <p:extLst>
       <p:ext uri="{BB962C8B-B14F-4D97-AF65-F5344CB8AC3E}">
-        <p14:creationId xmlns:p14="http://schemas.microsoft.com/office/powerpoint/2010/main" val="1753804791"/>
+        <p14:creationId xmlns:p14="http://schemas.microsoft.com/office/powerpoint/2010/main" val="1153675705"/>
       </p:ext>
     </p:extLst>
   </p:cSld>
@@ -1222,7 +1230,7 @@
     </p:spTree>
     <p:extLst>
       <p:ext uri="{BB962C8B-B14F-4D97-AF65-F5344CB8AC3E}">
-        <p14:creationId xmlns:p14="http://schemas.microsoft.com/office/powerpoint/2010/main" val="2372669251"/>
+        <p14:creationId xmlns:p14="http://schemas.microsoft.com/office/powerpoint/2010/main" val="116328929"/>
       </p:ext>
     </p:extLst>
   </p:cSld>
@@ -1348,7 +1356,7 @@
     </p:spTree>
     <p:extLst>
       <p:ext uri="{BB962C8B-B14F-4D97-AF65-F5344CB8AC3E}">
-        <p14:creationId xmlns:p14="http://schemas.microsoft.com/office/powerpoint/2010/main" val="3164177476"/>
+        <p14:creationId xmlns:p14="http://schemas.microsoft.com/office/powerpoint/2010/main" val="1218898044"/>
       </p:ext>
     </p:extLst>
   </p:cSld>
@@ -1474,7 +1482,7 @@
     </p:spTree>
     <p:extLst>
       <p:ext uri="{BB962C8B-B14F-4D97-AF65-F5344CB8AC3E}">
-        <p14:creationId xmlns:p14="http://schemas.microsoft.com/office/powerpoint/2010/main" val="2929736996"/>
+        <p14:creationId xmlns:p14="http://schemas.microsoft.com/office/powerpoint/2010/main" val="1753804791"/>
       </p:ext>
     </p:extLst>
   </p:cSld>
@@ -1484,7 +1492,7 @@
 </p:notes>
 </file>
 
-<file path=ppt/notesSlides/notesSlide2.xml><?xml version="1.0" encoding="utf-8"?>
+<file path=ppt/notesSlides/notesSlide17.xml><?xml version="1.0" encoding="utf-8"?>
 <p:notes xmlns:a="http://schemas.openxmlformats.org/drawingml/2006/main" xmlns:r="http://schemas.openxmlformats.org/officeDocument/2006/relationships" xmlns:p="http://schemas.openxmlformats.org/presentationml/2006/main">
   <p:cSld>
     <p:spTree>
@@ -1578,7 +1586,7 @@
                 <a:ea typeface="+mn-ea"/>
                 <a:cs typeface="+mn-cs"/>
               </a:rPr>
-              <a:t>2</a:t>
+              <a:t>17</a:t>
             </a:fld>
             <a:endParaRPr kumimoji="0" lang="en-US" sz="1200" b="0" i="0" u="none" strike="noStrike" kern="1200" cap="none" spc="0" normalizeH="0" baseline="0" noProof="0">
               <a:ln>
@@ -1598,6 +1606,11 @@
         </p:txBody>
       </p:sp>
     </p:spTree>
+    <p:extLst>
+      <p:ext uri="{BB962C8B-B14F-4D97-AF65-F5344CB8AC3E}">
+        <p14:creationId xmlns:p14="http://schemas.microsoft.com/office/powerpoint/2010/main" val="2372669251"/>
+      </p:ext>
+    </p:extLst>
   </p:cSld>
   <p:clrMapOvr>
     <a:masterClrMapping/>
@@ -1605,7 +1618,7 @@
 </p:notes>
 </file>
 
-<file path=ppt/notesSlides/notesSlide3.xml><?xml version="1.0" encoding="utf-8"?>
+<file path=ppt/notesSlides/notesSlide18.xml><?xml version="1.0" encoding="utf-8"?>
 <p:notes xmlns:a="http://schemas.openxmlformats.org/drawingml/2006/main" xmlns:r="http://schemas.openxmlformats.org/officeDocument/2006/relationships" xmlns:p="http://schemas.openxmlformats.org/presentationml/2006/main">
   <p:cSld>
     <p:spTree>
@@ -1699,6 +1712,384 @@
                 <a:ea typeface="+mn-ea"/>
                 <a:cs typeface="+mn-cs"/>
               </a:rPr>
+              <a:t>18</a:t>
+            </a:fld>
+            <a:endParaRPr kumimoji="0" lang="en-US" sz="1200" b="0" i="0" u="none" strike="noStrike" kern="1200" cap="none" spc="0" normalizeH="0" baseline="0" noProof="0">
+              <a:ln>
+                <a:noFill/>
+              </a:ln>
+              <a:solidFill>
+                <a:prstClr val="black"/>
+              </a:solidFill>
+              <a:effectLst/>
+              <a:uLnTx/>
+              <a:uFillTx/>
+              <a:latin typeface="Calibri" panose="020F0502020204030204"/>
+              <a:ea typeface="+mn-ea"/>
+              <a:cs typeface="+mn-cs"/>
+            </a:endParaRPr>
+          </a:p>
+        </p:txBody>
+      </p:sp>
+    </p:spTree>
+    <p:extLst>
+      <p:ext uri="{BB962C8B-B14F-4D97-AF65-F5344CB8AC3E}">
+        <p14:creationId xmlns:p14="http://schemas.microsoft.com/office/powerpoint/2010/main" val="3164177476"/>
+      </p:ext>
+    </p:extLst>
+  </p:cSld>
+  <p:clrMapOvr>
+    <a:masterClrMapping/>
+  </p:clrMapOvr>
+</p:notes>
+</file>
+
+<file path=ppt/notesSlides/notesSlide19.xml><?xml version="1.0" encoding="utf-8"?>
+<p:notes xmlns:a="http://schemas.openxmlformats.org/drawingml/2006/main" xmlns:r="http://schemas.openxmlformats.org/officeDocument/2006/relationships" xmlns:p="http://schemas.openxmlformats.org/presentationml/2006/main">
+  <p:cSld>
+    <p:spTree>
+      <p:nvGrpSpPr>
+        <p:cNvPr id="1" name=""/>
+        <p:cNvGrpSpPr/>
+        <p:nvPr/>
+      </p:nvGrpSpPr>
+      <p:grpSpPr>
+        <a:xfrm>
+          <a:off x="0" y="0"/>
+          <a:ext cx="0" cy="0"/>
+          <a:chOff x="0" y="0"/>
+          <a:chExt cx="0" cy="0"/>
+        </a:xfrm>
+      </p:grpSpPr>
+      <p:sp>
+        <p:nvSpPr>
+          <p:cNvPr id="2" name="Slide Image Placeholder 1"/>
+          <p:cNvSpPr>
+            <a:spLocks noGrp="1" noRot="1" noChangeAspect="1"/>
+          </p:cNvSpPr>
+          <p:nvPr>
+            <p:ph type="sldImg"/>
+          </p:nvPr>
+        </p:nvSpPr>
+        <p:spPr/>
+      </p:sp>
+      <p:sp>
+        <p:nvSpPr>
+          <p:cNvPr id="3" name="Notes Placeholder 2"/>
+          <p:cNvSpPr>
+            <a:spLocks noGrp="1"/>
+          </p:cNvSpPr>
+          <p:nvPr>
+            <p:ph type="body" idx="1"/>
+          </p:nvPr>
+        </p:nvSpPr>
+        <p:spPr/>
+        <p:txBody>
+          <a:bodyPr/>
+          <a:lstStyle/>
+          <a:p>
+            <a:endParaRPr lang="en-US" dirty="0"/>
+          </a:p>
+        </p:txBody>
+      </p:sp>
+      <p:sp>
+        <p:nvSpPr>
+          <p:cNvPr id="4" name="Slide Number Placeholder 3"/>
+          <p:cNvSpPr>
+            <a:spLocks noGrp="1"/>
+          </p:cNvSpPr>
+          <p:nvPr>
+            <p:ph type="sldNum" sz="quarter" idx="10"/>
+          </p:nvPr>
+        </p:nvSpPr>
+        <p:spPr/>
+        <p:txBody>
+          <a:bodyPr/>
+          <a:lstStyle/>
+          <a:p>
+            <a:pPr marL="0" marR="0" lvl="0" indent="0" algn="r" defTabSz="914400" rtl="0" eaLnBrk="1" fontAlgn="auto" latinLnBrk="0" hangingPunct="1">
+              <a:lnSpc>
+                <a:spcPct val="100000"/>
+              </a:lnSpc>
+              <a:spcBef>
+                <a:spcPts val="0"/>
+              </a:spcBef>
+              <a:spcAft>
+                <a:spcPts val="0"/>
+              </a:spcAft>
+              <a:buClrTx/>
+              <a:buSzTx/>
+              <a:buFontTx/>
+              <a:buNone/>
+              <a:defRPr/>
+            </a:pPr>
+            <a:fld id="{572223DF-0AD0-9347-82AC-0B3D22D18F3E}" type="slidenum">
+              <a:rPr kumimoji="0" lang="en-US" sz="1200" b="0" i="0" u="none" strike="noStrike" kern="1200" cap="none" spc="0" normalizeH="0" baseline="0" noProof="0" smtClean="0">
+                <a:ln>
+                  <a:noFill/>
+                </a:ln>
+                <a:solidFill>
+                  <a:prstClr val="black"/>
+                </a:solidFill>
+                <a:effectLst/>
+                <a:uLnTx/>
+                <a:uFillTx/>
+                <a:latin typeface="Calibri" panose="020F0502020204030204"/>
+                <a:ea typeface="+mn-ea"/>
+                <a:cs typeface="+mn-cs"/>
+              </a:rPr>
+              <a:t>19</a:t>
+            </a:fld>
+            <a:endParaRPr kumimoji="0" lang="en-US" sz="1200" b="0" i="0" u="none" strike="noStrike" kern="1200" cap="none" spc="0" normalizeH="0" baseline="0" noProof="0">
+              <a:ln>
+                <a:noFill/>
+              </a:ln>
+              <a:solidFill>
+                <a:prstClr val="black"/>
+              </a:solidFill>
+              <a:effectLst/>
+              <a:uLnTx/>
+              <a:uFillTx/>
+              <a:latin typeface="Calibri" panose="020F0502020204030204"/>
+              <a:ea typeface="+mn-ea"/>
+              <a:cs typeface="+mn-cs"/>
+            </a:endParaRPr>
+          </a:p>
+        </p:txBody>
+      </p:sp>
+    </p:spTree>
+    <p:extLst>
+      <p:ext uri="{BB962C8B-B14F-4D97-AF65-F5344CB8AC3E}">
+        <p14:creationId xmlns:p14="http://schemas.microsoft.com/office/powerpoint/2010/main" val="2929736996"/>
+      </p:ext>
+    </p:extLst>
+  </p:cSld>
+  <p:clrMapOvr>
+    <a:masterClrMapping/>
+  </p:clrMapOvr>
+</p:notes>
+</file>
+
+<file path=ppt/notesSlides/notesSlide2.xml><?xml version="1.0" encoding="utf-8"?>
+<p:notes xmlns:a="http://schemas.openxmlformats.org/drawingml/2006/main" xmlns:r="http://schemas.openxmlformats.org/officeDocument/2006/relationships" xmlns:p="http://schemas.openxmlformats.org/presentationml/2006/main">
+  <p:cSld>
+    <p:spTree>
+      <p:nvGrpSpPr>
+        <p:cNvPr id="1" name=""/>
+        <p:cNvGrpSpPr/>
+        <p:nvPr/>
+      </p:nvGrpSpPr>
+      <p:grpSpPr>
+        <a:xfrm>
+          <a:off x="0" y="0"/>
+          <a:ext cx="0" cy="0"/>
+          <a:chOff x="0" y="0"/>
+          <a:chExt cx="0" cy="0"/>
+        </a:xfrm>
+      </p:grpSpPr>
+      <p:sp>
+        <p:nvSpPr>
+          <p:cNvPr id="2" name="Slide Image Placeholder 1"/>
+          <p:cNvSpPr>
+            <a:spLocks noGrp="1" noRot="1" noChangeAspect="1"/>
+          </p:cNvSpPr>
+          <p:nvPr>
+            <p:ph type="sldImg"/>
+          </p:nvPr>
+        </p:nvSpPr>
+        <p:spPr/>
+      </p:sp>
+      <p:sp>
+        <p:nvSpPr>
+          <p:cNvPr id="3" name="Notes Placeholder 2"/>
+          <p:cNvSpPr>
+            <a:spLocks noGrp="1"/>
+          </p:cNvSpPr>
+          <p:nvPr>
+            <p:ph type="body" idx="1"/>
+          </p:nvPr>
+        </p:nvSpPr>
+        <p:spPr/>
+        <p:txBody>
+          <a:bodyPr/>
+          <a:lstStyle/>
+          <a:p>
+            <a:endParaRPr lang="en-US" dirty="0"/>
+          </a:p>
+        </p:txBody>
+      </p:sp>
+      <p:sp>
+        <p:nvSpPr>
+          <p:cNvPr id="4" name="Slide Number Placeholder 3"/>
+          <p:cNvSpPr>
+            <a:spLocks noGrp="1"/>
+          </p:cNvSpPr>
+          <p:nvPr>
+            <p:ph type="sldNum" sz="quarter" idx="10"/>
+          </p:nvPr>
+        </p:nvSpPr>
+        <p:spPr/>
+        <p:txBody>
+          <a:bodyPr/>
+          <a:lstStyle/>
+          <a:p>
+            <a:pPr marL="0" marR="0" lvl="0" indent="0" algn="r" defTabSz="914400" rtl="0" eaLnBrk="1" fontAlgn="auto" latinLnBrk="0" hangingPunct="1">
+              <a:lnSpc>
+                <a:spcPct val="100000"/>
+              </a:lnSpc>
+              <a:spcBef>
+                <a:spcPts val="0"/>
+              </a:spcBef>
+              <a:spcAft>
+                <a:spcPts val="0"/>
+              </a:spcAft>
+              <a:buClrTx/>
+              <a:buSzTx/>
+              <a:buFontTx/>
+              <a:buNone/>
+              <a:defRPr/>
+            </a:pPr>
+            <a:fld id="{572223DF-0AD0-9347-82AC-0B3D22D18F3E}" type="slidenum">
+              <a:rPr kumimoji="0" lang="en-US" sz="1200" b="0" i="0" u="none" strike="noStrike" kern="1200" cap="none" spc="0" normalizeH="0" baseline="0" noProof="0" smtClean="0">
+                <a:ln>
+                  <a:noFill/>
+                </a:ln>
+                <a:solidFill>
+                  <a:prstClr val="black"/>
+                </a:solidFill>
+                <a:effectLst/>
+                <a:uLnTx/>
+                <a:uFillTx/>
+                <a:latin typeface="Calibri" panose="020F0502020204030204"/>
+                <a:ea typeface="+mn-ea"/>
+                <a:cs typeface="+mn-cs"/>
+              </a:rPr>
+              <a:t>2</a:t>
+            </a:fld>
+            <a:endParaRPr kumimoji="0" lang="en-US" sz="1200" b="0" i="0" u="none" strike="noStrike" kern="1200" cap="none" spc="0" normalizeH="0" baseline="0" noProof="0">
+              <a:ln>
+                <a:noFill/>
+              </a:ln>
+              <a:solidFill>
+                <a:prstClr val="black"/>
+              </a:solidFill>
+              <a:effectLst/>
+              <a:uLnTx/>
+              <a:uFillTx/>
+              <a:latin typeface="Calibri" panose="020F0502020204030204"/>
+              <a:ea typeface="+mn-ea"/>
+              <a:cs typeface="+mn-cs"/>
+            </a:endParaRPr>
+          </a:p>
+        </p:txBody>
+      </p:sp>
+    </p:spTree>
+    <p:extLst>
+      <p:ext uri="{BB962C8B-B14F-4D97-AF65-F5344CB8AC3E}">
+        <p14:creationId xmlns:p14="http://schemas.microsoft.com/office/powerpoint/2010/main" val="1895865423"/>
+      </p:ext>
+    </p:extLst>
+  </p:cSld>
+  <p:clrMapOvr>
+    <a:masterClrMapping/>
+  </p:clrMapOvr>
+</p:notes>
+</file>
+
+<file path=ppt/notesSlides/notesSlide3.xml><?xml version="1.0" encoding="utf-8"?>
+<p:notes xmlns:a="http://schemas.openxmlformats.org/drawingml/2006/main" xmlns:r="http://schemas.openxmlformats.org/officeDocument/2006/relationships" xmlns:p="http://schemas.openxmlformats.org/presentationml/2006/main">
+  <p:cSld>
+    <p:spTree>
+      <p:nvGrpSpPr>
+        <p:cNvPr id="1" name=""/>
+        <p:cNvGrpSpPr/>
+        <p:nvPr/>
+      </p:nvGrpSpPr>
+      <p:grpSpPr>
+        <a:xfrm>
+          <a:off x="0" y="0"/>
+          <a:ext cx="0" cy="0"/>
+          <a:chOff x="0" y="0"/>
+          <a:chExt cx="0" cy="0"/>
+        </a:xfrm>
+      </p:grpSpPr>
+      <p:sp>
+        <p:nvSpPr>
+          <p:cNvPr id="2" name="Slide Image Placeholder 1"/>
+          <p:cNvSpPr>
+            <a:spLocks noGrp="1" noRot="1" noChangeAspect="1"/>
+          </p:cNvSpPr>
+          <p:nvPr>
+            <p:ph type="sldImg"/>
+          </p:nvPr>
+        </p:nvSpPr>
+        <p:spPr/>
+      </p:sp>
+      <p:sp>
+        <p:nvSpPr>
+          <p:cNvPr id="3" name="Notes Placeholder 2"/>
+          <p:cNvSpPr>
+            <a:spLocks noGrp="1"/>
+          </p:cNvSpPr>
+          <p:nvPr>
+            <p:ph type="body" idx="1"/>
+          </p:nvPr>
+        </p:nvSpPr>
+        <p:spPr/>
+        <p:txBody>
+          <a:bodyPr/>
+          <a:lstStyle/>
+          <a:p>
+            <a:endParaRPr lang="en-US" dirty="0"/>
+          </a:p>
+        </p:txBody>
+      </p:sp>
+      <p:sp>
+        <p:nvSpPr>
+          <p:cNvPr id="4" name="Slide Number Placeholder 3"/>
+          <p:cNvSpPr>
+            <a:spLocks noGrp="1"/>
+          </p:cNvSpPr>
+          <p:nvPr>
+            <p:ph type="sldNum" sz="quarter" idx="10"/>
+          </p:nvPr>
+        </p:nvSpPr>
+        <p:spPr/>
+        <p:txBody>
+          <a:bodyPr/>
+          <a:lstStyle/>
+          <a:p>
+            <a:pPr marL="0" marR="0" lvl="0" indent="0" algn="r" defTabSz="914400" rtl="0" eaLnBrk="1" fontAlgn="auto" latinLnBrk="0" hangingPunct="1">
+              <a:lnSpc>
+                <a:spcPct val="100000"/>
+              </a:lnSpc>
+              <a:spcBef>
+                <a:spcPts val="0"/>
+              </a:spcBef>
+              <a:spcAft>
+                <a:spcPts val="0"/>
+              </a:spcAft>
+              <a:buClrTx/>
+              <a:buSzTx/>
+              <a:buFontTx/>
+              <a:buNone/>
+              <a:defRPr/>
+            </a:pPr>
+            <a:fld id="{572223DF-0AD0-9347-82AC-0B3D22D18F3E}" type="slidenum">
+              <a:rPr kumimoji="0" lang="en-US" sz="1200" b="0" i="0" u="none" strike="noStrike" kern="1200" cap="none" spc="0" normalizeH="0" baseline="0" noProof="0" smtClean="0">
+                <a:ln>
+                  <a:noFill/>
+                </a:ln>
+                <a:solidFill>
+                  <a:prstClr val="black"/>
+                </a:solidFill>
+                <a:effectLst/>
+                <a:uLnTx/>
+                <a:uFillTx/>
+                <a:latin typeface="Calibri" panose="020F0502020204030204"/>
+                <a:ea typeface="+mn-ea"/>
+                <a:cs typeface="+mn-cs"/>
+              </a:rPr>
               <a:t>3</a:t>
             </a:fld>
             <a:endParaRPr kumimoji="0" lang="en-US" sz="1200" b="0" i="0" u="none" strike="noStrike" kern="1200" cap="none" spc="0" normalizeH="0" baseline="0" noProof="0">
@@ -2509,7 +2900,7 @@
           <p:cNvPr id="2" name="标题 1">
             <a:extLst>
               <a:ext uri="{FF2B5EF4-FFF2-40B4-BE49-F238E27FC236}">
-                <a16:creationId xmlns:a16="http://schemas.microsoft.com/office/drawing/2014/main" id="{4418FE01-51AE-4367-84E4-778C313D2EA9}"/>
+                <a16:creationId xmlns="" xmlns:a16="http://schemas.microsoft.com/office/drawing/2014/main" id="{4418FE01-51AE-4367-84E4-778C313D2EA9}"/>
               </a:ext>
             </a:extLst>
           </p:cNvPr>
@@ -2546,7 +2937,7 @@
           <p:cNvPr id="3" name="副标题 2">
             <a:extLst>
               <a:ext uri="{FF2B5EF4-FFF2-40B4-BE49-F238E27FC236}">
-                <a16:creationId xmlns:a16="http://schemas.microsoft.com/office/drawing/2014/main" id="{DB4DE8DC-6BA8-4725-92AD-1A6512E70588}"/>
+                <a16:creationId xmlns="" xmlns:a16="http://schemas.microsoft.com/office/drawing/2014/main" id="{DB4DE8DC-6BA8-4725-92AD-1A6512E70588}"/>
               </a:ext>
             </a:extLst>
           </p:cNvPr>
@@ -2616,7 +3007,7 @@
           <p:cNvPr id="4" name="日期占位符 3">
             <a:extLst>
               <a:ext uri="{FF2B5EF4-FFF2-40B4-BE49-F238E27FC236}">
-                <a16:creationId xmlns:a16="http://schemas.microsoft.com/office/drawing/2014/main" id="{E61AF52D-267A-445F-BBDB-ADA9AACF064E}"/>
+                <a16:creationId xmlns="" xmlns:a16="http://schemas.microsoft.com/office/drawing/2014/main" id="{E61AF52D-267A-445F-BBDB-ADA9AACF064E}"/>
               </a:ext>
             </a:extLst>
           </p:cNvPr>
@@ -2634,7 +3025,7 @@
           <a:p>
             <a:fld id="{B3290635-A607-4752-9C46-32D6910F3B20}" type="datetimeFigureOut">
               <a:rPr lang="zh-CN" altLang="en-US" smtClean="0"/>
-              <a:t>2019/6/23</a:t>
+              <a:t>2019/7/1</a:t>
             </a:fld>
             <a:endParaRPr lang="zh-CN" altLang="en-US"/>
           </a:p>
@@ -2645,7 +3036,7 @@
           <p:cNvPr id="5" name="页脚占位符 4">
             <a:extLst>
               <a:ext uri="{FF2B5EF4-FFF2-40B4-BE49-F238E27FC236}">
-                <a16:creationId xmlns:a16="http://schemas.microsoft.com/office/drawing/2014/main" id="{0B1F93C6-7D50-4E49-9444-91184A131329}"/>
+                <a16:creationId xmlns="" xmlns:a16="http://schemas.microsoft.com/office/drawing/2014/main" id="{0B1F93C6-7D50-4E49-9444-91184A131329}"/>
               </a:ext>
             </a:extLst>
           </p:cNvPr>
@@ -2670,7 +3061,7 @@
           <p:cNvPr id="6" name="灯片编号占位符 5">
             <a:extLst>
               <a:ext uri="{FF2B5EF4-FFF2-40B4-BE49-F238E27FC236}">
-                <a16:creationId xmlns:a16="http://schemas.microsoft.com/office/drawing/2014/main" id="{D1366EB7-5822-4393-9584-63854C5186F2}"/>
+                <a16:creationId xmlns="" xmlns:a16="http://schemas.microsoft.com/office/drawing/2014/main" id="{D1366EB7-5822-4393-9584-63854C5186F2}"/>
               </a:ext>
             </a:extLst>
           </p:cNvPr>
@@ -2729,7 +3120,7 @@
           <p:cNvPr id="2" name="标题 1">
             <a:extLst>
               <a:ext uri="{FF2B5EF4-FFF2-40B4-BE49-F238E27FC236}">
-                <a16:creationId xmlns:a16="http://schemas.microsoft.com/office/drawing/2014/main" id="{F71D661E-6D61-4B3B-99F0-E4186F30B919}"/>
+                <a16:creationId xmlns="" xmlns:a16="http://schemas.microsoft.com/office/drawing/2014/main" id="{F71D661E-6D61-4B3B-99F0-E4186F30B919}"/>
               </a:ext>
             </a:extLst>
           </p:cNvPr>
@@ -2757,7 +3148,7 @@
           <p:cNvPr id="3" name="竖排文字占位符 2">
             <a:extLst>
               <a:ext uri="{FF2B5EF4-FFF2-40B4-BE49-F238E27FC236}">
-                <a16:creationId xmlns:a16="http://schemas.microsoft.com/office/drawing/2014/main" id="{8033672E-44CD-4A6E-ACA5-778D37D5AA21}"/>
+                <a16:creationId xmlns="" xmlns:a16="http://schemas.microsoft.com/office/drawing/2014/main" id="{8033672E-44CD-4A6E-ACA5-778D37D5AA21}"/>
               </a:ext>
             </a:extLst>
           </p:cNvPr>
@@ -2814,7 +3205,7 @@
           <p:cNvPr id="4" name="日期占位符 3">
             <a:extLst>
               <a:ext uri="{FF2B5EF4-FFF2-40B4-BE49-F238E27FC236}">
-                <a16:creationId xmlns:a16="http://schemas.microsoft.com/office/drawing/2014/main" id="{4EC54427-0720-42C6-A334-48B4A8EAC30A}"/>
+                <a16:creationId xmlns="" xmlns:a16="http://schemas.microsoft.com/office/drawing/2014/main" id="{4EC54427-0720-42C6-A334-48B4A8EAC30A}"/>
               </a:ext>
             </a:extLst>
           </p:cNvPr>
@@ -2832,7 +3223,7 @@
           <a:p>
             <a:fld id="{B3290635-A607-4752-9C46-32D6910F3B20}" type="datetimeFigureOut">
               <a:rPr lang="zh-CN" altLang="en-US" smtClean="0"/>
-              <a:t>2019/6/23</a:t>
+              <a:t>2019/7/1</a:t>
             </a:fld>
             <a:endParaRPr lang="zh-CN" altLang="en-US"/>
           </a:p>
@@ -2843,7 +3234,7 @@
           <p:cNvPr id="5" name="页脚占位符 4">
             <a:extLst>
               <a:ext uri="{FF2B5EF4-FFF2-40B4-BE49-F238E27FC236}">
-                <a16:creationId xmlns:a16="http://schemas.microsoft.com/office/drawing/2014/main" id="{9AA0E53A-9557-4BD8-9B67-771939C29137}"/>
+                <a16:creationId xmlns="" xmlns:a16="http://schemas.microsoft.com/office/drawing/2014/main" id="{9AA0E53A-9557-4BD8-9B67-771939C29137}"/>
               </a:ext>
             </a:extLst>
           </p:cNvPr>
@@ -2868,7 +3259,7 @@
           <p:cNvPr id="6" name="灯片编号占位符 5">
             <a:extLst>
               <a:ext uri="{FF2B5EF4-FFF2-40B4-BE49-F238E27FC236}">
-                <a16:creationId xmlns:a16="http://schemas.microsoft.com/office/drawing/2014/main" id="{0D598FE3-C147-4BE1-AC5C-2DA3908D1360}"/>
+                <a16:creationId xmlns="" xmlns:a16="http://schemas.microsoft.com/office/drawing/2014/main" id="{0D598FE3-C147-4BE1-AC5C-2DA3908D1360}"/>
               </a:ext>
             </a:extLst>
           </p:cNvPr>
@@ -2927,7 +3318,7 @@
           <p:cNvPr id="2" name="竖排标题 1">
             <a:extLst>
               <a:ext uri="{FF2B5EF4-FFF2-40B4-BE49-F238E27FC236}">
-                <a16:creationId xmlns:a16="http://schemas.microsoft.com/office/drawing/2014/main" id="{BCAFB2A4-CB02-4CDE-8CD0-461A7577DF77}"/>
+                <a16:creationId xmlns="" xmlns:a16="http://schemas.microsoft.com/office/drawing/2014/main" id="{BCAFB2A4-CB02-4CDE-8CD0-461A7577DF77}"/>
               </a:ext>
             </a:extLst>
           </p:cNvPr>
@@ -2960,7 +3351,7 @@
           <p:cNvPr id="3" name="竖排文字占位符 2">
             <a:extLst>
               <a:ext uri="{FF2B5EF4-FFF2-40B4-BE49-F238E27FC236}">
-                <a16:creationId xmlns:a16="http://schemas.microsoft.com/office/drawing/2014/main" id="{C92BA537-76F5-4D5C-B9B2-3635D1CAECAA}"/>
+                <a16:creationId xmlns="" xmlns:a16="http://schemas.microsoft.com/office/drawing/2014/main" id="{C92BA537-76F5-4D5C-B9B2-3635D1CAECAA}"/>
               </a:ext>
             </a:extLst>
           </p:cNvPr>
@@ -3022,7 +3413,7 @@
           <p:cNvPr id="4" name="日期占位符 3">
             <a:extLst>
               <a:ext uri="{FF2B5EF4-FFF2-40B4-BE49-F238E27FC236}">
-                <a16:creationId xmlns:a16="http://schemas.microsoft.com/office/drawing/2014/main" id="{E6319C38-904D-4FCA-ABAD-5969B611E0DD}"/>
+                <a16:creationId xmlns="" xmlns:a16="http://schemas.microsoft.com/office/drawing/2014/main" id="{E6319C38-904D-4FCA-ABAD-5969B611E0DD}"/>
               </a:ext>
             </a:extLst>
           </p:cNvPr>
@@ -3040,7 +3431,7 @@
           <a:p>
             <a:fld id="{B3290635-A607-4752-9C46-32D6910F3B20}" type="datetimeFigureOut">
               <a:rPr lang="zh-CN" altLang="en-US" smtClean="0"/>
-              <a:t>2019/6/23</a:t>
+              <a:t>2019/7/1</a:t>
             </a:fld>
             <a:endParaRPr lang="zh-CN" altLang="en-US"/>
           </a:p>
@@ -3051,7 +3442,7 @@
           <p:cNvPr id="5" name="页脚占位符 4">
             <a:extLst>
               <a:ext uri="{FF2B5EF4-FFF2-40B4-BE49-F238E27FC236}">
-                <a16:creationId xmlns:a16="http://schemas.microsoft.com/office/drawing/2014/main" id="{65F824C0-23D7-431B-A15C-204F02BB60C7}"/>
+                <a16:creationId xmlns="" xmlns:a16="http://schemas.microsoft.com/office/drawing/2014/main" id="{65F824C0-23D7-431B-A15C-204F02BB60C7}"/>
               </a:ext>
             </a:extLst>
           </p:cNvPr>
@@ -3076,7 +3467,7 @@
           <p:cNvPr id="6" name="灯片编号占位符 5">
             <a:extLst>
               <a:ext uri="{FF2B5EF4-FFF2-40B4-BE49-F238E27FC236}">
-                <a16:creationId xmlns:a16="http://schemas.microsoft.com/office/drawing/2014/main" id="{C4C206E1-474A-4F02-8E74-D925B0785461}"/>
+                <a16:creationId xmlns="" xmlns:a16="http://schemas.microsoft.com/office/drawing/2014/main" id="{C4C206E1-474A-4F02-8E74-D925B0785461}"/>
               </a:ext>
             </a:extLst>
           </p:cNvPr>
@@ -3250,7 +3641,7 @@
           <p:cNvPr id="2" name="标题 1">
             <a:extLst>
               <a:ext uri="{FF2B5EF4-FFF2-40B4-BE49-F238E27FC236}">
-                <a16:creationId xmlns:a16="http://schemas.microsoft.com/office/drawing/2014/main" id="{A662C512-4088-475D-B8CD-543C87FF6F4C}"/>
+                <a16:creationId xmlns="" xmlns:a16="http://schemas.microsoft.com/office/drawing/2014/main" id="{A662C512-4088-475D-B8CD-543C87FF6F4C}"/>
               </a:ext>
             </a:extLst>
           </p:cNvPr>
@@ -3278,7 +3669,7 @@
           <p:cNvPr id="3" name="内容占位符 2">
             <a:extLst>
               <a:ext uri="{FF2B5EF4-FFF2-40B4-BE49-F238E27FC236}">
-                <a16:creationId xmlns:a16="http://schemas.microsoft.com/office/drawing/2014/main" id="{7BA79B3C-2592-4F4E-A462-25F4F17A1665}"/>
+                <a16:creationId xmlns="" xmlns:a16="http://schemas.microsoft.com/office/drawing/2014/main" id="{7BA79B3C-2592-4F4E-A462-25F4F17A1665}"/>
               </a:ext>
             </a:extLst>
           </p:cNvPr>
@@ -3335,7 +3726,7 @@
           <p:cNvPr id="4" name="日期占位符 3">
             <a:extLst>
               <a:ext uri="{FF2B5EF4-FFF2-40B4-BE49-F238E27FC236}">
-                <a16:creationId xmlns:a16="http://schemas.microsoft.com/office/drawing/2014/main" id="{F0F12BD3-E81D-4689-8547-1079FCB6AD22}"/>
+                <a16:creationId xmlns="" xmlns:a16="http://schemas.microsoft.com/office/drawing/2014/main" id="{F0F12BD3-E81D-4689-8547-1079FCB6AD22}"/>
               </a:ext>
             </a:extLst>
           </p:cNvPr>
@@ -3353,7 +3744,7 @@
           <a:p>
             <a:fld id="{B3290635-A607-4752-9C46-32D6910F3B20}" type="datetimeFigureOut">
               <a:rPr lang="zh-CN" altLang="en-US" smtClean="0"/>
-              <a:t>2019/6/23</a:t>
+              <a:t>2019/7/1</a:t>
             </a:fld>
             <a:endParaRPr lang="zh-CN" altLang="en-US"/>
           </a:p>
@@ -3364,7 +3755,7 @@
           <p:cNvPr id="5" name="页脚占位符 4">
             <a:extLst>
               <a:ext uri="{FF2B5EF4-FFF2-40B4-BE49-F238E27FC236}">
-                <a16:creationId xmlns:a16="http://schemas.microsoft.com/office/drawing/2014/main" id="{8384ACAD-67A9-4092-8691-7CC7B9FBF3D7}"/>
+                <a16:creationId xmlns="" xmlns:a16="http://schemas.microsoft.com/office/drawing/2014/main" id="{8384ACAD-67A9-4092-8691-7CC7B9FBF3D7}"/>
               </a:ext>
             </a:extLst>
           </p:cNvPr>
@@ -3389,7 +3780,7 @@
           <p:cNvPr id="6" name="灯片编号占位符 5">
             <a:extLst>
               <a:ext uri="{FF2B5EF4-FFF2-40B4-BE49-F238E27FC236}">
-                <a16:creationId xmlns:a16="http://schemas.microsoft.com/office/drawing/2014/main" id="{4F539D39-02AD-44C3-BFE3-BF7E2959DC28}"/>
+                <a16:creationId xmlns="" xmlns:a16="http://schemas.microsoft.com/office/drawing/2014/main" id="{4F539D39-02AD-44C3-BFE3-BF7E2959DC28}"/>
               </a:ext>
             </a:extLst>
           </p:cNvPr>
@@ -3448,7 +3839,7 @@
           <p:cNvPr id="2" name="标题 1">
             <a:extLst>
               <a:ext uri="{FF2B5EF4-FFF2-40B4-BE49-F238E27FC236}">
-                <a16:creationId xmlns:a16="http://schemas.microsoft.com/office/drawing/2014/main" id="{9F3C062F-930A-47B6-9B72-BE1067A87085}"/>
+                <a16:creationId xmlns="" xmlns:a16="http://schemas.microsoft.com/office/drawing/2014/main" id="{9F3C062F-930A-47B6-9B72-BE1067A87085}"/>
               </a:ext>
             </a:extLst>
           </p:cNvPr>
@@ -3485,7 +3876,7 @@
           <p:cNvPr id="3" name="文本占位符 2">
             <a:extLst>
               <a:ext uri="{FF2B5EF4-FFF2-40B4-BE49-F238E27FC236}">
-                <a16:creationId xmlns:a16="http://schemas.microsoft.com/office/drawing/2014/main" id="{BB14CCE5-9194-466B-894A-8F262B2E11AB}"/>
+                <a16:creationId xmlns="" xmlns:a16="http://schemas.microsoft.com/office/drawing/2014/main" id="{BB14CCE5-9194-466B-894A-8F262B2E11AB}"/>
               </a:ext>
             </a:extLst>
           </p:cNvPr>
@@ -3610,7 +4001,7 @@
           <p:cNvPr id="4" name="日期占位符 3">
             <a:extLst>
               <a:ext uri="{FF2B5EF4-FFF2-40B4-BE49-F238E27FC236}">
-                <a16:creationId xmlns:a16="http://schemas.microsoft.com/office/drawing/2014/main" id="{F58D630E-5087-453A-A66C-16B429F3830A}"/>
+                <a16:creationId xmlns="" xmlns:a16="http://schemas.microsoft.com/office/drawing/2014/main" id="{F58D630E-5087-453A-A66C-16B429F3830A}"/>
               </a:ext>
             </a:extLst>
           </p:cNvPr>
@@ -3628,7 +4019,7 @@
           <a:p>
             <a:fld id="{B3290635-A607-4752-9C46-32D6910F3B20}" type="datetimeFigureOut">
               <a:rPr lang="zh-CN" altLang="en-US" smtClean="0"/>
-              <a:t>2019/6/23</a:t>
+              <a:t>2019/7/1</a:t>
             </a:fld>
             <a:endParaRPr lang="zh-CN" altLang="en-US"/>
           </a:p>
@@ -3639,7 +4030,7 @@
           <p:cNvPr id="5" name="页脚占位符 4">
             <a:extLst>
               <a:ext uri="{FF2B5EF4-FFF2-40B4-BE49-F238E27FC236}">
-                <a16:creationId xmlns:a16="http://schemas.microsoft.com/office/drawing/2014/main" id="{87548A4E-5D83-40C2-89DB-E3DAF921CD71}"/>
+                <a16:creationId xmlns="" xmlns:a16="http://schemas.microsoft.com/office/drawing/2014/main" id="{87548A4E-5D83-40C2-89DB-E3DAF921CD71}"/>
               </a:ext>
             </a:extLst>
           </p:cNvPr>
@@ -3664,7 +4055,7 @@
           <p:cNvPr id="6" name="灯片编号占位符 5">
             <a:extLst>
               <a:ext uri="{FF2B5EF4-FFF2-40B4-BE49-F238E27FC236}">
-                <a16:creationId xmlns:a16="http://schemas.microsoft.com/office/drawing/2014/main" id="{0F687FFB-30F3-45CC-AAF3-04FD52B48DC4}"/>
+                <a16:creationId xmlns="" xmlns:a16="http://schemas.microsoft.com/office/drawing/2014/main" id="{0F687FFB-30F3-45CC-AAF3-04FD52B48DC4}"/>
               </a:ext>
             </a:extLst>
           </p:cNvPr>
@@ -3723,7 +4114,7 @@
           <p:cNvPr id="2" name="标题 1">
             <a:extLst>
               <a:ext uri="{FF2B5EF4-FFF2-40B4-BE49-F238E27FC236}">
-                <a16:creationId xmlns:a16="http://schemas.microsoft.com/office/drawing/2014/main" id="{2A4BBB30-8033-44C2-B682-623A92B097BE}"/>
+                <a16:creationId xmlns="" xmlns:a16="http://schemas.microsoft.com/office/drawing/2014/main" id="{2A4BBB30-8033-44C2-B682-623A92B097BE}"/>
               </a:ext>
             </a:extLst>
           </p:cNvPr>
@@ -3751,7 +4142,7 @@
           <p:cNvPr id="3" name="内容占位符 2">
             <a:extLst>
               <a:ext uri="{FF2B5EF4-FFF2-40B4-BE49-F238E27FC236}">
-                <a16:creationId xmlns:a16="http://schemas.microsoft.com/office/drawing/2014/main" id="{BAB98A15-E0C9-4192-BDBD-529924523A8C}"/>
+                <a16:creationId xmlns="" xmlns:a16="http://schemas.microsoft.com/office/drawing/2014/main" id="{BAB98A15-E0C9-4192-BDBD-529924523A8C}"/>
               </a:ext>
             </a:extLst>
           </p:cNvPr>
@@ -3813,7 +4204,7 @@
           <p:cNvPr id="4" name="内容占位符 3">
             <a:extLst>
               <a:ext uri="{FF2B5EF4-FFF2-40B4-BE49-F238E27FC236}">
-                <a16:creationId xmlns:a16="http://schemas.microsoft.com/office/drawing/2014/main" id="{B3510F46-71E6-4D98-9307-D63D1EB7598C}"/>
+                <a16:creationId xmlns="" xmlns:a16="http://schemas.microsoft.com/office/drawing/2014/main" id="{B3510F46-71E6-4D98-9307-D63D1EB7598C}"/>
               </a:ext>
             </a:extLst>
           </p:cNvPr>
@@ -3875,7 +4266,7 @@
           <p:cNvPr id="5" name="日期占位符 4">
             <a:extLst>
               <a:ext uri="{FF2B5EF4-FFF2-40B4-BE49-F238E27FC236}">
-                <a16:creationId xmlns:a16="http://schemas.microsoft.com/office/drawing/2014/main" id="{F53E94AA-988E-4D54-AE18-E352DA75CB49}"/>
+                <a16:creationId xmlns="" xmlns:a16="http://schemas.microsoft.com/office/drawing/2014/main" id="{F53E94AA-988E-4D54-AE18-E352DA75CB49}"/>
               </a:ext>
             </a:extLst>
           </p:cNvPr>
@@ -3893,7 +4284,7 @@
           <a:p>
             <a:fld id="{B3290635-A607-4752-9C46-32D6910F3B20}" type="datetimeFigureOut">
               <a:rPr lang="zh-CN" altLang="en-US" smtClean="0"/>
-              <a:t>2019/6/23</a:t>
+              <a:t>2019/7/1</a:t>
             </a:fld>
             <a:endParaRPr lang="zh-CN" altLang="en-US"/>
           </a:p>
@@ -3904,7 +4295,7 @@
           <p:cNvPr id="6" name="页脚占位符 5">
             <a:extLst>
               <a:ext uri="{FF2B5EF4-FFF2-40B4-BE49-F238E27FC236}">
-                <a16:creationId xmlns:a16="http://schemas.microsoft.com/office/drawing/2014/main" id="{70F2D23F-4D62-4434-8DA1-6110DB5F2277}"/>
+                <a16:creationId xmlns="" xmlns:a16="http://schemas.microsoft.com/office/drawing/2014/main" id="{70F2D23F-4D62-4434-8DA1-6110DB5F2277}"/>
               </a:ext>
             </a:extLst>
           </p:cNvPr>
@@ -3929,7 +4320,7 @@
           <p:cNvPr id="7" name="灯片编号占位符 6">
             <a:extLst>
               <a:ext uri="{FF2B5EF4-FFF2-40B4-BE49-F238E27FC236}">
-                <a16:creationId xmlns:a16="http://schemas.microsoft.com/office/drawing/2014/main" id="{ABB7C18C-CC4D-4838-BC26-B465C0B5F2AE}"/>
+                <a16:creationId xmlns="" xmlns:a16="http://schemas.microsoft.com/office/drawing/2014/main" id="{ABB7C18C-CC4D-4838-BC26-B465C0B5F2AE}"/>
               </a:ext>
             </a:extLst>
           </p:cNvPr>
@@ -3988,7 +4379,7 @@
           <p:cNvPr id="2" name="标题 1">
             <a:extLst>
               <a:ext uri="{FF2B5EF4-FFF2-40B4-BE49-F238E27FC236}">
-                <a16:creationId xmlns:a16="http://schemas.microsoft.com/office/drawing/2014/main" id="{91C206A6-C5F6-4FDF-A48F-1F8F1EF61D74}"/>
+                <a16:creationId xmlns="" xmlns:a16="http://schemas.microsoft.com/office/drawing/2014/main" id="{91C206A6-C5F6-4FDF-A48F-1F8F1EF61D74}"/>
               </a:ext>
             </a:extLst>
           </p:cNvPr>
@@ -4021,7 +4412,7 @@
           <p:cNvPr id="3" name="文本占位符 2">
             <a:extLst>
               <a:ext uri="{FF2B5EF4-FFF2-40B4-BE49-F238E27FC236}">
-                <a16:creationId xmlns:a16="http://schemas.microsoft.com/office/drawing/2014/main" id="{C4F242BA-8DAA-439C-9EB7-3B2C2E289C76}"/>
+                <a16:creationId xmlns="" xmlns:a16="http://schemas.microsoft.com/office/drawing/2014/main" id="{C4F242BA-8DAA-439C-9EB7-3B2C2E289C76}"/>
               </a:ext>
             </a:extLst>
           </p:cNvPr>
@@ -4092,7 +4483,7 @@
           <p:cNvPr id="4" name="内容占位符 3">
             <a:extLst>
               <a:ext uri="{FF2B5EF4-FFF2-40B4-BE49-F238E27FC236}">
-                <a16:creationId xmlns:a16="http://schemas.microsoft.com/office/drawing/2014/main" id="{E469601C-DF23-411A-8859-4E97DDB7ACDE}"/>
+                <a16:creationId xmlns="" xmlns:a16="http://schemas.microsoft.com/office/drawing/2014/main" id="{E469601C-DF23-411A-8859-4E97DDB7ACDE}"/>
               </a:ext>
             </a:extLst>
           </p:cNvPr>
@@ -4154,7 +4545,7 @@
           <p:cNvPr id="5" name="文本占位符 4">
             <a:extLst>
               <a:ext uri="{FF2B5EF4-FFF2-40B4-BE49-F238E27FC236}">
-                <a16:creationId xmlns:a16="http://schemas.microsoft.com/office/drawing/2014/main" id="{6C218D40-2067-4546-A769-4E73D14D6A34}"/>
+                <a16:creationId xmlns="" xmlns:a16="http://schemas.microsoft.com/office/drawing/2014/main" id="{6C218D40-2067-4546-A769-4E73D14D6A34}"/>
               </a:ext>
             </a:extLst>
           </p:cNvPr>
@@ -4225,7 +4616,7 @@
           <p:cNvPr id="6" name="内容占位符 5">
             <a:extLst>
               <a:ext uri="{FF2B5EF4-FFF2-40B4-BE49-F238E27FC236}">
-                <a16:creationId xmlns:a16="http://schemas.microsoft.com/office/drawing/2014/main" id="{0551782C-D244-42A2-BF23-68B9E3ABA6A4}"/>
+                <a16:creationId xmlns="" xmlns:a16="http://schemas.microsoft.com/office/drawing/2014/main" id="{0551782C-D244-42A2-BF23-68B9E3ABA6A4}"/>
               </a:ext>
             </a:extLst>
           </p:cNvPr>
@@ -4287,7 +4678,7 @@
           <p:cNvPr id="7" name="日期占位符 6">
             <a:extLst>
               <a:ext uri="{FF2B5EF4-FFF2-40B4-BE49-F238E27FC236}">
-                <a16:creationId xmlns:a16="http://schemas.microsoft.com/office/drawing/2014/main" id="{A027427F-1F6D-456D-8E7B-FDD2A420AD8E}"/>
+                <a16:creationId xmlns="" xmlns:a16="http://schemas.microsoft.com/office/drawing/2014/main" id="{A027427F-1F6D-456D-8E7B-FDD2A420AD8E}"/>
               </a:ext>
             </a:extLst>
           </p:cNvPr>
@@ -4305,7 +4696,7 @@
           <a:p>
             <a:fld id="{B3290635-A607-4752-9C46-32D6910F3B20}" type="datetimeFigureOut">
               <a:rPr lang="zh-CN" altLang="en-US" smtClean="0"/>
-              <a:t>2019/6/23</a:t>
+              <a:t>2019/7/1</a:t>
             </a:fld>
             <a:endParaRPr lang="zh-CN" altLang="en-US"/>
           </a:p>
@@ -4316,7 +4707,7 @@
           <p:cNvPr id="8" name="页脚占位符 7">
             <a:extLst>
               <a:ext uri="{FF2B5EF4-FFF2-40B4-BE49-F238E27FC236}">
-                <a16:creationId xmlns:a16="http://schemas.microsoft.com/office/drawing/2014/main" id="{7EBA26E8-D36F-4BA3-B8DC-9B4BA42F0699}"/>
+                <a16:creationId xmlns="" xmlns:a16="http://schemas.microsoft.com/office/drawing/2014/main" id="{7EBA26E8-D36F-4BA3-B8DC-9B4BA42F0699}"/>
               </a:ext>
             </a:extLst>
           </p:cNvPr>
@@ -4341,7 +4732,7 @@
           <p:cNvPr id="9" name="灯片编号占位符 8">
             <a:extLst>
               <a:ext uri="{FF2B5EF4-FFF2-40B4-BE49-F238E27FC236}">
-                <a16:creationId xmlns:a16="http://schemas.microsoft.com/office/drawing/2014/main" id="{E8F399D3-A67A-41E7-A49F-94631B163915}"/>
+                <a16:creationId xmlns="" xmlns:a16="http://schemas.microsoft.com/office/drawing/2014/main" id="{E8F399D3-A67A-41E7-A49F-94631B163915}"/>
               </a:ext>
             </a:extLst>
           </p:cNvPr>
@@ -4400,7 +4791,7 @@
           <p:cNvPr id="2" name="标题 1">
             <a:extLst>
               <a:ext uri="{FF2B5EF4-FFF2-40B4-BE49-F238E27FC236}">
-                <a16:creationId xmlns:a16="http://schemas.microsoft.com/office/drawing/2014/main" id="{1BDDFDA5-51DB-4999-8FDE-5A13F1F2A926}"/>
+                <a16:creationId xmlns="" xmlns:a16="http://schemas.microsoft.com/office/drawing/2014/main" id="{1BDDFDA5-51DB-4999-8FDE-5A13F1F2A926}"/>
               </a:ext>
             </a:extLst>
           </p:cNvPr>
@@ -4428,7 +4819,7 @@
           <p:cNvPr id="3" name="日期占位符 2">
             <a:extLst>
               <a:ext uri="{FF2B5EF4-FFF2-40B4-BE49-F238E27FC236}">
-                <a16:creationId xmlns:a16="http://schemas.microsoft.com/office/drawing/2014/main" id="{B8A24093-A20D-4181-AA90-267C2427F59D}"/>
+                <a16:creationId xmlns="" xmlns:a16="http://schemas.microsoft.com/office/drawing/2014/main" id="{B8A24093-A20D-4181-AA90-267C2427F59D}"/>
               </a:ext>
             </a:extLst>
           </p:cNvPr>
@@ -4446,7 +4837,7 @@
           <a:p>
             <a:fld id="{B3290635-A607-4752-9C46-32D6910F3B20}" type="datetimeFigureOut">
               <a:rPr lang="zh-CN" altLang="en-US" smtClean="0"/>
-              <a:t>2019/6/23</a:t>
+              <a:t>2019/7/1</a:t>
             </a:fld>
             <a:endParaRPr lang="zh-CN" altLang="en-US"/>
           </a:p>
@@ -4457,7 +4848,7 @@
           <p:cNvPr id="4" name="页脚占位符 3">
             <a:extLst>
               <a:ext uri="{FF2B5EF4-FFF2-40B4-BE49-F238E27FC236}">
-                <a16:creationId xmlns:a16="http://schemas.microsoft.com/office/drawing/2014/main" id="{21184C1A-1C3B-48FB-AF15-14FA476E4F9F}"/>
+                <a16:creationId xmlns="" xmlns:a16="http://schemas.microsoft.com/office/drawing/2014/main" id="{21184C1A-1C3B-48FB-AF15-14FA476E4F9F}"/>
               </a:ext>
             </a:extLst>
           </p:cNvPr>
@@ -4482,7 +4873,7 @@
           <p:cNvPr id="5" name="灯片编号占位符 4">
             <a:extLst>
               <a:ext uri="{FF2B5EF4-FFF2-40B4-BE49-F238E27FC236}">
-                <a16:creationId xmlns:a16="http://schemas.microsoft.com/office/drawing/2014/main" id="{4841C250-E3E2-456B-B4FC-9F8A3A1E579D}"/>
+                <a16:creationId xmlns="" xmlns:a16="http://schemas.microsoft.com/office/drawing/2014/main" id="{4841C250-E3E2-456B-B4FC-9F8A3A1E579D}"/>
               </a:ext>
             </a:extLst>
           </p:cNvPr>
@@ -4541,7 +4932,7 @@
           <p:cNvPr id="2" name="日期占位符 1">
             <a:extLst>
               <a:ext uri="{FF2B5EF4-FFF2-40B4-BE49-F238E27FC236}">
-                <a16:creationId xmlns:a16="http://schemas.microsoft.com/office/drawing/2014/main" id="{60114A73-4E55-43E1-B533-3FC1C14BF515}"/>
+                <a16:creationId xmlns="" xmlns:a16="http://schemas.microsoft.com/office/drawing/2014/main" id="{60114A73-4E55-43E1-B533-3FC1C14BF515}"/>
               </a:ext>
             </a:extLst>
           </p:cNvPr>
@@ -4559,7 +4950,7 @@
           <a:p>
             <a:fld id="{B3290635-A607-4752-9C46-32D6910F3B20}" type="datetimeFigureOut">
               <a:rPr lang="zh-CN" altLang="en-US" smtClean="0"/>
-              <a:t>2019/6/23</a:t>
+              <a:t>2019/7/1</a:t>
             </a:fld>
             <a:endParaRPr lang="zh-CN" altLang="en-US"/>
           </a:p>
@@ -4570,7 +4961,7 @@
           <p:cNvPr id="3" name="页脚占位符 2">
             <a:extLst>
               <a:ext uri="{FF2B5EF4-FFF2-40B4-BE49-F238E27FC236}">
-                <a16:creationId xmlns:a16="http://schemas.microsoft.com/office/drawing/2014/main" id="{9D074042-FCD0-4455-A358-B188D6C0E4D2}"/>
+                <a16:creationId xmlns="" xmlns:a16="http://schemas.microsoft.com/office/drawing/2014/main" id="{9D074042-FCD0-4455-A358-B188D6C0E4D2}"/>
               </a:ext>
             </a:extLst>
           </p:cNvPr>
@@ -4595,7 +4986,7 @@
           <p:cNvPr id="4" name="灯片编号占位符 3">
             <a:extLst>
               <a:ext uri="{FF2B5EF4-FFF2-40B4-BE49-F238E27FC236}">
-                <a16:creationId xmlns:a16="http://schemas.microsoft.com/office/drawing/2014/main" id="{BCC9762D-7E4D-45F4-8F49-F7E88A6B8B94}"/>
+                <a16:creationId xmlns="" xmlns:a16="http://schemas.microsoft.com/office/drawing/2014/main" id="{BCC9762D-7E4D-45F4-8F49-F7E88A6B8B94}"/>
               </a:ext>
             </a:extLst>
           </p:cNvPr>
@@ -4654,7 +5045,7 @@
           <p:cNvPr id="2" name="标题 1">
             <a:extLst>
               <a:ext uri="{FF2B5EF4-FFF2-40B4-BE49-F238E27FC236}">
-                <a16:creationId xmlns:a16="http://schemas.microsoft.com/office/drawing/2014/main" id="{EE2275EA-1731-468F-A5AC-C07ED147FE3D}"/>
+                <a16:creationId xmlns="" xmlns:a16="http://schemas.microsoft.com/office/drawing/2014/main" id="{EE2275EA-1731-468F-A5AC-C07ED147FE3D}"/>
               </a:ext>
             </a:extLst>
           </p:cNvPr>
@@ -4691,7 +5082,7 @@
           <p:cNvPr id="3" name="内容占位符 2">
             <a:extLst>
               <a:ext uri="{FF2B5EF4-FFF2-40B4-BE49-F238E27FC236}">
-                <a16:creationId xmlns:a16="http://schemas.microsoft.com/office/drawing/2014/main" id="{6C7AA00B-69A4-463C-87EE-63FAE2AB312B}"/>
+                <a16:creationId xmlns="" xmlns:a16="http://schemas.microsoft.com/office/drawing/2014/main" id="{6C7AA00B-69A4-463C-87EE-63FAE2AB312B}"/>
               </a:ext>
             </a:extLst>
           </p:cNvPr>
@@ -4781,7 +5172,7 @@
           <p:cNvPr id="4" name="文本占位符 3">
             <a:extLst>
               <a:ext uri="{FF2B5EF4-FFF2-40B4-BE49-F238E27FC236}">
-                <a16:creationId xmlns:a16="http://schemas.microsoft.com/office/drawing/2014/main" id="{014B3F9F-38CE-40A8-83AF-B54B9E363716}"/>
+                <a16:creationId xmlns="" xmlns:a16="http://schemas.microsoft.com/office/drawing/2014/main" id="{014B3F9F-38CE-40A8-83AF-B54B9E363716}"/>
               </a:ext>
             </a:extLst>
           </p:cNvPr>
@@ -4852,7 +5243,7 @@
           <p:cNvPr id="5" name="日期占位符 4">
             <a:extLst>
               <a:ext uri="{FF2B5EF4-FFF2-40B4-BE49-F238E27FC236}">
-                <a16:creationId xmlns:a16="http://schemas.microsoft.com/office/drawing/2014/main" id="{D24F67EF-1736-4509-A92F-8C7135E6B5C3}"/>
+                <a16:creationId xmlns="" xmlns:a16="http://schemas.microsoft.com/office/drawing/2014/main" id="{D24F67EF-1736-4509-A92F-8C7135E6B5C3}"/>
               </a:ext>
             </a:extLst>
           </p:cNvPr>
@@ -4870,7 +5261,7 @@
           <a:p>
             <a:fld id="{B3290635-A607-4752-9C46-32D6910F3B20}" type="datetimeFigureOut">
               <a:rPr lang="zh-CN" altLang="en-US" smtClean="0"/>
-              <a:t>2019/6/23</a:t>
+              <a:t>2019/7/1</a:t>
             </a:fld>
             <a:endParaRPr lang="zh-CN" altLang="en-US"/>
           </a:p>
@@ -4881,7 +5272,7 @@
           <p:cNvPr id="6" name="页脚占位符 5">
             <a:extLst>
               <a:ext uri="{FF2B5EF4-FFF2-40B4-BE49-F238E27FC236}">
-                <a16:creationId xmlns:a16="http://schemas.microsoft.com/office/drawing/2014/main" id="{7650EDDF-114E-4872-BD7F-3D2DF701F1D4}"/>
+                <a16:creationId xmlns="" xmlns:a16="http://schemas.microsoft.com/office/drawing/2014/main" id="{7650EDDF-114E-4872-BD7F-3D2DF701F1D4}"/>
               </a:ext>
             </a:extLst>
           </p:cNvPr>
@@ -4906,7 +5297,7 @@
           <p:cNvPr id="7" name="灯片编号占位符 6">
             <a:extLst>
               <a:ext uri="{FF2B5EF4-FFF2-40B4-BE49-F238E27FC236}">
-                <a16:creationId xmlns:a16="http://schemas.microsoft.com/office/drawing/2014/main" id="{5171194A-061A-4DBC-AF1C-6D1338D4D3E7}"/>
+                <a16:creationId xmlns="" xmlns:a16="http://schemas.microsoft.com/office/drawing/2014/main" id="{5171194A-061A-4DBC-AF1C-6D1338D4D3E7}"/>
               </a:ext>
             </a:extLst>
           </p:cNvPr>
@@ -4965,7 +5356,7 @@
           <p:cNvPr id="2" name="标题 1">
             <a:extLst>
               <a:ext uri="{FF2B5EF4-FFF2-40B4-BE49-F238E27FC236}">
-                <a16:creationId xmlns:a16="http://schemas.microsoft.com/office/drawing/2014/main" id="{1C601F9E-0DE8-45C4-82F3-3A1D06F68D41}"/>
+                <a16:creationId xmlns="" xmlns:a16="http://schemas.microsoft.com/office/drawing/2014/main" id="{1C601F9E-0DE8-45C4-82F3-3A1D06F68D41}"/>
               </a:ext>
             </a:extLst>
           </p:cNvPr>
@@ -5002,7 +5393,7 @@
           <p:cNvPr id="3" name="图片占位符 2">
             <a:extLst>
               <a:ext uri="{FF2B5EF4-FFF2-40B4-BE49-F238E27FC236}">
-                <a16:creationId xmlns:a16="http://schemas.microsoft.com/office/drawing/2014/main" id="{B3EE7FE0-E095-4161-83C1-1254D8110ED7}"/>
+                <a16:creationId xmlns="" xmlns:a16="http://schemas.microsoft.com/office/drawing/2014/main" id="{B3EE7FE0-E095-4161-83C1-1254D8110ED7}"/>
               </a:ext>
             </a:extLst>
           </p:cNvPr>
@@ -5069,7 +5460,7 @@
           <p:cNvPr id="4" name="文本占位符 3">
             <a:extLst>
               <a:ext uri="{FF2B5EF4-FFF2-40B4-BE49-F238E27FC236}">
-                <a16:creationId xmlns:a16="http://schemas.microsoft.com/office/drawing/2014/main" id="{B704C2FC-0A41-4272-AF25-8BA593F56DE2}"/>
+                <a16:creationId xmlns="" xmlns:a16="http://schemas.microsoft.com/office/drawing/2014/main" id="{B704C2FC-0A41-4272-AF25-8BA593F56DE2}"/>
               </a:ext>
             </a:extLst>
           </p:cNvPr>
@@ -5140,7 +5531,7 @@
           <p:cNvPr id="5" name="日期占位符 4">
             <a:extLst>
               <a:ext uri="{FF2B5EF4-FFF2-40B4-BE49-F238E27FC236}">
-                <a16:creationId xmlns:a16="http://schemas.microsoft.com/office/drawing/2014/main" id="{7906AB37-44EC-45CA-BBC0-EEDC9182F587}"/>
+                <a16:creationId xmlns="" xmlns:a16="http://schemas.microsoft.com/office/drawing/2014/main" id="{7906AB37-44EC-45CA-BBC0-EEDC9182F587}"/>
               </a:ext>
             </a:extLst>
           </p:cNvPr>
@@ -5158,7 +5549,7 @@
           <a:p>
             <a:fld id="{B3290635-A607-4752-9C46-32D6910F3B20}" type="datetimeFigureOut">
               <a:rPr lang="zh-CN" altLang="en-US" smtClean="0"/>
-              <a:t>2019/6/23</a:t>
+              <a:t>2019/7/1</a:t>
             </a:fld>
             <a:endParaRPr lang="zh-CN" altLang="en-US"/>
           </a:p>
@@ -5169,7 +5560,7 @@
           <p:cNvPr id="6" name="页脚占位符 5">
             <a:extLst>
               <a:ext uri="{FF2B5EF4-FFF2-40B4-BE49-F238E27FC236}">
-                <a16:creationId xmlns:a16="http://schemas.microsoft.com/office/drawing/2014/main" id="{FD5BE69C-CA89-4144-A7BE-2C9A827E4AEE}"/>
+                <a16:creationId xmlns="" xmlns:a16="http://schemas.microsoft.com/office/drawing/2014/main" id="{FD5BE69C-CA89-4144-A7BE-2C9A827E4AEE}"/>
               </a:ext>
             </a:extLst>
           </p:cNvPr>
@@ -5194,7 +5585,7 @@
           <p:cNvPr id="7" name="灯片编号占位符 6">
             <a:extLst>
               <a:ext uri="{FF2B5EF4-FFF2-40B4-BE49-F238E27FC236}">
-                <a16:creationId xmlns:a16="http://schemas.microsoft.com/office/drawing/2014/main" id="{273D7596-C92F-4E26-9B21-73070ACFE12A}"/>
+                <a16:creationId xmlns="" xmlns:a16="http://schemas.microsoft.com/office/drawing/2014/main" id="{273D7596-C92F-4E26-9B21-73070ACFE12A}"/>
               </a:ext>
             </a:extLst>
           </p:cNvPr>
@@ -5258,7 +5649,7 @@
           <p:cNvPr id="2" name="标题占位符 1">
             <a:extLst>
               <a:ext uri="{FF2B5EF4-FFF2-40B4-BE49-F238E27FC236}">
-                <a16:creationId xmlns:a16="http://schemas.microsoft.com/office/drawing/2014/main" id="{6812D796-22AF-4D77-9B86-E1CFC7354B90}"/>
+                <a16:creationId xmlns="" xmlns:a16="http://schemas.microsoft.com/office/drawing/2014/main" id="{6812D796-22AF-4D77-9B86-E1CFC7354B90}"/>
               </a:ext>
             </a:extLst>
           </p:cNvPr>
@@ -5296,7 +5687,7 @@
           <p:cNvPr id="3" name="文本占位符 2">
             <a:extLst>
               <a:ext uri="{FF2B5EF4-FFF2-40B4-BE49-F238E27FC236}">
-                <a16:creationId xmlns:a16="http://schemas.microsoft.com/office/drawing/2014/main" id="{2CB2AF14-D778-442F-BCA5-75F3503DE0FD}"/>
+                <a16:creationId xmlns="" xmlns:a16="http://schemas.microsoft.com/office/drawing/2014/main" id="{2CB2AF14-D778-442F-BCA5-75F3503DE0FD}"/>
               </a:ext>
             </a:extLst>
           </p:cNvPr>
@@ -5363,7 +5754,7 @@
           <p:cNvPr id="4" name="日期占位符 3">
             <a:extLst>
               <a:ext uri="{FF2B5EF4-FFF2-40B4-BE49-F238E27FC236}">
-                <a16:creationId xmlns:a16="http://schemas.microsoft.com/office/drawing/2014/main" id="{E85CAB98-9CD6-41C6-944E-D61F198995A9}"/>
+                <a16:creationId xmlns="" xmlns:a16="http://schemas.microsoft.com/office/drawing/2014/main" id="{E85CAB98-9CD6-41C6-944E-D61F198995A9}"/>
               </a:ext>
             </a:extLst>
           </p:cNvPr>
@@ -5399,7 +5790,7 @@
           <a:p>
             <a:fld id="{B3290635-A607-4752-9C46-32D6910F3B20}" type="datetimeFigureOut">
               <a:rPr lang="zh-CN" altLang="en-US" smtClean="0"/>
-              <a:t>2019/6/23</a:t>
+              <a:t>2019/7/1</a:t>
             </a:fld>
             <a:endParaRPr lang="zh-CN" altLang="en-US"/>
           </a:p>
@@ -5410,7 +5801,7 @@
           <p:cNvPr id="5" name="页脚占位符 4">
             <a:extLst>
               <a:ext uri="{FF2B5EF4-FFF2-40B4-BE49-F238E27FC236}">
-                <a16:creationId xmlns:a16="http://schemas.microsoft.com/office/drawing/2014/main" id="{8DF43A47-CCCF-4F63-89C8-E70C282ED87C}"/>
+                <a16:creationId xmlns="" xmlns:a16="http://schemas.microsoft.com/office/drawing/2014/main" id="{8DF43A47-CCCF-4F63-89C8-E70C282ED87C}"/>
               </a:ext>
             </a:extLst>
           </p:cNvPr>
@@ -5453,7 +5844,7 @@
           <p:cNvPr id="6" name="灯片编号占位符 5">
             <a:extLst>
               <a:ext uri="{FF2B5EF4-FFF2-40B4-BE49-F238E27FC236}">
-                <a16:creationId xmlns:a16="http://schemas.microsoft.com/office/drawing/2014/main" id="{D66C359A-4B9E-4A06-9CAC-B91F97AEA3EE}"/>
+                <a16:creationId xmlns="" xmlns:a16="http://schemas.microsoft.com/office/drawing/2014/main" id="{D66C359A-4B9E-4A06-9CAC-B91F97AEA3EE}"/>
               </a:ext>
             </a:extLst>
           </p:cNvPr>
@@ -6068,6 +6459,13 @@
       <p:transition advClick="0"/>
     </mc:Fallback>
   </mc:AlternateContent>
+  <p:timing>
+    <p:tnLst>
+      <p:par>
+        <p:cTn id="1" dur="indefinite" restart="never" nodeType="tmRoot"/>
+      </p:par>
+    </p:tnLst>
+  </p:timing>
 </p:sld>
 </file>
 
@@ -6306,7 +6704,7 @@
           <p:cNvPr id="9" name="TextBox 26">
             <a:extLst>
               <a:ext uri="{FF2B5EF4-FFF2-40B4-BE49-F238E27FC236}">
-                <a16:creationId xmlns:a16="http://schemas.microsoft.com/office/drawing/2014/main" id="{6F4B9E25-EC4F-41FD-B009-782E2ACAA424}"/>
+                <a16:creationId xmlns="" xmlns:a16="http://schemas.microsoft.com/office/drawing/2014/main" id="{6F4B9E25-EC4F-41FD-B009-782E2ACAA424}"/>
               </a:ext>
             </a:extLst>
           </p:cNvPr>
@@ -7046,7 +7444,7 @@
               <a:defRPr/>
             </a:pPr>
             <a:r>
-              <a:rPr kumimoji="0" lang="en-US" sz="3200" b="0" i="0" u="none" strike="noStrike" kern="1200" cap="none" spc="0" normalizeH="0" baseline="0" noProof="0" dirty="0">
+              <a:rPr kumimoji="0" lang="en-US" sz="3200" b="0" i="0" u="none" strike="noStrike" kern="1200" cap="none" spc="0" normalizeH="0" baseline="0" noProof="0" dirty="0" err="1" smtClean="0">
                 <a:ln>
                   <a:noFill/>
                 </a:ln>
@@ -7066,7 +7464,7 @@
               <a:t>W</a:t>
             </a:r>
             <a:r>
-              <a:rPr kumimoji="0" lang="en-US" altLang="zh-CN" sz="3200" b="0" i="0" u="none" strike="noStrike" kern="1200" cap="none" spc="0" normalizeH="0" baseline="0" noProof="0" dirty="0">
+              <a:rPr kumimoji="0" lang="en-US" altLang="zh-CN" sz="3200" b="0" i="0" u="none" strike="noStrike" kern="1200" cap="none" spc="0" normalizeH="0" baseline="0" noProof="0" dirty="0" err="1" smtClean="0">
                 <a:ln>
                   <a:noFill/>
                 </a:ln>
@@ -7097,7 +7495,7 @@
                 <a:ea typeface="Roboto Thin" charset="0"/>
                 <a:cs typeface="Roboto Thin" charset="0"/>
               </a:rPr>
-              <a:t>是设么</a:t>
+              <a:t>由来</a:t>
             </a:r>
             <a:endParaRPr kumimoji="0" lang="en-US" sz="3200" b="0" i="0" u="none" strike="noStrike" kern="1200" cap="none" spc="0" normalizeH="0" baseline="0" noProof="0" dirty="0">
               <a:ln>
@@ -7124,7 +7522,7 @@
           <p:cNvPr id="9" name="TextBox 26">
             <a:extLst>
               <a:ext uri="{FF2B5EF4-FFF2-40B4-BE49-F238E27FC236}">
-                <a16:creationId xmlns:a16="http://schemas.microsoft.com/office/drawing/2014/main" id="{6F4B9E25-EC4F-41FD-B009-782E2ACAA424}"/>
+                <a16:creationId xmlns="" xmlns:a16="http://schemas.microsoft.com/office/drawing/2014/main" id="{6F4B9E25-EC4F-41FD-B009-782E2ACAA424}"/>
               </a:ext>
             </a:extLst>
           </p:cNvPr>
@@ -7133,8 +7531,8 @@
         </p:nvSpPr>
         <p:spPr>
           <a:xfrm>
-            <a:off x="1074221" y="2138172"/>
-            <a:ext cx="10043557" cy="1296445"/>
+            <a:off x="1074221" y="1859101"/>
+            <a:ext cx="10043557" cy="3000821"/>
           </a:xfrm>
           <a:prstGeom prst="rect">
             <a:avLst/>
@@ -7155,31 +7553,102 @@
             </a:pPr>
             <a:r>
               <a:rPr lang="en-US" altLang="zh-CN" dirty="0"/>
-              <a:t>A bundler for </a:t>
+              <a:t>It’s a funny story how I started with </a:t>
             </a:r>
             <a:r>
               <a:rPr lang="en-US" altLang="zh-CN" dirty="0" err="1"/>
-              <a:t>javascript</a:t>
+              <a:t>webpack</a:t>
             </a:r>
             <a:r>
               <a:rPr lang="en-US" altLang="zh-CN" dirty="0"/>
-              <a:t> and friends. Packs many modules into a few bundled assets. Code Splitting allows for loading parts of the application on demand. Through "loaders", modules can be </a:t>
+              <a:t>. Before getting addicted to JavaScript, I also developed in Java. I tried GWT (Google Web Toolkit) in that time. GWT is a Java-to-JavaScript Compiler, which has a great feature: </a:t>
+            </a:r>
+            <a:r>
+              <a:rPr lang="en-US" altLang="zh-CN" dirty="0">
+                <a:hlinkClick r:id="rId4"/>
+              </a:rPr>
+              <a:t>code splitting</a:t>
+            </a:r>
+            <a:r>
+              <a:rPr lang="en-US" altLang="zh-CN" dirty="0"/>
+              <a:t>. I liked this feature and missed it in existing JavaScript tooling. I opened </a:t>
+            </a:r>
+            <a:r>
+              <a:rPr lang="en-US" altLang="zh-CN" dirty="0">
+                <a:hlinkClick r:id="rId5"/>
+              </a:rPr>
+              <a:t>an issue</a:t>
+            </a:r>
+            <a:r>
+              <a:rPr lang="en-US" altLang="zh-CN" dirty="0"/>
+              <a:t> to an existing module bundler, but it did not go forward. </a:t>
             </a:r>
             <a:r>
               <a:rPr lang="en-US" altLang="zh-CN" dirty="0" err="1"/>
-              <a:t>CommonJs</a:t>
+              <a:t>Webpack</a:t>
             </a:r>
             <a:r>
               <a:rPr lang="en-US" altLang="zh-CN" dirty="0"/>
-              <a:t>, AMD, ES6 modules, CSS, Images, JSON, </a:t>
+              <a:t> was born</a:t>
+            </a:r>
+            <a:r>
+              <a:rPr lang="en-US" altLang="zh-CN" dirty="0" smtClean="0"/>
+              <a:t>.</a:t>
+            </a:r>
+          </a:p>
+          <a:p>
+            <a:pPr defTabSz="914083">
+              <a:lnSpc>
+                <a:spcPct val="150000"/>
+              </a:lnSpc>
+              <a:defRPr/>
+            </a:pPr>
+            <a:endParaRPr lang="en-US" altLang="zh-CN" dirty="0">
+              <a:sym typeface="Arial" panose="020B0604020202020204" pitchFamily="34" charset="0"/>
+            </a:endParaRPr>
+          </a:p>
+          <a:p>
+            <a:pPr defTabSz="914083">
+              <a:lnSpc>
+                <a:spcPct val="150000"/>
+              </a:lnSpc>
+              <a:defRPr/>
+            </a:pPr>
+            <a:r>
+              <a:rPr lang="en-US" altLang="zh-CN" dirty="0"/>
+              <a:t>Somehow the Instagram frontend team discovered an early version of </a:t>
             </a:r>
             <a:r>
               <a:rPr lang="en-US" altLang="zh-CN" dirty="0" err="1"/>
-              <a:t>Coffeescript</a:t>
+              <a:t>webpack</a:t>
             </a:r>
             <a:r>
               <a:rPr lang="en-US" altLang="zh-CN" dirty="0"/>
-              <a:t>, LESS, ... and your custom stuff</a:t>
+              <a:t> and started to use it for </a:t>
+            </a:r>
+            <a:r>
+              <a:rPr lang="en-US" altLang="zh-CN" dirty="0" smtClean="0"/>
+              <a:t>instagram.com</a:t>
+            </a:r>
+            <a:r>
+              <a:rPr lang="zh-CN" altLang="en-US" dirty="0" smtClean="0"/>
+              <a:t>，</a:t>
+            </a:r>
+            <a:r>
+              <a:rPr lang="en-US" altLang="zh-CN" dirty="0"/>
+              <a:t>One of the reasons for adoption of </a:t>
+            </a:r>
+            <a:r>
+              <a:rPr lang="en-US" altLang="zh-CN" dirty="0" err="1"/>
+              <a:t>webpack</a:t>
+            </a:r>
+            <a:r>
+              <a:rPr lang="en-US" altLang="zh-CN" dirty="0"/>
+              <a:t> by Instagram was </a:t>
+            </a:r>
+            <a:r>
+              <a:rPr lang="en-US" altLang="zh-CN" b="1" dirty="0"/>
+              <a:t>code splitting</a:t>
             </a:r>
             <a:endParaRPr lang="en-US" altLang="zh-CN" dirty="0">
               <a:sym typeface="Arial" panose="020B0604020202020204" pitchFamily="34" charset="0"/>
@@ -7351,7 +7820,7 @@
               <a:defRPr/>
             </a:pPr>
             <a:r>
-              <a:rPr kumimoji="0" lang="en-US" sz="3200" b="0" i="0" u="none" strike="noStrike" kern="1200" cap="none" spc="0" normalizeH="0" baseline="0" noProof="0" dirty="0">
+              <a:rPr kumimoji="0" lang="en-US" sz="3200" b="0" i="0" u="none" strike="noStrike" kern="1200" cap="none" spc="0" normalizeH="0" baseline="0" noProof="0" dirty="0" err="1" smtClean="0">
                 <a:ln>
                   <a:noFill/>
                 </a:ln>
@@ -7371,7 +7840,7 @@
               <a:t>W</a:t>
             </a:r>
             <a:r>
-              <a:rPr kumimoji="0" lang="en-US" altLang="zh-CN" sz="3200" b="0" i="0" u="none" strike="noStrike" kern="1200" cap="none" spc="0" normalizeH="0" baseline="0" noProof="0" dirty="0">
+              <a:rPr kumimoji="0" lang="en-US" altLang="zh-CN" sz="3200" b="0" i="0" u="none" strike="noStrike" kern="1200" cap="none" spc="0" normalizeH="0" baseline="0" noProof="0" dirty="0" err="1" smtClean="0">
                 <a:ln>
                   <a:noFill/>
                 </a:ln>
@@ -7391,27 +7860,7 @@
               <a:t>ebpack</a:t>
             </a:r>
             <a:r>
-              <a:rPr kumimoji="0" lang="zh-CN" altLang="en-US" sz="3200" b="0" i="0" u="none" strike="noStrike" kern="1200" cap="none" spc="0" normalizeH="0" baseline="0" noProof="0" dirty="0">
-                <a:ln>
-                  <a:noFill/>
-                </a:ln>
-                <a:solidFill>
-                  <a:prstClr val="black">
-                    <a:lumMod val="75000"/>
-                    <a:lumOff val="25000"/>
-                  </a:prstClr>
-                </a:solidFill>
-                <a:effectLst/>
-                <a:uLnTx/>
-                <a:uFillTx/>
-                <a:latin typeface="Roboto Thin" charset="0"/>
-                <a:ea typeface="Roboto Thin" charset="0"/>
-                <a:cs typeface="Roboto Thin" charset="0"/>
-              </a:rPr>
-              <a:t>核心</a:t>
-            </a:r>
-            <a:r>
-              <a:rPr lang="zh-CN" altLang="en-US" sz="3200" dirty="0">
+              <a:rPr lang="en-US" altLang="zh-CN" sz="3200" dirty="0">
                 <a:solidFill>
                   <a:prstClr val="black">
                     <a:lumMod val="75000"/>
@@ -7422,7 +7871,21 @@
                 <a:ea typeface="Roboto Thin" charset="0"/>
                 <a:cs typeface="Roboto Thin" charset="0"/>
               </a:rPr>
-              <a:t>配置</a:t>
+              <a:t> </a:t>
+            </a:r>
+            <a:r>
+              <a:rPr lang="en-US" altLang="zh-CN" sz="3200" dirty="0" smtClean="0">
+                <a:solidFill>
+                  <a:prstClr val="black">
+                    <a:lumMod val="75000"/>
+                    <a:lumOff val="25000"/>
+                  </a:prstClr>
+                </a:solidFill>
+                <a:latin typeface="Roboto Thin" charset="0"/>
+                <a:ea typeface="Roboto Thin" charset="0"/>
+                <a:cs typeface="Roboto Thin" charset="0"/>
+              </a:rPr>
+              <a:t>study</a:t>
             </a:r>
             <a:endParaRPr kumimoji="0" lang="en-US" sz="3200" b="0" i="0" u="none" strike="noStrike" kern="1200" cap="none" spc="0" normalizeH="0" baseline="0" noProof="0" dirty="0">
               <a:ln>
@@ -7444,40 +7907,98 @@
           </a:p>
         </p:txBody>
       </p:sp>
-      <p:pic>
-        <p:nvPicPr>
-          <p:cNvPr id="9" name="图片 8">
+      <p:sp>
+        <p:nvSpPr>
+          <p:cNvPr id="9" name="TextBox 26">
             <a:extLst>
               <a:ext uri="{FF2B5EF4-FFF2-40B4-BE49-F238E27FC236}">
-                <a16:creationId xmlns:a16="http://schemas.microsoft.com/office/drawing/2014/main" id="{2BA3516A-C334-4011-85F7-676B9D036271}"/>
+                <a16:creationId xmlns="" xmlns:a16="http://schemas.microsoft.com/office/drawing/2014/main" id="{6F4B9E25-EC4F-41FD-B009-782E2ACAA424}"/>
               </a:ext>
             </a:extLst>
           </p:cNvPr>
-          <p:cNvPicPr>
-            <a:picLocks noChangeAspect="1"/>
-          </p:cNvPicPr>
+          <p:cNvSpPr txBox="1"/>
           <p:nvPr/>
-        </p:nvPicPr>
-        <p:blipFill>
-          <a:blip r:embed="rId4"/>
-          <a:stretch>
-            <a:fillRect/>
-          </a:stretch>
-        </p:blipFill>
+        </p:nvSpPr>
         <p:spPr>
           <a:xfrm>
-            <a:off x="2446317" y="1370643"/>
-            <a:ext cx="6394062" cy="4732860"/>
+            <a:off x="1074221" y="1859101"/>
+            <a:ext cx="10043557" cy="1338828"/>
           </a:xfrm>
           <a:prstGeom prst="rect">
             <a:avLst/>
           </a:prstGeom>
+          <a:noFill/>
         </p:spPr>
-      </p:pic>
+        <p:txBody>
+          <a:bodyPr wrap="square">
+            <a:spAutoFit/>
+          </a:bodyPr>
+          <a:lstStyle/>
+          <a:p>
+            <a:pPr defTabSz="914083">
+              <a:lnSpc>
+                <a:spcPct val="150000"/>
+              </a:lnSpc>
+              <a:defRPr/>
+            </a:pPr>
+            <a:r>
+              <a:rPr lang="en-US" altLang="zh-CN" dirty="0">
+                <a:hlinkClick r:id="rId4"/>
+              </a:rPr>
+              <a:t>https://survivejs.com/webpack/foreword</a:t>
+            </a:r>
+            <a:r>
+              <a:rPr lang="en-US" altLang="zh-CN" dirty="0" smtClean="0">
+                <a:hlinkClick r:id="rId4"/>
+              </a:rPr>
+              <a:t>/</a:t>
+            </a:r>
+            <a:endParaRPr lang="en-US" altLang="zh-CN" dirty="0" smtClean="0"/>
+          </a:p>
+          <a:p>
+            <a:pPr defTabSz="914083">
+              <a:lnSpc>
+                <a:spcPct val="150000"/>
+              </a:lnSpc>
+              <a:defRPr/>
+            </a:pPr>
+            <a:r>
+              <a:rPr lang="en-US" altLang="zh-CN" dirty="0">
+                <a:hlinkClick r:id="rId5"/>
+              </a:rPr>
+              <a:t>https://</a:t>
+            </a:r>
+            <a:r>
+              <a:rPr lang="en-US" altLang="zh-CN" dirty="0" smtClean="0">
+                <a:hlinkClick r:id="rId5"/>
+              </a:rPr>
+              <a:t>webpack.js.org</a:t>
+            </a:r>
+            <a:endParaRPr lang="en-US" altLang="zh-CN" dirty="0" smtClean="0"/>
+          </a:p>
+          <a:p>
+            <a:pPr defTabSz="914083">
+              <a:lnSpc>
+                <a:spcPct val="150000"/>
+              </a:lnSpc>
+              <a:defRPr/>
+            </a:pPr>
+            <a:r>
+              <a:rPr lang="en-US" altLang="zh-CN" dirty="0">
+                <a:hlinkClick r:id="rId6"/>
+              </a:rPr>
+              <a:t>https://webpack.docschina.org/</a:t>
+            </a:r>
+            <a:endParaRPr lang="en-US" altLang="zh-CN" dirty="0">
+              <a:sym typeface="Arial" panose="020B0604020202020204" pitchFamily="34" charset="0"/>
+            </a:endParaRPr>
+          </a:p>
+        </p:txBody>
+      </p:sp>
     </p:spTree>
     <p:extLst>
       <p:ext uri="{BB962C8B-B14F-4D97-AF65-F5344CB8AC3E}">
-        <p14:creationId xmlns:p14="http://schemas.microsoft.com/office/powerpoint/2010/main" val="3470269191"/>
+        <p14:creationId xmlns:p14="http://schemas.microsoft.com/office/powerpoint/2010/main" val="171079418"/>
       </p:ext>
     </p:extLst>
   </p:cSld>
@@ -7531,6 +8052,859 @@
         </p:nvSpPr>
         <p:spPr>
           <a:xfrm>
+            <a:off x="0" y="0"/>
+            <a:ext cx="12192000" cy="6857999"/>
+          </a:xfrm>
+          <a:prstGeom prst="rect">
+            <a:avLst/>
+          </a:prstGeom>
+          <a:solidFill>
+            <a:schemeClr val="bg1">
+              <a:alpha val="90000"/>
+            </a:schemeClr>
+          </a:solidFill>
+          <a:ln>
+            <a:noFill/>
+          </a:ln>
+        </p:spPr>
+        <p:style>
+          <a:lnRef idx="2">
+            <a:schemeClr val="accent1">
+              <a:shade val="50000"/>
+            </a:schemeClr>
+          </a:lnRef>
+          <a:fillRef idx="1">
+            <a:schemeClr val="accent1"/>
+          </a:fillRef>
+          <a:effectRef idx="0">
+            <a:schemeClr val="accent1"/>
+          </a:effectRef>
+          <a:fontRef idx="minor">
+            <a:schemeClr val="lt1"/>
+          </a:fontRef>
+        </p:style>
+        <p:txBody>
+          <a:bodyPr rtlCol="0" anchor="ctr"/>
+          <a:lstStyle/>
+          <a:p>
+            <a:pPr marL="0" marR="0" lvl="0" indent="0" algn="ctr" defTabSz="914400" rtl="0" eaLnBrk="1" fontAlgn="auto" latinLnBrk="0" hangingPunct="1">
+              <a:lnSpc>
+                <a:spcPct val="100000"/>
+              </a:lnSpc>
+              <a:spcBef>
+                <a:spcPts val="0"/>
+              </a:spcBef>
+              <a:spcAft>
+                <a:spcPts val="0"/>
+              </a:spcAft>
+              <a:buClrTx/>
+              <a:buSzTx/>
+              <a:buFontTx/>
+              <a:buNone/>
+              <a:defRPr/>
+            </a:pPr>
+            <a:endParaRPr kumimoji="0" lang="en-US" sz="1800" b="0" i="0" u="none" strike="noStrike" kern="1200" cap="none" spc="0" normalizeH="0" baseline="0" noProof="0" dirty="0">
+              <a:ln>
+                <a:noFill/>
+              </a:ln>
+              <a:solidFill>
+                <a:prstClr val="white"/>
+              </a:solidFill>
+              <a:effectLst/>
+              <a:uLnTx/>
+              <a:uFillTx/>
+              <a:latin typeface="Calibri" panose="020F0502020204030204"/>
+              <a:ea typeface="+mn-ea"/>
+              <a:cs typeface="+mn-cs"/>
+            </a:endParaRPr>
+          </a:p>
+        </p:txBody>
+      </p:sp>
+      <p:sp>
+        <p:nvSpPr>
+          <p:cNvPr id="7" name="TextBox 6"/>
+          <p:cNvSpPr txBox="1"/>
+          <p:nvPr/>
+        </p:nvSpPr>
+        <p:spPr>
+          <a:xfrm>
+            <a:off x="1205343" y="637163"/>
+            <a:ext cx="7392936" cy="584775"/>
+          </a:xfrm>
+          <a:prstGeom prst="rect">
+            <a:avLst/>
+          </a:prstGeom>
+          <a:noFill/>
+        </p:spPr>
+        <p:txBody>
+          <a:bodyPr wrap="square" rtlCol="0">
+            <a:spAutoFit/>
+          </a:bodyPr>
+          <a:lstStyle/>
+          <a:p>
+            <a:pPr marL="0" marR="0" lvl="0" indent="0" algn="ctr" defTabSz="914400" rtl="0" eaLnBrk="1" fontAlgn="auto" latinLnBrk="0" hangingPunct="1">
+              <a:lnSpc>
+                <a:spcPct val="100000"/>
+              </a:lnSpc>
+              <a:spcBef>
+                <a:spcPts val="0"/>
+              </a:spcBef>
+              <a:spcAft>
+                <a:spcPts val="0"/>
+              </a:spcAft>
+              <a:buClrTx/>
+              <a:buSzTx/>
+              <a:buFontTx/>
+              <a:buNone/>
+              <a:defRPr/>
+            </a:pPr>
+            <a:r>
+              <a:rPr kumimoji="0" lang="en-US" sz="3200" b="0" i="0" u="none" strike="noStrike" kern="1200" cap="none" spc="0" normalizeH="0" baseline="0" noProof="0" dirty="0">
+                <a:ln>
+                  <a:noFill/>
+                </a:ln>
+                <a:solidFill>
+                  <a:prstClr val="black">
+                    <a:lumMod val="75000"/>
+                    <a:lumOff val="25000"/>
+                  </a:prstClr>
+                </a:solidFill>
+                <a:effectLst/>
+                <a:uLnTx/>
+                <a:uFillTx/>
+                <a:latin typeface="Roboto Thin" charset="0"/>
+                <a:ea typeface="Roboto Thin" charset="0"/>
+                <a:cs typeface="Roboto Thin" charset="0"/>
+              </a:rPr>
+              <a:t>W</a:t>
+            </a:r>
+            <a:r>
+              <a:rPr kumimoji="0" lang="en-US" altLang="zh-CN" sz="3200" b="0" i="0" u="none" strike="noStrike" kern="1200" cap="none" spc="0" normalizeH="0" baseline="0" noProof="0" dirty="0">
+                <a:ln>
+                  <a:noFill/>
+                </a:ln>
+                <a:solidFill>
+                  <a:prstClr val="black">
+                    <a:lumMod val="75000"/>
+                    <a:lumOff val="25000"/>
+                  </a:prstClr>
+                </a:solidFill>
+                <a:effectLst/>
+                <a:uLnTx/>
+                <a:uFillTx/>
+                <a:latin typeface="Roboto Thin" charset="0"/>
+                <a:ea typeface="Roboto Thin" charset="0"/>
+                <a:cs typeface="Roboto Thin" charset="0"/>
+              </a:rPr>
+              <a:t>ebpack</a:t>
+            </a:r>
+            <a:r>
+              <a:rPr lang="zh-CN" altLang="en-US" sz="3200" dirty="0">
+                <a:solidFill>
+                  <a:prstClr val="black">
+                    <a:lumMod val="75000"/>
+                    <a:lumOff val="25000"/>
+                  </a:prstClr>
+                </a:solidFill>
+                <a:latin typeface="Roboto Thin" charset="0"/>
+                <a:ea typeface="Roboto Thin" charset="0"/>
+                <a:cs typeface="Roboto Thin" charset="0"/>
+              </a:rPr>
+              <a:t>是设么</a:t>
+            </a:r>
+            <a:endParaRPr kumimoji="0" lang="en-US" sz="3200" b="0" i="0" u="none" strike="noStrike" kern="1200" cap="none" spc="0" normalizeH="0" baseline="0" noProof="0" dirty="0">
+              <a:ln>
+                <a:noFill/>
+              </a:ln>
+              <a:solidFill>
+                <a:prstClr val="black">
+                  <a:lumMod val="75000"/>
+                  <a:lumOff val="25000"/>
+                </a:prstClr>
+              </a:solidFill>
+              <a:effectLst/>
+              <a:uLnTx/>
+              <a:uFillTx/>
+              <a:latin typeface="Roboto Thin" charset="0"/>
+              <a:ea typeface="Roboto Thin" charset="0"/>
+              <a:cs typeface="Roboto Thin" charset="0"/>
+            </a:endParaRPr>
+          </a:p>
+        </p:txBody>
+      </p:sp>
+      <p:sp>
+        <p:nvSpPr>
+          <p:cNvPr id="9" name="TextBox 26">
+            <a:extLst>
+              <a:ext uri="{FF2B5EF4-FFF2-40B4-BE49-F238E27FC236}">
+                <a16:creationId xmlns="" xmlns:a16="http://schemas.microsoft.com/office/drawing/2014/main" id="{6F4B9E25-EC4F-41FD-B009-782E2ACAA424}"/>
+              </a:ext>
+            </a:extLst>
+          </p:cNvPr>
+          <p:cNvSpPr txBox="1"/>
+          <p:nvPr/>
+        </p:nvSpPr>
+        <p:spPr>
+          <a:xfrm>
+            <a:off x="1074221" y="2138172"/>
+            <a:ext cx="10043557" cy="1296445"/>
+          </a:xfrm>
+          <a:prstGeom prst="rect">
+            <a:avLst/>
+          </a:prstGeom>
+          <a:noFill/>
+        </p:spPr>
+        <p:txBody>
+          <a:bodyPr wrap="square">
+            <a:spAutoFit/>
+          </a:bodyPr>
+          <a:lstStyle/>
+          <a:p>
+            <a:pPr defTabSz="914083">
+              <a:lnSpc>
+                <a:spcPct val="150000"/>
+              </a:lnSpc>
+              <a:defRPr/>
+            </a:pPr>
+            <a:r>
+              <a:rPr lang="en-US" altLang="zh-CN" dirty="0"/>
+              <a:t>A bundler for </a:t>
+            </a:r>
+            <a:r>
+              <a:rPr lang="en-US" altLang="zh-CN" dirty="0" err="1"/>
+              <a:t>javascript</a:t>
+            </a:r>
+            <a:r>
+              <a:rPr lang="en-US" altLang="zh-CN" dirty="0"/>
+              <a:t> and friends. Packs many modules into a few bundled assets. Code Splitting allows for loading parts of the application on demand. Through "loaders", modules can be </a:t>
+            </a:r>
+            <a:r>
+              <a:rPr lang="en-US" altLang="zh-CN" dirty="0" err="1"/>
+              <a:t>CommonJs</a:t>
+            </a:r>
+            <a:r>
+              <a:rPr lang="en-US" altLang="zh-CN" dirty="0"/>
+              <a:t>, AMD, ES6 modules, CSS, Images, JSON, </a:t>
+            </a:r>
+            <a:r>
+              <a:rPr lang="en-US" altLang="zh-CN" dirty="0" err="1"/>
+              <a:t>Coffeescript</a:t>
+            </a:r>
+            <a:r>
+              <a:rPr lang="en-US" altLang="zh-CN" dirty="0"/>
+              <a:t>, LESS, ... and your custom stuff</a:t>
+            </a:r>
+            <a:endParaRPr lang="en-US" altLang="zh-CN" dirty="0">
+              <a:sym typeface="Arial" panose="020B0604020202020204" pitchFamily="34" charset="0"/>
+            </a:endParaRPr>
+          </a:p>
+        </p:txBody>
+      </p:sp>
+    </p:spTree>
+    <p:extLst>
+      <p:ext uri="{BB962C8B-B14F-4D97-AF65-F5344CB8AC3E}">
+        <p14:creationId xmlns:p14="http://schemas.microsoft.com/office/powerpoint/2010/main" val="2381244589"/>
+      </p:ext>
+    </p:extLst>
+  </p:cSld>
+  <p:clrMapOvr>
+    <a:masterClrMapping/>
+  </p:clrMapOvr>
+</p:sld>
+</file>
+
+<file path=ppt/slides/slide15.xml><?xml version="1.0" encoding="utf-8"?>
+<p:sld xmlns:a="http://schemas.openxmlformats.org/drawingml/2006/main" xmlns:r="http://schemas.openxmlformats.org/officeDocument/2006/relationships" xmlns:p="http://schemas.openxmlformats.org/presentationml/2006/main">
+  <p:cSld>
+    <p:spTree>
+      <p:nvGrpSpPr>
+        <p:cNvPr id="1" name=""/>
+        <p:cNvGrpSpPr/>
+        <p:nvPr/>
+      </p:nvGrpSpPr>
+      <p:grpSpPr>
+        <a:xfrm>
+          <a:off x="0" y="0"/>
+          <a:ext cx="0" cy="0"/>
+          <a:chOff x="0" y="0"/>
+          <a:chExt cx="0" cy="0"/>
+        </a:xfrm>
+      </p:grpSpPr>
+      <p:pic>
+        <p:nvPicPr>
+          <p:cNvPr id="8" name="图片占位符 7"/>
+          <p:cNvPicPr>
+            <a:picLocks noGrp="1" noChangeAspect="1"/>
+          </p:cNvPicPr>
+          <p:nvPr>
+            <p:ph type="pic" sz="quarter" idx="10"/>
+          </p:nvPr>
+        </p:nvPicPr>
+        <p:blipFill>
+          <a:blip r:embed="rId3" cstate="screen"/>
+          <a:srcRect/>
+          <a:stretch>
+            <a:fillRect/>
+          </a:stretch>
+        </p:blipFill>
+        <p:spPr/>
+      </p:pic>
+      <p:sp>
+        <p:nvSpPr>
+          <p:cNvPr id="4" name="Rectangle 3"/>
+          <p:cNvSpPr/>
+          <p:nvPr/>
+        </p:nvSpPr>
+        <p:spPr>
+          <a:xfrm>
+            <a:off x="0" y="0"/>
+            <a:ext cx="12192000" cy="6857999"/>
+          </a:xfrm>
+          <a:prstGeom prst="rect">
+            <a:avLst/>
+          </a:prstGeom>
+          <a:solidFill>
+            <a:schemeClr val="bg1">
+              <a:alpha val="90000"/>
+            </a:schemeClr>
+          </a:solidFill>
+          <a:ln>
+            <a:noFill/>
+          </a:ln>
+        </p:spPr>
+        <p:style>
+          <a:lnRef idx="2">
+            <a:schemeClr val="accent1">
+              <a:shade val="50000"/>
+            </a:schemeClr>
+          </a:lnRef>
+          <a:fillRef idx="1">
+            <a:schemeClr val="accent1"/>
+          </a:fillRef>
+          <a:effectRef idx="0">
+            <a:schemeClr val="accent1"/>
+          </a:effectRef>
+          <a:fontRef idx="minor">
+            <a:schemeClr val="lt1"/>
+          </a:fontRef>
+        </p:style>
+        <p:txBody>
+          <a:bodyPr rtlCol="0" anchor="ctr"/>
+          <a:lstStyle/>
+          <a:p>
+            <a:pPr marL="0" marR="0" lvl="0" indent="0" algn="ctr" defTabSz="914400" rtl="0" eaLnBrk="1" fontAlgn="auto" latinLnBrk="0" hangingPunct="1">
+              <a:lnSpc>
+                <a:spcPct val="100000"/>
+              </a:lnSpc>
+              <a:spcBef>
+                <a:spcPts val="0"/>
+              </a:spcBef>
+              <a:spcAft>
+                <a:spcPts val="0"/>
+              </a:spcAft>
+              <a:buClrTx/>
+              <a:buSzTx/>
+              <a:buFontTx/>
+              <a:buNone/>
+              <a:defRPr/>
+            </a:pPr>
+            <a:endParaRPr kumimoji="0" lang="en-US" sz="1800" b="0" i="0" u="none" strike="noStrike" kern="1200" cap="none" spc="0" normalizeH="0" baseline="0" noProof="0" dirty="0">
+              <a:ln>
+                <a:noFill/>
+              </a:ln>
+              <a:solidFill>
+                <a:prstClr val="white"/>
+              </a:solidFill>
+              <a:effectLst/>
+              <a:uLnTx/>
+              <a:uFillTx/>
+              <a:latin typeface="Calibri" panose="020F0502020204030204"/>
+              <a:ea typeface="+mn-ea"/>
+              <a:cs typeface="+mn-cs"/>
+            </a:endParaRPr>
+          </a:p>
+        </p:txBody>
+      </p:sp>
+      <p:sp>
+        <p:nvSpPr>
+          <p:cNvPr id="7" name="TextBox 6"/>
+          <p:cNvSpPr txBox="1"/>
+          <p:nvPr/>
+        </p:nvSpPr>
+        <p:spPr>
+          <a:xfrm>
+            <a:off x="1205343" y="637163"/>
+            <a:ext cx="7392936" cy="584775"/>
+          </a:xfrm>
+          <a:prstGeom prst="rect">
+            <a:avLst/>
+          </a:prstGeom>
+          <a:noFill/>
+        </p:spPr>
+        <p:txBody>
+          <a:bodyPr wrap="square" rtlCol="0">
+            <a:spAutoFit/>
+          </a:bodyPr>
+          <a:lstStyle/>
+          <a:p>
+            <a:pPr marL="0" marR="0" lvl="0" indent="0" algn="ctr" defTabSz="914400" rtl="0" eaLnBrk="1" fontAlgn="auto" latinLnBrk="0" hangingPunct="1">
+              <a:lnSpc>
+                <a:spcPct val="100000"/>
+              </a:lnSpc>
+              <a:spcBef>
+                <a:spcPts val="0"/>
+              </a:spcBef>
+              <a:spcAft>
+                <a:spcPts val="0"/>
+              </a:spcAft>
+              <a:buClrTx/>
+              <a:buSzTx/>
+              <a:buFontTx/>
+              <a:buNone/>
+              <a:defRPr/>
+            </a:pPr>
+            <a:r>
+              <a:rPr kumimoji="0" lang="en-US" sz="3200" b="0" i="0" u="none" strike="noStrike" kern="1200" cap="none" spc="0" normalizeH="0" baseline="0" noProof="0" dirty="0" err="1" smtClean="0">
+                <a:ln>
+                  <a:noFill/>
+                </a:ln>
+                <a:solidFill>
+                  <a:prstClr val="black">
+                    <a:lumMod val="75000"/>
+                    <a:lumOff val="25000"/>
+                  </a:prstClr>
+                </a:solidFill>
+                <a:effectLst/>
+                <a:uLnTx/>
+                <a:uFillTx/>
+                <a:latin typeface="Roboto Thin" charset="0"/>
+                <a:ea typeface="Roboto Thin" charset="0"/>
+                <a:cs typeface="Roboto Thin" charset="0"/>
+              </a:rPr>
+              <a:t>W</a:t>
+            </a:r>
+            <a:r>
+              <a:rPr kumimoji="0" lang="en-US" altLang="zh-CN" sz="3200" b="0" i="0" u="none" strike="noStrike" kern="1200" cap="none" spc="0" normalizeH="0" baseline="0" noProof="0" dirty="0" err="1" smtClean="0">
+                <a:ln>
+                  <a:noFill/>
+                </a:ln>
+                <a:solidFill>
+                  <a:prstClr val="black">
+                    <a:lumMod val="75000"/>
+                    <a:lumOff val="25000"/>
+                  </a:prstClr>
+                </a:solidFill>
+                <a:effectLst/>
+                <a:uLnTx/>
+                <a:uFillTx/>
+                <a:latin typeface="Roboto Thin" charset="0"/>
+                <a:ea typeface="Roboto Thin" charset="0"/>
+                <a:cs typeface="Roboto Thin" charset="0"/>
+              </a:rPr>
+              <a:t>ebpack</a:t>
+            </a:r>
+            <a:r>
+              <a:rPr lang="zh-CN" altLang="en-US" sz="3200" noProof="0" dirty="0" smtClean="0">
+                <a:solidFill>
+                  <a:prstClr val="black">
+                    <a:lumMod val="75000"/>
+                    <a:lumOff val="25000"/>
+                  </a:prstClr>
+                </a:solidFill>
+                <a:latin typeface="Roboto Thin" charset="0"/>
+                <a:ea typeface="Roboto Thin" charset="0"/>
+                <a:cs typeface="Roboto Thin" charset="0"/>
+              </a:rPr>
+              <a:t>执行流程</a:t>
+            </a:r>
+            <a:endParaRPr kumimoji="0" lang="en-US" sz="3200" b="0" i="0" u="none" strike="noStrike" kern="1200" cap="none" spc="0" normalizeH="0" baseline="0" noProof="0" dirty="0">
+              <a:ln>
+                <a:noFill/>
+              </a:ln>
+              <a:solidFill>
+                <a:prstClr val="black">
+                  <a:lumMod val="75000"/>
+                  <a:lumOff val="25000"/>
+                </a:prstClr>
+              </a:solidFill>
+              <a:effectLst/>
+              <a:uLnTx/>
+              <a:uFillTx/>
+              <a:latin typeface="Roboto Thin" charset="0"/>
+              <a:ea typeface="Roboto Thin" charset="0"/>
+              <a:cs typeface="Roboto Thin" charset="0"/>
+            </a:endParaRPr>
+          </a:p>
+        </p:txBody>
+      </p:sp>
+      <p:pic>
+        <p:nvPicPr>
+          <p:cNvPr id="2" name="图片 1"/>
+          <p:cNvPicPr>
+            <a:picLocks noChangeAspect="1"/>
+          </p:cNvPicPr>
+          <p:nvPr/>
+        </p:nvPicPr>
+        <p:blipFill>
+          <a:blip r:embed="rId4"/>
+          <a:stretch>
+            <a:fillRect/>
+          </a:stretch>
+        </p:blipFill>
+        <p:spPr>
+          <a:xfrm>
+            <a:off x="2104545" y="1580197"/>
+            <a:ext cx="6714286" cy="3285714"/>
+          </a:xfrm>
+          <a:prstGeom prst="rect">
+            <a:avLst/>
+          </a:prstGeom>
+        </p:spPr>
+      </p:pic>
+    </p:spTree>
+    <p:extLst>
+      <p:ext uri="{BB962C8B-B14F-4D97-AF65-F5344CB8AC3E}">
+        <p14:creationId xmlns:p14="http://schemas.microsoft.com/office/powerpoint/2010/main" val="1076228714"/>
+      </p:ext>
+    </p:extLst>
+  </p:cSld>
+  <p:clrMapOvr>
+    <a:masterClrMapping/>
+  </p:clrMapOvr>
+</p:sld>
+</file>
+
+<file path=ppt/slides/slide16.xml><?xml version="1.0" encoding="utf-8"?>
+<p:sld xmlns:a="http://schemas.openxmlformats.org/drawingml/2006/main" xmlns:r="http://schemas.openxmlformats.org/officeDocument/2006/relationships" xmlns:p="http://schemas.openxmlformats.org/presentationml/2006/main">
+  <p:cSld>
+    <p:spTree>
+      <p:nvGrpSpPr>
+        <p:cNvPr id="1" name=""/>
+        <p:cNvGrpSpPr/>
+        <p:nvPr/>
+      </p:nvGrpSpPr>
+      <p:grpSpPr>
+        <a:xfrm>
+          <a:off x="0" y="0"/>
+          <a:ext cx="0" cy="0"/>
+          <a:chOff x="0" y="0"/>
+          <a:chExt cx="0" cy="0"/>
+        </a:xfrm>
+      </p:grpSpPr>
+      <p:pic>
+        <p:nvPicPr>
+          <p:cNvPr id="8" name="图片占位符 7"/>
+          <p:cNvPicPr>
+            <a:picLocks noGrp="1" noChangeAspect="1"/>
+          </p:cNvPicPr>
+          <p:nvPr>
+            <p:ph type="pic" sz="quarter" idx="10"/>
+          </p:nvPr>
+        </p:nvPicPr>
+        <p:blipFill>
+          <a:blip r:embed="rId3" cstate="screen"/>
+          <a:srcRect/>
+          <a:stretch>
+            <a:fillRect/>
+          </a:stretch>
+        </p:blipFill>
+        <p:spPr/>
+      </p:pic>
+      <p:sp>
+        <p:nvSpPr>
+          <p:cNvPr id="4" name="Rectangle 3"/>
+          <p:cNvSpPr/>
+          <p:nvPr/>
+        </p:nvSpPr>
+        <p:spPr>
+          <a:xfrm>
+            <a:off x="0" y="0"/>
+            <a:ext cx="12192000" cy="6857999"/>
+          </a:xfrm>
+          <a:prstGeom prst="rect">
+            <a:avLst/>
+          </a:prstGeom>
+          <a:solidFill>
+            <a:schemeClr val="bg1">
+              <a:alpha val="90000"/>
+            </a:schemeClr>
+          </a:solidFill>
+          <a:ln>
+            <a:noFill/>
+          </a:ln>
+        </p:spPr>
+        <p:style>
+          <a:lnRef idx="2">
+            <a:schemeClr val="accent1">
+              <a:shade val="50000"/>
+            </a:schemeClr>
+          </a:lnRef>
+          <a:fillRef idx="1">
+            <a:schemeClr val="accent1"/>
+          </a:fillRef>
+          <a:effectRef idx="0">
+            <a:schemeClr val="accent1"/>
+          </a:effectRef>
+          <a:fontRef idx="minor">
+            <a:schemeClr val="lt1"/>
+          </a:fontRef>
+        </p:style>
+        <p:txBody>
+          <a:bodyPr rtlCol="0" anchor="ctr"/>
+          <a:lstStyle/>
+          <a:p>
+            <a:pPr marL="0" marR="0" lvl="0" indent="0" algn="ctr" defTabSz="914400" rtl="0" eaLnBrk="1" fontAlgn="auto" latinLnBrk="0" hangingPunct="1">
+              <a:lnSpc>
+                <a:spcPct val="100000"/>
+              </a:lnSpc>
+              <a:spcBef>
+                <a:spcPts val="0"/>
+              </a:spcBef>
+              <a:spcAft>
+                <a:spcPts val="0"/>
+              </a:spcAft>
+              <a:buClrTx/>
+              <a:buSzTx/>
+              <a:buFontTx/>
+              <a:buNone/>
+              <a:defRPr/>
+            </a:pPr>
+            <a:endParaRPr kumimoji="0" lang="en-US" sz="1800" b="0" i="0" u="none" strike="noStrike" kern="1200" cap="none" spc="0" normalizeH="0" baseline="0" noProof="0" dirty="0">
+              <a:ln>
+                <a:noFill/>
+              </a:ln>
+              <a:solidFill>
+                <a:prstClr val="white"/>
+              </a:solidFill>
+              <a:effectLst/>
+              <a:uLnTx/>
+              <a:uFillTx/>
+              <a:latin typeface="Calibri" panose="020F0502020204030204"/>
+              <a:ea typeface="+mn-ea"/>
+              <a:cs typeface="+mn-cs"/>
+            </a:endParaRPr>
+          </a:p>
+        </p:txBody>
+      </p:sp>
+      <p:sp>
+        <p:nvSpPr>
+          <p:cNvPr id="7" name="TextBox 6"/>
+          <p:cNvSpPr txBox="1"/>
+          <p:nvPr/>
+        </p:nvSpPr>
+        <p:spPr>
+          <a:xfrm>
+            <a:off x="1205343" y="637163"/>
+            <a:ext cx="7392936" cy="584775"/>
+          </a:xfrm>
+          <a:prstGeom prst="rect">
+            <a:avLst/>
+          </a:prstGeom>
+          <a:noFill/>
+        </p:spPr>
+        <p:txBody>
+          <a:bodyPr wrap="square" rtlCol="0">
+            <a:spAutoFit/>
+          </a:bodyPr>
+          <a:lstStyle/>
+          <a:p>
+            <a:pPr marL="0" marR="0" lvl="0" indent="0" algn="ctr" defTabSz="914400" rtl="0" eaLnBrk="1" fontAlgn="auto" latinLnBrk="0" hangingPunct="1">
+              <a:lnSpc>
+                <a:spcPct val="100000"/>
+              </a:lnSpc>
+              <a:spcBef>
+                <a:spcPts val="0"/>
+              </a:spcBef>
+              <a:spcAft>
+                <a:spcPts val="0"/>
+              </a:spcAft>
+              <a:buClrTx/>
+              <a:buSzTx/>
+              <a:buFontTx/>
+              <a:buNone/>
+              <a:defRPr/>
+            </a:pPr>
+            <a:r>
+              <a:rPr kumimoji="0" lang="en-US" sz="3200" b="0" i="0" u="none" strike="noStrike" kern="1200" cap="none" spc="0" normalizeH="0" baseline="0" noProof="0" dirty="0">
+                <a:ln>
+                  <a:noFill/>
+                </a:ln>
+                <a:solidFill>
+                  <a:prstClr val="black">
+                    <a:lumMod val="75000"/>
+                    <a:lumOff val="25000"/>
+                  </a:prstClr>
+                </a:solidFill>
+                <a:effectLst/>
+                <a:uLnTx/>
+                <a:uFillTx/>
+                <a:latin typeface="Roboto Thin" charset="0"/>
+                <a:ea typeface="Roboto Thin" charset="0"/>
+                <a:cs typeface="Roboto Thin" charset="0"/>
+              </a:rPr>
+              <a:t>W</a:t>
+            </a:r>
+            <a:r>
+              <a:rPr kumimoji="0" lang="en-US" altLang="zh-CN" sz="3200" b="0" i="0" u="none" strike="noStrike" kern="1200" cap="none" spc="0" normalizeH="0" baseline="0" noProof="0" dirty="0">
+                <a:ln>
+                  <a:noFill/>
+                </a:ln>
+                <a:solidFill>
+                  <a:prstClr val="black">
+                    <a:lumMod val="75000"/>
+                    <a:lumOff val="25000"/>
+                  </a:prstClr>
+                </a:solidFill>
+                <a:effectLst/>
+                <a:uLnTx/>
+                <a:uFillTx/>
+                <a:latin typeface="Roboto Thin" charset="0"/>
+                <a:ea typeface="Roboto Thin" charset="0"/>
+                <a:cs typeface="Roboto Thin" charset="0"/>
+              </a:rPr>
+              <a:t>ebpack</a:t>
+            </a:r>
+            <a:r>
+              <a:rPr kumimoji="0" lang="zh-CN" altLang="en-US" sz="3200" b="0" i="0" u="none" strike="noStrike" kern="1200" cap="none" spc="0" normalizeH="0" baseline="0" noProof="0" dirty="0">
+                <a:ln>
+                  <a:noFill/>
+                </a:ln>
+                <a:solidFill>
+                  <a:prstClr val="black">
+                    <a:lumMod val="75000"/>
+                    <a:lumOff val="25000"/>
+                  </a:prstClr>
+                </a:solidFill>
+                <a:effectLst/>
+                <a:uLnTx/>
+                <a:uFillTx/>
+                <a:latin typeface="Roboto Thin" charset="0"/>
+                <a:ea typeface="Roboto Thin" charset="0"/>
+                <a:cs typeface="Roboto Thin" charset="0"/>
+              </a:rPr>
+              <a:t>核心</a:t>
+            </a:r>
+            <a:r>
+              <a:rPr lang="zh-CN" altLang="en-US" sz="3200" dirty="0">
+                <a:solidFill>
+                  <a:prstClr val="black">
+                    <a:lumMod val="75000"/>
+                    <a:lumOff val="25000"/>
+                  </a:prstClr>
+                </a:solidFill>
+                <a:latin typeface="Roboto Thin" charset="0"/>
+                <a:ea typeface="Roboto Thin" charset="0"/>
+                <a:cs typeface="Roboto Thin" charset="0"/>
+              </a:rPr>
+              <a:t>配置</a:t>
+            </a:r>
+            <a:endParaRPr kumimoji="0" lang="en-US" sz="3200" b="0" i="0" u="none" strike="noStrike" kern="1200" cap="none" spc="0" normalizeH="0" baseline="0" noProof="0" dirty="0">
+              <a:ln>
+                <a:noFill/>
+              </a:ln>
+              <a:solidFill>
+                <a:prstClr val="black">
+                  <a:lumMod val="75000"/>
+                  <a:lumOff val="25000"/>
+                </a:prstClr>
+              </a:solidFill>
+              <a:effectLst/>
+              <a:uLnTx/>
+              <a:uFillTx/>
+              <a:latin typeface="Roboto Thin" charset="0"/>
+              <a:ea typeface="Roboto Thin" charset="0"/>
+              <a:cs typeface="Roboto Thin" charset="0"/>
+            </a:endParaRPr>
+          </a:p>
+        </p:txBody>
+      </p:sp>
+      <p:pic>
+        <p:nvPicPr>
+          <p:cNvPr id="9" name="图片 8">
+            <a:extLst>
+              <a:ext uri="{FF2B5EF4-FFF2-40B4-BE49-F238E27FC236}">
+                <a16:creationId xmlns="" xmlns:a16="http://schemas.microsoft.com/office/drawing/2014/main" id="{2BA3516A-C334-4011-85F7-676B9D036271}"/>
+              </a:ext>
+            </a:extLst>
+          </p:cNvPr>
+          <p:cNvPicPr>
+            <a:picLocks noChangeAspect="1"/>
+          </p:cNvPicPr>
+          <p:nvPr/>
+        </p:nvPicPr>
+        <p:blipFill>
+          <a:blip r:embed="rId4"/>
+          <a:stretch>
+            <a:fillRect/>
+          </a:stretch>
+        </p:blipFill>
+        <p:spPr>
+          <a:xfrm>
+            <a:off x="2446317" y="1370643"/>
+            <a:ext cx="6394062" cy="4732860"/>
+          </a:xfrm>
+          <a:prstGeom prst="rect">
+            <a:avLst/>
+          </a:prstGeom>
+        </p:spPr>
+      </p:pic>
+    </p:spTree>
+    <p:extLst>
+      <p:ext uri="{BB962C8B-B14F-4D97-AF65-F5344CB8AC3E}">
+        <p14:creationId xmlns:p14="http://schemas.microsoft.com/office/powerpoint/2010/main" val="3470269191"/>
+      </p:ext>
+    </p:extLst>
+  </p:cSld>
+  <p:clrMapOvr>
+    <a:masterClrMapping/>
+  </p:clrMapOvr>
+</p:sld>
+</file>
+
+<file path=ppt/slides/slide17.xml><?xml version="1.0" encoding="utf-8"?>
+<p:sld xmlns:a="http://schemas.openxmlformats.org/drawingml/2006/main" xmlns:r="http://schemas.openxmlformats.org/officeDocument/2006/relationships" xmlns:p="http://schemas.openxmlformats.org/presentationml/2006/main">
+  <p:cSld>
+    <p:spTree>
+      <p:nvGrpSpPr>
+        <p:cNvPr id="1" name=""/>
+        <p:cNvGrpSpPr/>
+        <p:nvPr/>
+      </p:nvGrpSpPr>
+      <p:grpSpPr>
+        <a:xfrm>
+          <a:off x="0" y="0"/>
+          <a:ext cx="0" cy="0"/>
+          <a:chOff x="0" y="0"/>
+          <a:chExt cx="0" cy="0"/>
+        </a:xfrm>
+      </p:grpSpPr>
+      <p:pic>
+        <p:nvPicPr>
+          <p:cNvPr id="8" name="图片占位符 7"/>
+          <p:cNvPicPr>
+            <a:picLocks noGrp="1" noChangeAspect="1"/>
+          </p:cNvPicPr>
+          <p:nvPr>
+            <p:ph type="pic" sz="quarter" idx="10"/>
+          </p:nvPr>
+        </p:nvPicPr>
+        <p:blipFill>
+          <a:blip r:embed="rId3" cstate="screen"/>
+          <a:srcRect/>
+          <a:stretch>
+            <a:fillRect/>
+          </a:stretch>
+        </p:blipFill>
+        <p:spPr/>
+      </p:pic>
+      <p:sp>
+        <p:nvSpPr>
+          <p:cNvPr id="4" name="Rectangle 3"/>
+          <p:cNvSpPr/>
+          <p:nvPr/>
+        </p:nvSpPr>
+        <p:spPr>
+          <a:xfrm>
             <a:off x="0" y="-11876"/>
             <a:ext cx="12192000" cy="6857999"/>
           </a:xfrm>
@@ -7704,7 +9078,7 @@
           <p:cNvPr id="3" name="文本框 2">
             <a:extLst>
               <a:ext uri="{FF2B5EF4-FFF2-40B4-BE49-F238E27FC236}">
-                <a16:creationId xmlns:a16="http://schemas.microsoft.com/office/drawing/2014/main" id="{932187D9-68DD-41D1-9214-729665542427}"/>
+                <a16:creationId xmlns="" xmlns:a16="http://schemas.microsoft.com/office/drawing/2014/main" id="{932187D9-68DD-41D1-9214-729665542427}"/>
               </a:ext>
             </a:extLst>
           </p:cNvPr>
@@ -8379,7 +9753,7 @@
 </p:sld>
 </file>
 
-<file path=ppt/slides/slide15.xml><?xml version="1.0" encoding="utf-8"?>
+<file path=ppt/slides/slide18.xml><?xml version="1.0" encoding="utf-8"?>
 <p:sld xmlns:a="http://schemas.openxmlformats.org/drawingml/2006/main" xmlns:r="http://schemas.openxmlformats.org/officeDocument/2006/relationships" xmlns:p="http://schemas.openxmlformats.org/presentationml/2006/main">
   <p:cSld>
     <p:spTree>
@@ -8582,7 +9956,7 @@
           <p:cNvPr id="3" name="文本框 2">
             <a:extLst>
               <a:ext uri="{FF2B5EF4-FFF2-40B4-BE49-F238E27FC236}">
-                <a16:creationId xmlns:a16="http://schemas.microsoft.com/office/drawing/2014/main" id="{932187D9-68DD-41D1-9214-729665542427}"/>
+                <a16:creationId xmlns="" xmlns:a16="http://schemas.microsoft.com/office/drawing/2014/main" id="{932187D9-68DD-41D1-9214-729665542427}"/>
               </a:ext>
             </a:extLst>
           </p:cNvPr>
@@ -8712,7 +10086,7 @@
 </p:sld>
 </file>
 
-<file path=ppt/slides/slide16.xml><?xml version="1.0" encoding="utf-8"?>
+<file path=ppt/slides/slide19.xml><?xml version="1.0" encoding="utf-8"?>
 <p:sld xmlns:a="http://schemas.openxmlformats.org/drawingml/2006/main" xmlns:r="http://schemas.openxmlformats.org/officeDocument/2006/relationships" xmlns:p="http://schemas.openxmlformats.org/presentationml/2006/main">
   <p:cSld>
     <p:spTree>
@@ -8915,7 +10289,7 @@
           <p:cNvPr id="3" name="文本框 2">
             <a:extLst>
               <a:ext uri="{FF2B5EF4-FFF2-40B4-BE49-F238E27FC236}">
-                <a16:creationId xmlns:a16="http://schemas.microsoft.com/office/drawing/2014/main" id="{932187D9-68DD-41D1-9214-729665542427}"/>
+                <a16:creationId xmlns="" xmlns:a16="http://schemas.microsoft.com/office/drawing/2014/main" id="{932187D9-68DD-41D1-9214-729665542427}"/>
               </a:ext>
             </a:extLst>
           </p:cNvPr>
@@ -9088,1293 +10462,6 @@
         <p14:creationId xmlns:p14="http://schemas.microsoft.com/office/powerpoint/2010/main" val="331303378"/>
       </p:ext>
     </p:extLst>
-  </p:cSld>
-  <p:clrMapOvr>
-    <a:masterClrMapping/>
-  </p:clrMapOvr>
-</p:sld>
-</file>
-
-<file path=ppt/slides/slide17.xml><?xml version="1.0" encoding="utf-8"?>
-<p:sld xmlns:a="http://schemas.openxmlformats.org/drawingml/2006/main" xmlns:r="http://schemas.openxmlformats.org/officeDocument/2006/relationships" xmlns:p="http://schemas.openxmlformats.org/presentationml/2006/main">
-  <p:cSld>
-    <p:spTree>
-      <p:nvGrpSpPr>
-        <p:cNvPr id="1" name=""/>
-        <p:cNvGrpSpPr/>
-        <p:nvPr/>
-      </p:nvGrpSpPr>
-      <p:grpSpPr>
-        <a:xfrm>
-          <a:off x="0" y="0"/>
-          <a:ext cx="0" cy="0"/>
-          <a:chOff x="0" y="0"/>
-          <a:chExt cx="0" cy="0"/>
-        </a:xfrm>
-      </p:grpSpPr>
-      <p:sp>
-        <p:nvSpPr>
-          <p:cNvPr id="41" name="TextBox 40"/>
-          <p:cNvSpPr txBox="1"/>
-          <p:nvPr/>
-        </p:nvSpPr>
-        <p:spPr>
-          <a:xfrm>
-            <a:off x="4390118" y="422705"/>
-            <a:ext cx="3206904" cy="584775"/>
-          </a:xfrm>
-          <a:prstGeom prst="rect">
-            <a:avLst/>
-          </a:prstGeom>
-          <a:noFill/>
-        </p:spPr>
-        <p:txBody>
-          <a:bodyPr wrap="none" rtlCol="0">
-            <a:spAutoFit/>
-          </a:bodyPr>
-          <a:lstStyle/>
-          <a:p>
-            <a:pPr algn="ctr">
-              <a:defRPr/>
-            </a:pPr>
-            <a:r>
-              <a:rPr lang="en-US" altLang="zh-CN" sz="3200" dirty="0">
-                <a:solidFill>
-                  <a:prstClr val="black">
-                    <a:lumMod val="75000"/>
-                    <a:lumOff val="25000"/>
-                  </a:prstClr>
-                </a:solidFill>
-                <a:latin typeface="Roboto Thin" charset="0"/>
-              </a:rPr>
-              <a:t>Webpack history</a:t>
-            </a:r>
-            <a:endParaRPr lang="en-US" sz="3200" dirty="0">
-              <a:solidFill>
-                <a:prstClr val="black">
-                  <a:lumMod val="75000"/>
-                  <a:lumOff val="25000"/>
-                </a:prstClr>
-              </a:solidFill>
-              <a:latin typeface="Roboto Thin" charset="0"/>
-            </a:endParaRPr>
-          </a:p>
-        </p:txBody>
-      </p:sp>
-      <p:cxnSp>
-        <p:nvCxnSpPr>
-          <p:cNvPr id="42" name="Straight Connector 41"/>
-          <p:cNvCxnSpPr/>
-          <p:nvPr/>
-        </p:nvCxnSpPr>
-        <p:spPr>
-          <a:xfrm>
-            <a:off x="5805926" y="1397333"/>
-            <a:ext cx="596462" cy="0"/>
-          </a:xfrm>
-          <a:prstGeom prst="line">
-            <a:avLst/>
-          </a:prstGeom>
-          <a:ln w="57150">
-            <a:solidFill>
-              <a:schemeClr val="accent1"/>
-            </a:solidFill>
-          </a:ln>
-        </p:spPr>
-        <p:style>
-          <a:lnRef idx="1">
-            <a:schemeClr val="accent1"/>
-          </a:lnRef>
-          <a:fillRef idx="0">
-            <a:schemeClr val="accent1"/>
-          </a:fillRef>
-          <a:effectRef idx="0">
-            <a:schemeClr val="accent1"/>
-          </a:effectRef>
-          <a:fontRef idx="minor">
-            <a:schemeClr val="tx1"/>
-          </a:fontRef>
-        </p:style>
-      </p:cxnSp>
-      <p:sp>
-        <p:nvSpPr>
-          <p:cNvPr id="55" name="TextBox 54"/>
-          <p:cNvSpPr txBox="1"/>
-          <p:nvPr/>
-        </p:nvSpPr>
-        <p:spPr>
-          <a:xfrm>
-            <a:off x="3316088" y="1737051"/>
-            <a:ext cx="1122422" cy="1092607"/>
-          </a:xfrm>
-          <a:prstGeom prst="rect">
-            <a:avLst/>
-          </a:prstGeom>
-          <a:noFill/>
-        </p:spPr>
-        <p:txBody>
-          <a:bodyPr wrap="none" rtlCol="0" anchor="t" anchorCtr="1">
-            <a:spAutoFit/>
-          </a:bodyPr>
-          <a:lstStyle/>
-          <a:p>
-            <a:pPr algn="ctr" defTabSz="914217">
-              <a:lnSpc>
-                <a:spcPts val="1340"/>
-              </a:lnSpc>
-            </a:pPr>
-            <a:r>
-              <a:rPr lang="en-US" altLang="zh-CN" sz="1100" b="1" dirty="0">
-                <a:solidFill>
-                  <a:srgbClr val="000000"/>
-                </a:solidFill>
-                <a:latin typeface="Poppins SemiBold" charset="0"/>
-                <a:ea typeface="Poppins SemiBold" charset="0"/>
-                <a:cs typeface="Poppins SemiBold" charset="0"/>
-              </a:rPr>
-              <a:t>Webpack v2.2.0</a:t>
-            </a:r>
-          </a:p>
-          <a:p>
-            <a:pPr algn="ctr" defTabSz="914217">
-              <a:lnSpc>
-                <a:spcPts val="1340"/>
-              </a:lnSpc>
-            </a:pPr>
-            <a:r>
-              <a:rPr lang="en-US" altLang="zh-CN" sz="1100" b="1" dirty="0">
-                <a:solidFill>
-                  <a:srgbClr val="000000"/>
-                </a:solidFill>
-                <a:latin typeface="Poppins SemiBold" charset="0"/>
-                <a:ea typeface="Poppins SemiBold" charset="0"/>
-                <a:cs typeface="Poppins SemiBold" charset="0"/>
-              </a:rPr>
-              <a:t>Tree shaking</a:t>
-            </a:r>
-          </a:p>
-          <a:p>
-            <a:pPr algn="ctr" defTabSz="914217">
-              <a:lnSpc>
-                <a:spcPts val="1340"/>
-              </a:lnSpc>
-            </a:pPr>
-            <a:r>
-              <a:rPr lang="en-US" altLang="zh-CN" sz="1100" b="1" dirty="0">
-                <a:solidFill>
-                  <a:srgbClr val="000000"/>
-                </a:solidFill>
-                <a:latin typeface="Poppins SemiBold" charset="0"/>
-                <a:ea typeface="Poppins SemiBold" charset="0"/>
-                <a:cs typeface="Poppins SemiBold" charset="0"/>
-              </a:rPr>
-              <a:t>ES module</a:t>
-            </a:r>
-          </a:p>
-          <a:p>
-            <a:pPr algn="ctr" defTabSz="914217">
-              <a:lnSpc>
-                <a:spcPts val="1340"/>
-              </a:lnSpc>
-            </a:pPr>
-            <a:r>
-              <a:rPr lang="zh-CN" altLang="en-US" sz="1100" b="1" dirty="0">
-                <a:solidFill>
-                  <a:srgbClr val="000000"/>
-                </a:solidFill>
-                <a:latin typeface="Poppins SemiBold" charset="0"/>
-                <a:ea typeface="Poppins SemiBold" charset="0"/>
-                <a:cs typeface="Poppins SemiBold" charset="0"/>
-              </a:rPr>
-              <a:t>动态</a:t>
-            </a:r>
-            <a:r>
-              <a:rPr lang="en-US" altLang="zh-CN" sz="1100" b="1" dirty="0">
-                <a:solidFill>
-                  <a:srgbClr val="000000"/>
-                </a:solidFill>
-                <a:latin typeface="Poppins SemiBold" charset="0"/>
-                <a:ea typeface="Poppins SemiBold" charset="0"/>
-                <a:cs typeface="Poppins SemiBold" charset="0"/>
-              </a:rPr>
-              <a:t>Import</a:t>
-            </a:r>
-          </a:p>
-          <a:p>
-            <a:pPr algn="ctr" defTabSz="914217">
-              <a:lnSpc>
-                <a:spcPts val="1340"/>
-              </a:lnSpc>
-            </a:pPr>
-            <a:r>
-              <a:rPr lang="zh-CN" altLang="en-US" sz="1100" b="1" dirty="0">
-                <a:solidFill>
-                  <a:srgbClr val="000000"/>
-                </a:solidFill>
-                <a:latin typeface="Poppins SemiBold" charset="0"/>
-                <a:ea typeface="Poppins SemiBold" charset="0"/>
-                <a:cs typeface="Poppins SemiBold" charset="0"/>
-              </a:rPr>
-              <a:t>新的文档</a:t>
-            </a:r>
-            <a:endParaRPr lang="en-US" altLang="zh-CN" sz="1100" b="1" dirty="0">
-              <a:solidFill>
-                <a:srgbClr val="000000"/>
-              </a:solidFill>
-              <a:latin typeface="Poppins SemiBold" charset="0"/>
-              <a:ea typeface="Poppins SemiBold" charset="0"/>
-              <a:cs typeface="Poppins SemiBold" charset="0"/>
-            </a:endParaRPr>
-          </a:p>
-          <a:p>
-            <a:pPr algn="ctr" defTabSz="914217">
-              <a:lnSpc>
-                <a:spcPts val="1340"/>
-              </a:lnSpc>
-            </a:pPr>
-            <a:endParaRPr lang="en-US" sz="1100" b="1" dirty="0">
-              <a:solidFill>
-                <a:srgbClr val="000000"/>
-              </a:solidFill>
-              <a:latin typeface="Poppins SemiBold" charset="0"/>
-              <a:ea typeface="Poppins SemiBold" charset="0"/>
-              <a:cs typeface="Poppins SemiBold" charset="0"/>
-            </a:endParaRPr>
-          </a:p>
-        </p:txBody>
-      </p:sp>
-      <p:cxnSp>
-        <p:nvCxnSpPr>
-          <p:cNvPr id="57" name="Straight Connector 56"/>
-          <p:cNvCxnSpPr/>
-          <p:nvPr/>
-        </p:nvCxnSpPr>
-        <p:spPr>
-          <a:xfrm>
-            <a:off x="3175" y="4147392"/>
-            <a:ext cx="12188825" cy="0"/>
-          </a:xfrm>
-          <a:prstGeom prst="line">
-            <a:avLst/>
-          </a:prstGeom>
-          <a:ln w="38100"/>
-        </p:spPr>
-        <p:style>
-          <a:lnRef idx="1">
-            <a:schemeClr val="accent1"/>
-          </a:lnRef>
-          <a:fillRef idx="0">
-            <a:schemeClr val="accent1"/>
-          </a:fillRef>
-          <a:effectRef idx="0">
-            <a:schemeClr val="accent1"/>
-          </a:effectRef>
-          <a:fontRef idx="minor">
-            <a:schemeClr val="tx1"/>
-          </a:fontRef>
-        </p:style>
-      </p:cxnSp>
-      <p:sp>
-        <p:nvSpPr>
-          <p:cNvPr id="58" name="Oval 57"/>
-          <p:cNvSpPr/>
-          <p:nvPr/>
-        </p:nvSpPr>
-        <p:spPr>
-          <a:xfrm>
-            <a:off x="1823819" y="3521890"/>
-            <a:ext cx="122754" cy="122754"/>
-          </a:xfrm>
-          <a:prstGeom prst="ellipse">
-            <a:avLst/>
-          </a:prstGeom>
-          <a:ln>
-            <a:noFill/>
-          </a:ln>
-        </p:spPr>
-        <p:style>
-          <a:lnRef idx="2">
-            <a:schemeClr val="accent1">
-              <a:shade val="50000"/>
-            </a:schemeClr>
-          </a:lnRef>
-          <a:fillRef idx="1">
-            <a:schemeClr val="accent1"/>
-          </a:fillRef>
-          <a:effectRef idx="0">
-            <a:schemeClr val="accent1"/>
-          </a:effectRef>
-          <a:fontRef idx="minor">
-            <a:schemeClr val="lt1"/>
-          </a:fontRef>
-        </p:style>
-        <p:txBody>
-          <a:bodyPr rtlCol="0" anchor="ctr"/>
-          <a:lstStyle/>
-          <a:p>
-            <a:pPr algn="ctr" defTabSz="914217"/>
-            <a:endParaRPr lang="en-US">
-              <a:solidFill>
-                <a:srgbClr val="FFFFFF"/>
-              </a:solidFill>
-              <a:latin typeface="Lato Light"/>
-            </a:endParaRPr>
-          </a:p>
-        </p:txBody>
-      </p:sp>
-      <p:sp>
-        <p:nvSpPr>
-          <p:cNvPr id="59" name="Oval 58"/>
-          <p:cNvSpPr/>
-          <p:nvPr/>
-        </p:nvSpPr>
-        <p:spPr>
-          <a:xfrm>
-            <a:off x="3857566" y="3507156"/>
-            <a:ext cx="122754" cy="122754"/>
-          </a:xfrm>
-          <a:prstGeom prst="ellipse">
-            <a:avLst/>
-          </a:prstGeom>
-          <a:ln>
-            <a:noFill/>
-          </a:ln>
-        </p:spPr>
-        <p:style>
-          <a:lnRef idx="2">
-            <a:schemeClr val="accent1">
-              <a:shade val="50000"/>
-            </a:schemeClr>
-          </a:lnRef>
-          <a:fillRef idx="1">
-            <a:schemeClr val="accent1"/>
-          </a:fillRef>
-          <a:effectRef idx="0">
-            <a:schemeClr val="accent1"/>
-          </a:effectRef>
-          <a:fontRef idx="minor">
-            <a:schemeClr val="lt1"/>
-          </a:fontRef>
-        </p:style>
-        <p:txBody>
-          <a:bodyPr rtlCol="0" anchor="ctr"/>
-          <a:lstStyle/>
-          <a:p>
-            <a:pPr algn="ctr" defTabSz="914217"/>
-            <a:endParaRPr lang="en-US">
-              <a:solidFill>
-                <a:srgbClr val="FFFFFF"/>
-              </a:solidFill>
-              <a:latin typeface="Lato Light"/>
-            </a:endParaRPr>
-          </a:p>
-        </p:txBody>
-      </p:sp>
-      <p:sp>
-        <p:nvSpPr>
-          <p:cNvPr id="60" name="Oval 59"/>
-          <p:cNvSpPr/>
-          <p:nvPr/>
-        </p:nvSpPr>
-        <p:spPr>
-          <a:xfrm>
-            <a:off x="8269022" y="3512025"/>
-            <a:ext cx="122754" cy="122754"/>
-          </a:xfrm>
-          <a:prstGeom prst="ellipse">
-            <a:avLst/>
-          </a:prstGeom>
-          <a:ln>
-            <a:noFill/>
-          </a:ln>
-        </p:spPr>
-        <p:style>
-          <a:lnRef idx="2">
-            <a:schemeClr val="accent1">
-              <a:shade val="50000"/>
-            </a:schemeClr>
-          </a:lnRef>
-          <a:fillRef idx="1">
-            <a:schemeClr val="accent1"/>
-          </a:fillRef>
-          <a:effectRef idx="0">
-            <a:schemeClr val="accent1"/>
-          </a:effectRef>
-          <a:fontRef idx="minor">
-            <a:schemeClr val="lt1"/>
-          </a:fontRef>
-        </p:style>
-        <p:txBody>
-          <a:bodyPr rtlCol="0" anchor="ctr"/>
-          <a:lstStyle/>
-          <a:p>
-            <a:pPr algn="ctr" defTabSz="914217"/>
-            <a:endParaRPr lang="en-US">
-              <a:solidFill>
-                <a:srgbClr val="FFFFFF"/>
-              </a:solidFill>
-              <a:latin typeface="Lato Light"/>
-            </a:endParaRPr>
-          </a:p>
-        </p:txBody>
-      </p:sp>
-      <p:sp>
-        <p:nvSpPr>
-          <p:cNvPr id="62" name="Oval 61"/>
-          <p:cNvSpPr/>
-          <p:nvPr/>
-        </p:nvSpPr>
-        <p:spPr>
-          <a:xfrm>
-            <a:off x="6034623" y="3532137"/>
-            <a:ext cx="122754" cy="122754"/>
-          </a:xfrm>
-          <a:prstGeom prst="ellipse">
-            <a:avLst/>
-          </a:prstGeom>
-          <a:ln>
-            <a:noFill/>
-          </a:ln>
-        </p:spPr>
-        <p:style>
-          <a:lnRef idx="2">
-            <a:schemeClr val="accent1">
-              <a:shade val="50000"/>
-            </a:schemeClr>
-          </a:lnRef>
-          <a:fillRef idx="1">
-            <a:schemeClr val="accent1"/>
-          </a:fillRef>
-          <a:effectRef idx="0">
-            <a:schemeClr val="accent1"/>
-          </a:effectRef>
-          <a:fontRef idx="minor">
-            <a:schemeClr val="lt1"/>
-          </a:fontRef>
-        </p:style>
-        <p:txBody>
-          <a:bodyPr rtlCol="0" anchor="ctr"/>
-          <a:lstStyle/>
-          <a:p>
-            <a:pPr algn="ctr" defTabSz="914217"/>
-            <a:endParaRPr lang="en-US">
-              <a:solidFill>
-                <a:srgbClr val="FFFFFF"/>
-              </a:solidFill>
-              <a:latin typeface="Lato Light"/>
-            </a:endParaRPr>
-          </a:p>
-        </p:txBody>
-      </p:sp>
-      <p:sp>
-        <p:nvSpPr>
-          <p:cNvPr id="63" name="TextBox 62"/>
-          <p:cNvSpPr txBox="1"/>
-          <p:nvPr/>
-        </p:nvSpPr>
-        <p:spPr>
-          <a:xfrm>
-            <a:off x="7702700" y="1732272"/>
-            <a:ext cx="1172116" cy="925894"/>
-          </a:xfrm>
-          <a:prstGeom prst="rect">
-            <a:avLst/>
-          </a:prstGeom>
-          <a:noFill/>
-        </p:spPr>
-        <p:txBody>
-          <a:bodyPr wrap="none" rtlCol="0" anchor="t" anchorCtr="1">
-            <a:spAutoFit/>
-          </a:bodyPr>
-          <a:lstStyle/>
-          <a:p>
-            <a:pPr algn="ctr" defTabSz="914217">
-              <a:lnSpc>
-                <a:spcPts val="1340"/>
-              </a:lnSpc>
-            </a:pPr>
-            <a:r>
-              <a:rPr lang="en-US" sz="1100" b="1" dirty="0">
-                <a:solidFill>
-                  <a:srgbClr val="000000"/>
-                </a:solidFill>
-                <a:latin typeface="Poppins SemiBold" charset="0"/>
-                <a:ea typeface="Poppins SemiBold" charset="0"/>
-                <a:cs typeface="Poppins SemiBold" charset="0"/>
-              </a:rPr>
-              <a:t>Webpack 4.0.0</a:t>
-            </a:r>
-          </a:p>
-          <a:p>
-            <a:pPr algn="ctr" defTabSz="914217">
-              <a:lnSpc>
-                <a:spcPts val="1340"/>
-              </a:lnSpc>
-            </a:pPr>
-            <a:r>
-              <a:rPr lang="zh-CN" altLang="en-US" sz="1100" b="1" dirty="0">
-                <a:solidFill>
-                  <a:srgbClr val="000000"/>
-                </a:solidFill>
-                <a:latin typeface="Poppins SemiBold" charset="0"/>
-                <a:ea typeface="Poppins SemiBold" charset="0"/>
-                <a:cs typeface="Poppins SemiBold" charset="0"/>
-              </a:rPr>
-              <a:t>零配置</a:t>
-            </a:r>
-            <a:endParaRPr lang="en-US" altLang="zh-CN" sz="1100" b="1" dirty="0">
-              <a:solidFill>
-                <a:srgbClr val="000000"/>
-              </a:solidFill>
-              <a:latin typeface="Poppins SemiBold" charset="0"/>
-              <a:ea typeface="Poppins SemiBold" charset="0"/>
-              <a:cs typeface="Poppins SemiBold" charset="0"/>
-            </a:endParaRPr>
-          </a:p>
-          <a:p>
-            <a:pPr algn="ctr" defTabSz="914217">
-              <a:lnSpc>
-                <a:spcPts val="1340"/>
-              </a:lnSpc>
-            </a:pPr>
-            <a:r>
-              <a:rPr lang="en-US" altLang="zh-CN" sz="1100" b="1" dirty="0">
-                <a:solidFill>
-                  <a:srgbClr val="000000"/>
-                </a:solidFill>
-                <a:latin typeface="Poppins SemiBold" charset="0"/>
-                <a:ea typeface="Poppins SemiBold" charset="0"/>
-                <a:cs typeface="Poppins SemiBold" charset="0"/>
-              </a:rPr>
-              <a:t>Mode</a:t>
-            </a:r>
-          </a:p>
-          <a:p>
-            <a:pPr algn="ctr" defTabSz="914217">
-              <a:lnSpc>
-                <a:spcPts val="1340"/>
-              </a:lnSpc>
-            </a:pPr>
-            <a:r>
-              <a:rPr lang="zh-CN" altLang="en-US" sz="1100" b="1" dirty="0">
-                <a:solidFill>
-                  <a:srgbClr val="000000"/>
-                </a:solidFill>
-                <a:latin typeface="Poppins SemiBold" charset="0"/>
-                <a:ea typeface="Poppins SemiBold" charset="0"/>
-                <a:cs typeface="Poppins SemiBold" charset="0"/>
-              </a:rPr>
-              <a:t>切分，压缩内置</a:t>
-            </a:r>
-            <a:endParaRPr lang="en-US" altLang="zh-CN" sz="1100" b="1" dirty="0">
-              <a:solidFill>
-                <a:srgbClr val="000000"/>
-              </a:solidFill>
-              <a:latin typeface="Poppins SemiBold" charset="0"/>
-              <a:ea typeface="Poppins SemiBold" charset="0"/>
-              <a:cs typeface="Poppins SemiBold" charset="0"/>
-            </a:endParaRPr>
-          </a:p>
-          <a:p>
-            <a:pPr algn="ctr" defTabSz="914217">
-              <a:lnSpc>
-                <a:spcPts val="1340"/>
-              </a:lnSpc>
-            </a:pPr>
-            <a:endParaRPr lang="en-US" sz="1100" b="1" dirty="0">
-              <a:solidFill>
-                <a:srgbClr val="000000"/>
-              </a:solidFill>
-              <a:latin typeface="Poppins SemiBold" charset="0"/>
-              <a:ea typeface="Poppins SemiBold" charset="0"/>
-              <a:cs typeface="Poppins SemiBold" charset="0"/>
-            </a:endParaRPr>
-          </a:p>
-        </p:txBody>
-      </p:sp>
-      <p:sp>
-        <p:nvSpPr>
-          <p:cNvPr id="64" name="TextBox 63"/>
-          <p:cNvSpPr txBox="1"/>
-          <p:nvPr/>
-        </p:nvSpPr>
-        <p:spPr>
-          <a:xfrm>
-            <a:off x="7880391" y="4728543"/>
-            <a:ext cx="918841" cy="363818"/>
-          </a:xfrm>
-          <a:prstGeom prst="rect">
-            <a:avLst/>
-          </a:prstGeom>
-          <a:noFill/>
-        </p:spPr>
-        <p:txBody>
-          <a:bodyPr wrap="none" tIns="137160" rtlCol="0" anchor="t" anchorCtr="1">
-            <a:spAutoFit/>
-          </a:bodyPr>
-          <a:lstStyle/>
-          <a:p>
-            <a:pPr algn="ctr" defTabSz="914217">
-              <a:lnSpc>
-                <a:spcPts val="1340"/>
-              </a:lnSpc>
-            </a:pPr>
-            <a:r>
-              <a:rPr lang="en-US" sz="1600" b="1" dirty="0">
-                <a:solidFill>
-                  <a:srgbClr val="000000"/>
-                </a:solidFill>
-                <a:latin typeface="Poppins SemiBold" charset="0"/>
-                <a:ea typeface="Poppins SemiBold" charset="0"/>
-                <a:cs typeface="Poppins SemiBold" charset="0"/>
-              </a:rPr>
-              <a:t>2018.2.4</a:t>
-            </a:r>
-          </a:p>
-        </p:txBody>
-      </p:sp>
-      <p:sp>
-        <p:nvSpPr>
-          <p:cNvPr id="65" name="TextBox 64"/>
-          <p:cNvSpPr txBox="1"/>
-          <p:nvPr/>
-        </p:nvSpPr>
-        <p:spPr>
-          <a:xfrm>
-            <a:off x="5449133" y="1752384"/>
-            <a:ext cx="1188147" cy="759182"/>
-          </a:xfrm>
-          <a:prstGeom prst="rect">
-            <a:avLst/>
-          </a:prstGeom>
-          <a:noFill/>
-        </p:spPr>
-        <p:txBody>
-          <a:bodyPr wrap="none" rtlCol="0" anchor="t" anchorCtr="1">
-            <a:spAutoFit/>
-          </a:bodyPr>
-          <a:lstStyle/>
-          <a:p>
-            <a:pPr algn="ctr" defTabSz="914217">
-              <a:lnSpc>
-                <a:spcPts val="1340"/>
-              </a:lnSpc>
-            </a:pPr>
-            <a:r>
-              <a:rPr lang="en-US" altLang="zh-CN" sz="1100" b="1" dirty="0">
-                <a:solidFill>
-                  <a:srgbClr val="000000"/>
-                </a:solidFill>
-                <a:latin typeface="Poppins SemiBold" charset="0"/>
-                <a:ea typeface="Poppins SemiBold" charset="0"/>
-                <a:cs typeface="Poppins SemiBold" charset="0"/>
-              </a:rPr>
-              <a:t>Webpack v3.0.0</a:t>
-            </a:r>
-          </a:p>
-          <a:p>
-            <a:pPr algn="ctr" defTabSz="914217">
-              <a:lnSpc>
-                <a:spcPts val="1340"/>
-              </a:lnSpc>
-            </a:pPr>
-            <a:r>
-              <a:rPr lang="en-US" altLang="zh-CN" sz="1100" b="1" dirty="0">
-                <a:solidFill>
-                  <a:srgbClr val="000000"/>
-                </a:solidFill>
-                <a:latin typeface="Poppins SemiBold" charset="0"/>
-                <a:ea typeface="Poppins SemiBold" charset="0"/>
-                <a:cs typeface="Poppins SemiBold" charset="0"/>
-              </a:rPr>
-              <a:t>Scope Hoisting</a:t>
-            </a:r>
-          </a:p>
-          <a:p>
-            <a:pPr algn="ctr" defTabSz="914217">
-              <a:lnSpc>
-                <a:spcPts val="1340"/>
-              </a:lnSpc>
-            </a:pPr>
-            <a:r>
-              <a:rPr lang="en-US" altLang="zh-CN" sz="1100" b="1" dirty="0">
-                <a:solidFill>
-                  <a:srgbClr val="000000"/>
-                </a:solidFill>
-                <a:latin typeface="Poppins SemiBold" charset="0"/>
-                <a:ea typeface="Poppins SemiBold" charset="0"/>
-                <a:cs typeface="Poppins SemiBold" charset="0"/>
-              </a:rPr>
-              <a:t>Magic comments</a:t>
-            </a:r>
-          </a:p>
-          <a:p>
-            <a:pPr algn="ctr" defTabSz="914217">
-              <a:lnSpc>
-                <a:spcPts val="1340"/>
-              </a:lnSpc>
-            </a:pPr>
-            <a:endParaRPr lang="en-US" sz="1100" b="1" dirty="0">
-              <a:solidFill>
-                <a:srgbClr val="000000"/>
-              </a:solidFill>
-              <a:latin typeface="Poppins SemiBold" charset="0"/>
-              <a:ea typeface="Poppins SemiBold" charset="0"/>
-              <a:cs typeface="Poppins SemiBold" charset="0"/>
-            </a:endParaRPr>
-          </a:p>
-        </p:txBody>
-      </p:sp>
-      <p:sp>
-        <p:nvSpPr>
-          <p:cNvPr id="67" name="TextBox 66"/>
-          <p:cNvSpPr txBox="1"/>
-          <p:nvPr/>
-        </p:nvSpPr>
-        <p:spPr>
-          <a:xfrm>
-            <a:off x="1286387" y="1742137"/>
-            <a:ext cx="1122422" cy="1259319"/>
-          </a:xfrm>
-          <a:prstGeom prst="rect">
-            <a:avLst/>
-          </a:prstGeom>
-          <a:noFill/>
-        </p:spPr>
-        <p:txBody>
-          <a:bodyPr wrap="none" rtlCol="0" anchor="t" anchorCtr="1">
-            <a:spAutoFit/>
-          </a:bodyPr>
-          <a:lstStyle/>
-          <a:p>
-            <a:pPr algn="ctr" defTabSz="914217">
-              <a:lnSpc>
-                <a:spcPts val="1340"/>
-              </a:lnSpc>
-            </a:pPr>
-            <a:r>
-              <a:rPr lang="en-US" altLang="zh-CN" sz="1100" b="1" dirty="0">
-                <a:solidFill>
-                  <a:srgbClr val="000000"/>
-                </a:solidFill>
-                <a:latin typeface="Poppins SemiBold" charset="0"/>
-                <a:ea typeface="Poppins SemiBold" charset="0"/>
-                <a:cs typeface="Poppins SemiBold" charset="0"/>
-              </a:rPr>
-              <a:t>Webpack v1.0.0</a:t>
-            </a:r>
-          </a:p>
-          <a:p>
-            <a:pPr algn="ctr" defTabSz="914217">
-              <a:lnSpc>
-                <a:spcPts val="1340"/>
-              </a:lnSpc>
-            </a:pPr>
-            <a:r>
-              <a:rPr lang="zh-CN" altLang="en-US" sz="1100" b="1" dirty="0">
-                <a:solidFill>
-                  <a:srgbClr val="000000"/>
-                </a:solidFill>
-                <a:latin typeface="Poppins SemiBold" charset="0"/>
-                <a:ea typeface="Poppins SemiBold" charset="0"/>
-                <a:cs typeface="Poppins SemiBold" charset="0"/>
-              </a:rPr>
-              <a:t>编译打包</a:t>
-            </a:r>
-            <a:endParaRPr lang="en-US" altLang="zh-CN" sz="1100" b="1" dirty="0">
-              <a:solidFill>
-                <a:srgbClr val="000000"/>
-              </a:solidFill>
-              <a:latin typeface="Poppins SemiBold" charset="0"/>
-              <a:ea typeface="Poppins SemiBold" charset="0"/>
-              <a:cs typeface="Poppins SemiBold" charset="0"/>
-            </a:endParaRPr>
-          </a:p>
-          <a:p>
-            <a:pPr algn="ctr" defTabSz="914217">
-              <a:lnSpc>
-                <a:spcPts val="1340"/>
-              </a:lnSpc>
-            </a:pPr>
-            <a:r>
-              <a:rPr lang="en-US" altLang="zh-CN" sz="1100" b="1" dirty="0">
-                <a:solidFill>
-                  <a:srgbClr val="000000"/>
-                </a:solidFill>
-                <a:latin typeface="Poppins SemiBold" charset="0"/>
-                <a:ea typeface="Poppins SemiBold" charset="0"/>
-                <a:cs typeface="Poppins SemiBold" charset="0"/>
-              </a:rPr>
-              <a:t>HMR</a:t>
-            </a:r>
-          </a:p>
-          <a:p>
-            <a:pPr algn="ctr" defTabSz="914217">
-              <a:lnSpc>
-                <a:spcPts val="1340"/>
-              </a:lnSpc>
-            </a:pPr>
-            <a:r>
-              <a:rPr lang="zh-CN" altLang="en-US" sz="1100" b="1" dirty="0">
-                <a:solidFill>
-                  <a:srgbClr val="000000"/>
-                </a:solidFill>
-                <a:latin typeface="Poppins SemiBold" charset="0"/>
-                <a:ea typeface="Poppins SemiBold" charset="0"/>
-                <a:cs typeface="Poppins SemiBold" charset="0"/>
-              </a:rPr>
-              <a:t>代码分割</a:t>
-            </a:r>
-            <a:endParaRPr lang="en-US" altLang="zh-CN" sz="1100" b="1" dirty="0">
-              <a:solidFill>
-                <a:srgbClr val="000000"/>
-              </a:solidFill>
-              <a:latin typeface="Poppins SemiBold" charset="0"/>
-              <a:ea typeface="Poppins SemiBold" charset="0"/>
-              <a:cs typeface="Poppins SemiBold" charset="0"/>
-            </a:endParaRPr>
-          </a:p>
-          <a:p>
-            <a:pPr algn="ctr" defTabSz="914217">
-              <a:lnSpc>
-                <a:spcPts val="1340"/>
-              </a:lnSpc>
-            </a:pPr>
-            <a:r>
-              <a:rPr lang="zh-CN" altLang="en-US" sz="1100" b="1" dirty="0">
-                <a:solidFill>
-                  <a:srgbClr val="000000"/>
-                </a:solidFill>
-                <a:latin typeface="Poppins SemiBold" charset="0"/>
-                <a:ea typeface="Poppins SemiBold" charset="0"/>
-                <a:cs typeface="Poppins SemiBold" charset="0"/>
-              </a:rPr>
-              <a:t>文件处理</a:t>
-            </a:r>
-            <a:endParaRPr lang="en-US" altLang="zh-CN" sz="1100" b="1" dirty="0">
-              <a:solidFill>
-                <a:srgbClr val="000000"/>
-              </a:solidFill>
-              <a:latin typeface="Poppins SemiBold" charset="0"/>
-              <a:ea typeface="Poppins SemiBold" charset="0"/>
-              <a:cs typeface="Poppins SemiBold" charset="0"/>
-            </a:endParaRPr>
-          </a:p>
-          <a:p>
-            <a:pPr algn="ctr" defTabSz="914217">
-              <a:lnSpc>
-                <a:spcPts val="1340"/>
-              </a:lnSpc>
-            </a:pPr>
-            <a:endParaRPr lang="en-US" sz="1100" b="1" dirty="0">
-              <a:solidFill>
-                <a:srgbClr val="000000"/>
-              </a:solidFill>
-              <a:latin typeface="Poppins SemiBold" charset="0"/>
-              <a:ea typeface="Poppins SemiBold" charset="0"/>
-              <a:cs typeface="Poppins SemiBold" charset="0"/>
-            </a:endParaRPr>
-          </a:p>
-          <a:p>
-            <a:pPr algn="ctr" defTabSz="914217">
-              <a:lnSpc>
-                <a:spcPts val="1340"/>
-              </a:lnSpc>
-            </a:pPr>
-            <a:endParaRPr lang="en-US" sz="1100" b="1" dirty="0">
-              <a:solidFill>
-                <a:srgbClr val="000000"/>
-              </a:solidFill>
-              <a:latin typeface="Poppins SemiBold" charset="0"/>
-              <a:ea typeface="Poppins SemiBold" charset="0"/>
-              <a:cs typeface="Poppins SemiBold" charset="0"/>
-            </a:endParaRPr>
-          </a:p>
-        </p:txBody>
-      </p:sp>
-      <p:sp>
-        <p:nvSpPr>
-          <p:cNvPr id="68" name="TextBox 67"/>
-          <p:cNvSpPr txBox="1"/>
-          <p:nvPr/>
-        </p:nvSpPr>
-        <p:spPr>
-          <a:xfrm>
-            <a:off x="5586405" y="4748655"/>
-            <a:ext cx="1023037" cy="363818"/>
-          </a:xfrm>
-          <a:prstGeom prst="rect">
-            <a:avLst/>
-          </a:prstGeom>
-          <a:noFill/>
-        </p:spPr>
-        <p:txBody>
-          <a:bodyPr wrap="none" tIns="137160" rtlCol="0" anchor="t" anchorCtr="1">
-            <a:spAutoFit/>
-          </a:bodyPr>
-          <a:lstStyle/>
-          <a:p>
-            <a:pPr algn="ctr" defTabSz="914217">
-              <a:lnSpc>
-                <a:spcPts val="1340"/>
-              </a:lnSpc>
-            </a:pPr>
-            <a:r>
-              <a:rPr lang="en-US" sz="1600" b="1" dirty="0">
-                <a:solidFill>
-                  <a:srgbClr val="000000"/>
-                </a:solidFill>
-                <a:latin typeface="Poppins SemiBold" charset="0"/>
-                <a:ea typeface="Poppins SemiBold" charset="0"/>
-                <a:cs typeface="Poppins SemiBold" charset="0"/>
-              </a:rPr>
-              <a:t>2017.6.19</a:t>
-            </a:r>
-          </a:p>
-        </p:txBody>
-      </p:sp>
-      <p:sp>
-        <p:nvSpPr>
-          <p:cNvPr id="69" name="TextBox 68"/>
-          <p:cNvSpPr txBox="1"/>
-          <p:nvPr/>
-        </p:nvSpPr>
-        <p:spPr>
-          <a:xfrm>
-            <a:off x="3388690" y="4774743"/>
-            <a:ext cx="1023037" cy="363818"/>
-          </a:xfrm>
-          <a:prstGeom prst="rect">
-            <a:avLst/>
-          </a:prstGeom>
-          <a:noFill/>
-        </p:spPr>
-        <p:txBody>
-          <a:bodyPr wrap="none" tIns="137160" rtlCol="0" anchor="t" anchorCtr="1">
-            <a:spAutoFit/>
-          </a:bodyPr>
-          <a:lstStyle/>
-          <a:p>
-            <a:pPr algn="ctr" defTabSz="914217">
-              <a:lnSpc>
-                <a:spcPts val="1340"/>
-              </a:lnSpc>
-            </a:pPr>
-            <a:r>
-              <a:rPr lang="en-US" sz="1600" b="1" dirty="0">
-                <a:solidFill>
-                  <a:srgbClr val="000000"/>
-                </a:solidFill>
-                <a:latin typeface="Poppins SemiBold" charset="0"/>
-                <a:ea typeface="Poppins SemiBold" charset="0"/>
-                <a:cs typeface="Poppins SemiBold" charset="0"/>
-              </a:rPr>
-              <a:t>2017.1.18</a:t>
-            </a:r>
-          </a:p>
-        </p:txBody>
-      </p:sp>
-      <p:sp>
-        <p:nvSpPr>
-          <p:cNvPr id="70" name="TextBox 69"/>
-          <p:cNvSpPr txBox="1"/>
-          <p:nvPr/>
-        </p:nvSpPr>
-        <p:spPr>
-          <a:xfrm>
-            <a:off x="1416320" y="4738408"/>
-            <a:ext cx="1023037" cy="363818"/>
-          </a:xfrm>
-          <a:prstGeom prst="rect">
-            <a:avLst/>
-          </a:prstGeom>
-          <a:noFill/>
-        </p:spPr>
-        <p:txBody>
-          <a:bodyPr wrap="none" tIns="137160" rtlCol="0" anchor="t" anchorCtr="1">
-            <a:spAutoFit/>
-          </a:bodyPr>
-          <a:lstStyle/>
-          <a:p>
-            <a:pPr algn="ctr" defTabSz="914217">
-              <a:lnSpc>
-                <a:spcPts val="1340"/>
-              </a:lnSpc>
-            </a:pPr>
-            <a:r>
-              <a:rPr lang="en-US" sz="1600" b="1" dirty="0">
-                <a:solidFill>
-                  <a:srgbClr val="000000"/>
-                </a:solidFill>
-                <a:latin typeface="Poppins SemiBold" charset="0"/>
-                <a:ea typeface="Poppins SemiBold" charset="0"/>
-                <a:cs typeface="Poppins SemiBold" charset="0"/>
-              </a:rPr>
-              <a:t>2014.2.20</a:t>
-            </a:r>
-          </a:p>
-        </p:txBody>
-      </p:sp>
-      <p:sp>
-        <p:nvSpPr>
-          <p:cNvPr id="25" name="Oval 59">
-            <a:extLst>
-              <a:ext uri="{FF2B5EF4-FFF2-40B4-BE49-F238E27FC236}">
-                <a16:creationId xmlns:a16="http://schemas.microsoft.com/office/drawing/2014/main" id="{5021A821-DE01-4B50-BF66-AF9D55E60DC0}"/>
-              </a:ext>
-            </a:extLst>
-          </p:cNvPr>
-          <p:cNvSpPr/>
-          <p:nvPr/>
-        </p:nvSpPr>
-        <p:spPr>
-          <a:xfrm>
-            <a:off x="10577669" y="3521382"/>
-            <a:ext cx="122754" cy="122754"/>
-          </a:xfrm>
-          <a:prstGeom prst="ellipse">
-            <a:avLst/>
-          </a:prstGeom>
-          <a:ln>
-            <a:noFill/>
-          </a:ln>
-        </p:spPr>
-        <p:style>
-          <a:lnRef idx="2">
-            <a:schemeClr val="accent1">
-              <a:shade val="50000"/>
-            </a:schemeClr>
-          </a:lnRef>
-          <a:fillRef idx="1">
-            <a:schemeClr val="accent1"/>
-          </a:fillRef>
-          <a:effectRef idx="0">
-            <a:schemeClr val="accent1"/>
-          </a:effectRef>
-          <a:fontRef idx="minor">
-            <a:schemeClr val="lt1"/>
-          </a:fontRef>
-        </p:style>
-        <p:txBody>
-          <a:bodyPr rtlCol="0" anchor="ctr"/>
-          <a:lstStyle/>
-          <a:p>
-            <a:pPr algn="ctr" defTabSz="914217"/>
-            <a:endParaRPr lang="en-US">
-              <a:solidFill>
-                <a:srgbClr val="FFFFFF"/>
-              </a:solidFill>
-              <a:latin typeface="Lato Light"/>
-            </a:endParaRPr>
-          </a:p>
-        </p:txBody>
-      </p:sp>
-      <p:sp>
-        <p:nvSpPr>
-          <p:cNvPr id="26" name="TextBox 62">
-            <a:extLst>
-              <a:ext uri="{FF2B5EF4-FFF2-40B4-BE49-F238E27FC236}">
-                <a16:creationId xmlns:a16="http://schemas.microsoft.com/office/drawing/2014/main" id="{4C544DAB-962C-4EBC-BD2F-27E7FA7F5D03}"/>
-              </a:ext>
-            </a:extLst>
-          </p:cNvPr>
-          <p:cNvSpPr txBox="1"/>
-          <p:nvPr/>
-        </p:nvSpPr>
-        <p:spPr>
-          <a:xfrm>
-            <a:off x="10032188" y="1741629"/>
-            <a:ext cx="1130438" cy="425758"/>
-          </a:xfrm>
-          <a:prstGeom prst="rect">
-            <a:avLst/>
-          </a:prstGeom>
-          <a:noFill/>
-        </p:spPr>
-        <p:txBody>
-          <a:bodyPr wrap="none" rtlCol="0" anchor="t" anchorCtr="1">
-            <a:spAutoFit/>
-          </a:bodyPr>
-          <a:lstStyle/>
-          <a:p>
-            <a:pPr algn="ctr" defTabSz="914217">
-              <a:lnSpc>
-                <a:spcPts val="1340"/>
-              </a:lnSpc>
-            </a:pPr>
-            <a:r>
-              <a:rPr lang="en-US" sz="1100" b="1" dirty="0">
-                <a:solidFill>
-                  <a:srgbClr val="000000"/>
-                </a:solidFill>
-                <a:latin typeface="Poppins SemiBold" charset="0"/>
-                <a:ea typeface="Poppins SemiBold" charset="0"/>
-                <a:cs typeface="Poppins SemiBold" charset="0"/>
-              </a:rPr>
-              <a:t>Webpack 5 beta</a:t>
-            </a:r>
-          </a:p>
-          <a:p>
-            <a:pPr algn="ctr" defTabSz="914217">
-              <a:lnSpc>
-                <a:spcPts val="1340"/>
-              </a:lnSpc>
-            </a:pPr>
-            <a:r>
-              <a:rPr lang="en-US" altLang="zh-CN" sz="1100" b="1" dirty="0">
-                <a:solidFill>
-                  <a:srgbClr val="000000"/>
-                </a:solidFill>
-                <a:latin typeface="Poppins SemiBold" charset="0"/>
-                <a:ea typeface="Poppins SemiBold" charset="0"/>
-                <a:cs typeface="Poppins SemiBold" charset="0"/>
-              </a:rPr>
-              <a:t>vote</a:t>
-            </a:r>
-            <a:endParaRPr lang="en-US" sz="1100" b="1" dirty="0">
-              <a:solidFill>
-                <a:srgbClr val="000000"/>
-              </a:solidFill>
-              <a:latin typeface="Poppins SemiBold" charset="0"/>
-              <a:ea typeface="Poppins SemiBold" charset="0"/>
-              <a:cs typeface="Poppins SemiBold" charset="0"/>
-            </a:endParaRPr>
-          </a:p>
-        </p:txBody>
-      </p:sp>
-      <p:sp>
-        <p:nvSpPr>
-          <p:cNvPr id="27" name="TextBox 63">
-            <a:extLst>
-              <a:ext uri="{FF2B5EF4-FFF2-40B4-BE49-F238E27FC236}">
-                <a16:creationId xmlns:a16="http://schemas.microsoft.com/office/drawing/2014/main" id="{F8E3DA47-4C9E-48EB-B718-9848941943F3}"/>
-              </a:ext>
-            </a:extLst>
-          </p:cNvPr>
-          <p:cNvSpPr txBox="1"/>
-          <p:nvPr/>
-        </p:nvSpPr>
-        <p:spPr>
-          <a:xfrm>
-            <a:off x="10347733" y="4737900"/>
-            <a:ext cx="601448" cy="363818"/>
-          </a:xfrm>
-          <a:prstGeom prst="rect">
-            <a:avLst/>
-          </a:prstGeom>
-          <a:noFill/>
-        </p:spPr>
-        <p:txBody>
-          <a:bodyPr wrap="none" tIns="137160" rtlCol="0" anchor="t" anchorCtr="1">
-            <a:spAutoFit/>
-          </a:bodyPr>
-          <a:lstStyle/>
-          <a:p>
-            <a:pPr algn="ctr" defTabSz="914217">
-              <a:lnSpc>
-                <a:spcPts val="1340"/>
-              </a:lnSpc>
-            </a:pPr>
-            <a:r>
-              <a:rPr lang="en-US" sz="1600" b="1" dirty="0">
-                <a:solidFill>
-                  <a:srgbClr val="000000"/>
-                </a:solidFill>
-                <a:latin typeface="Poppins SemiBold" charset="0"/>
-                <a:ea typeface="Poppins SemiBold" charset="0"/>
-                <a:cs typeface="Poppins SemiBold" charset="0"/>
-              </a:rPr>
-              <a:t>2019</a:t>
-            </a:r>
-          </a:p>
-        </p:txBody>
-      </p:sp>
-    </p:spTree>
-    <p:extLst>
-      <p:ext uri="{BB962C8B-B14F-4D97-AF65-F5344CB8AC3E}">
-        <p14:creationId xmlns:p14="http://schemas.microsoft.com/office/powerpoint/2010/main" val="299278963"/>
-      </p:ext>
-    </p:extLst>
-  </p:cSld>
-  <p:clrMapOvr>
-    <a:masterClrMapping/>
-  </p:clrMapOvr>
-  <mc:AlternateContent xmlns:mc="http://schemas.openxmlformats.org/markup-compatibility/2006" xmlns:p14="http://schemas.microsoft.com/office/powerpoint/2010/main">
-    <mc:Choice Requires="p14">
-      <p:transition p14:dur="0" advClick="0"/>
-    </mc:Choice>
-    <mc:Fallback xmlns="">
-      <p:transition advClick="0"/>
-    </mc:Fallback>
-  </mc:AlternateContent>
-</p:sld>
-</file>
-
-<file path=ppt/slides/slide18.xml><?xml version="1.0" encoding="utf-8"?>
-<p:sld xmlns:a="http://schemas.openxmlformats.org/drawingml/2006/main" xmlns:r="http://schemas.openxmlformats.org/officeDocument/2006/relationships" xmlns:p="http://schemas.openxmlformats.org/presentationml/2006/main">
-  <p:cSld>
-    <p:spTree>
-      <p:nvGrpSpPr>
-        <p:cNvPr id="1" name=""/>
-        <p:cNvGrpSpPr/>
-        <p:nvPr/>
-      </p:nvGrpSpPr>
-      <p:grpSpPr>
-        <a:xfrm>
-          <a:off x="0" y="0"/>
-          <a:ext cx="0" cy="0"/>
-          <a:chOff x="0" y="0"/>
-          <a:chExt cx="0" cy="0"/>
-        </a:xfrm>
-      </p:grpSpPr>
-      <p:sp>
-        <p:nvSpPr>
-          <p:cNvPr id="9" name="TextBox 8"/>
-          <p:cNvSpPr txBox="1"/>
-          <p:nvPr/>
-        </p:nvSpPr>
-        <p:spPr>
-          <a:xfrm>
-            <a:off x="2550159" y="2690336"/>
-            <a:ext cx="7091686" cy="1200329"/>
-          </a:xfrm>
-          <a:prstGeom prst="rect">
-            <a:avLst/>
-          </a:prstGeom>
-          <a:noFill/>
-        </p:spPr>
-        <p:txBody>
-          <a:bodyPr wrap="none" rtlCol="0">
-            <a:spAutoFit/>
-          </a:bodyPr>
-          <a:lstStyle/>
-          <a:p>
-            <a:pPr algn="ctr"/>
-            <a:r>
-              <a:rPr lang="en-US" altLang="zh-CN" sz="7200" dirty="0">
-                <a:solidFill>
-                  <a:schemeClr val="tx1">
-                    <a:lumMod val="75000"/>
-                    <a:lumOff val="25000"/>
-                  </a:schemeClr>
-                </a:solidFill>
-                <a:latin typeface="GeosansLight" panose="02000603020000020003" pitchFamily="2" charset="0"/>
-              </a:rPr>
-              <a:t>Demo for example</a:t>
-            </a:r>
-            <a:endParaRPr lang="en-US" sz="7200" dirty="0">
-              <a:solidFill>
-                <a:schemeClr val="tx1">
-                  <a:lumMod val="75000"/>
-                  <a:lumOff val="25000"/>
-                </a:schemeClr>
-              </a:solidFill>
-              <a:latin typeface="GeosansLight" panose="02000603020000020003" pitchFamily="2" charset="0"/>
-            </a:endParaRPr>
-          </a:p>
-        </p:txBody>
-      </p:sp>
-    </p:spTree>
   </p:cSld>
   <p:clrMapOvr>
     <a:masterClrMapping/>
@@ -10577,7 +10664,7 @@
           <p:cNvPr id="9" name="TextBox 26">
             <a:extLst>
               <a:ext uri="{FF2B5EF4-FFF2-40B4-BE49-F238E27FC236}">
-                <a16:creationId xmlns:a16="http://schemas.microsoft.com/office/drawing/2014/main" id="{0A45453A-0875-48CC-80AD-43CA6F5F93A4}"/>
+                <a16:creationId xmlns="" xmlns:a16="http://schemas.microsoft.com/office/drawing/2014/main" id="{0A45453A-0875-48CC-80AD-43CA6F5F93A4}"/>
               </a:ext>
             </a:extLst>
           </p:cNvPr>
@@ -10587,7 +10674,7 @@
         <p:spPr>
           <a:xfrm>
             <a:off x="920335" y="1588458"/>
-            <a:ext cx="3861594" cy="1712135"/>
+            <a:ext cx="3861594" cy="1754326"/>
           </a:xfrm>
           <a:prstGeom prst="rect">
             <a:avLst/>
@@ -10634,16 +10721,16 @@
               <a:t> </a:t>
             </a:r>
             <a:r>
-              <a:rPr lang="en-US" altLang="zh-CN" dirty="0">
+              <a:rPr lang="en-US" altLang="zh-CN" dirty="0" err="1" smtClean="0">
                 <a:sym typeface="Arial" panose="020B0604020202020204" pitchFamily="34" charset="0"/>
               </a:rPr>
               <a:t>webpack</a:t>
             </a:r>
             <a:r>
-              <a:rPr lang="zh-CN" altLang="en-US" dirty="0">
+              <a:rPr lang="zh-CN" altLang="en-US" dirty="0" smtClean="0">
                 <a:sym typeface="Arial" panose="020B0604020202020204" pitchFamily="34" charset="0"/>
               </a:rPr>
-              <a:t>简介</a:t>
+              <a:t>核心配置</a:t>
             </a:r>
             <a:endParaRPr lang="en-US" altLang="zh-CN" dirty="0">
               <a:sym typeface="Arial" panose="020B0604020202020204" pitchFamily="34" charset="0"/>
@@ -10989,6 +11076,1293 @@
 </p:sld>
 </file>
 
+<file path=ppt/slides/slide20.xml><?xml version="1.0" encoding="utf-8"?>
+<p:sld xmlns:a="http://schemas.openxmlformats.org/drawingml/2006/main" xmlns:r="http://schemas.openxmlformats.org/officeDocument/2006/relationships" xmlns:p="http://schemas.openxmlformats.org/presentationml/2006/main">
+  <p:cSld>
+    <p:spTree>
+      <p:nvGrpSpPr>
+        <p:cNvPr id="1" name=""/>
+        <p:cNvGrpSpPr/>
+        <p:nvPr/>
+      </p:nvGrpSpPr>
+      <p:grpSpPr>
+        <a:xfrm>
+          <a:off x="0" y="0"/>
+          <a:ext cx="0" cy="0"/>
+          <a:chOff x="0" y="0"/>
+          <a:chExt cx="0" cy="0"/>
+        </a:xfrm>
+      </p:grpSpPr>
+      <p:sp>
+        <p:nvSpPr>
+          <p:cNvPr id="41" name="TextBox 40"/>
+          <p:cNvSpPr txBox="1"/>
+          <p:nvPr/>
+        </p:nvSpPr>
+        <p:spPr>
+          <a:xfrm>
+            <a:off x="4390118" y="422705"/>
+            <a:ext cx="3206904" cy="584775"/>
+          </a:xfrm>
+          <a:prstGeom prst="rect">
+            <a:avLst/>
+          </a:prstGeom>
+          <a:noFill/>
+        </p:spPr>
+        <p:txBody>
+          <a:bodyPr wrap="none" rtlCol="0">
+            <a:spAutoFit/>
+          </a:bodyPr>
+          <a:lstStyle/>
+          <a:p>
+            <a:pPr algn="ctr">
+              <a:defRPr/>
+            </a:pPr>
+            <a:r>
+              <a:rPr lang="en-US" altLang="zh-CN" sz="3200" dirty="0">
+                <a:solidFill>
+                  <a:prstClr val="black">
+                    <a:lumMod val="75000"/>
+                    <a:lumOff val="25000"/>
+                  </a:prstClr>
+                </a:solidFill>
+                <a:latin typeface="Roboto Thin" charset="0"/>
+              </a:rPr>
+              <a:t>Webpack history</a:t>
+            </a:r>
+            <a:endParaRPr lang="en-US" sz="3200" dirty="0">
+              <a:solidFill>
+                <a:prstClr val="black">
+                  <a:lumMod val="75000"/>
+                  <a:lumOff val="25000"/>
+                </a:prstClr>
+              </a:solidFill>
+              <a:latin typeface="Roboto Thin" charset="0"/>
+            </a:endParaRPr>
+          </a:p>
+        </p:txBody>
+      </p:sp>
+      <p:cxnSp>
+        <p:nvCxnSpPr>
+          <p:cNvPr id="42" name="Straight Connector 41"/>
+          <p:cNvCxnSpPr/>
+          <p:nvPr/>
+        </p:nvCxnSpPr>
+        <p:spPr>
+          <a:xfrm>
+            <a:off x="5805926" y="1397333"/>
+            <a:ext cx="596462" cy="0"/>
+          </a:xfrm>
+          <a:prstGeom prst="line">
+            <a:avLst/>
+          </a:prstGeom>
+          <a:ln w="57150">
+            <a:solidFill>
+              <a:schemeClr val="accent1"/>
+            </a:solidFill>
+          </a:ln>
+        </p:spPr>
+        <p:style>
+          <a:lnRef idx="1">
+            <a:schemeClr val="accent1"/>
+          </a:lnRef>
+          <a:fillRef idx="0">
+            <a:schemeClr val="accent1"/>
+          </a:fillRef>
+          <a:effectRef idx="0">
+            <a:schemeClr val="accent1"/>
+          </a:effectRef>
+          <a:fontRef idx="minor">
+            <a:schemeClr val="tx1"/>
+          </a:fontRef>
+        </p:style>
+      </p:cxnSp>
+      <p:sp>
+        <p:nvSpPr>
+          <p:cNvPr id="55" name="TextBox 54"/>
+          <p:cNvSpPr txBox="1"/>
+          <p:nvPr/>
+        </p:nvSpPr>
+        <p:spPr>
+          <a:xfrm>
+            <a:off x="3316088" y="1737051"/>
+            <a:ext cx="1122422" cy="1092607"/>
+          </a:xfrm>
+          <a:prstGeom prst="rect">
+            <a:avLst/>
+          </a:prstGeom>
+          <a:noFill/>
+        </p:spPr>
+        <p:txBody>
+          <a:bodyPr wrap="none" rtlCol="0" anchor="t" anchorCtr="1">
+            <a:spAutoFit/>
+          </a:bodyPr>
+          <a:lstStyle/>
+          <a:p>
+            <a:pPr algn="ctr" defTabSz="914217">
+              <a:lnSpc>
+                <a:spcPts val="1340"/>
+              </a:lnSpc>
+            </a:pPr>
+            <a:r>
+              <a:rPr lang="en-US" altLang="zh-CN" sz="1100" b="1" dirty="0">
+                <a:solidFill>
+                  <a:srgbClr val="000000"/>
+                </a:solidFill>
+                <a:latin typeface="Poppins SemiBold" charset="0"/>
+                <a:ea typeface="Poppins SemiBold" charset="0"/>
+                <a:cs typeface="Poppins SemiBold" charset="0"/>
+              </a:rPr>
+              <a:t>Webpack v2.2.0</a:t>
+            </a:r>
+          </a:p>
+          <a:p>
+            <a:pPr algn="ctr" defTabSz="914217">
+              <a:lnSpc>
+                <a:spcPts val="1340"/>
+              </a:lnSpc>
+            </a:pPr>
+            <a:r>
+              <a:rPr lang="en-US" altLang="zh-CN" sz="1100" b="1" dirty="0">
+                <a:solidFill>
+                  <a:srgbClr val="000000"/>
+                </a:solidFill>
+                <a:latin typeface="Poppins SemiBold" charset="0"/>
+                <a:ea typeface="Poppins SemiBold" charset="0"/>
+                <a:cs typeface="Poppins SemiBold" charset="0"/>
+              </a:rPr>
+              <a:t>Tree shaking</a:t>
+            </a:r>
+          </a:p>
+          <a:p>
+            <a:pPr algn="ctr" defTabSz="914217">
+              <a:lnSpc>
+                <a:spcPts val="1340"/>
+              </a:lnSpc>
+            </a:pPr>
+            <a:r>
+              <a:rPr lang="en-US" altLang="zh-CN" sz="1100" b="1" dirty="0">
+                <a:solidFill>
+                  <a:srgbClr val="000000"/>
+                </a:solidFill>
+                <a:latin typeface="Poppins SemiBold" charset="0"/>
+                <a:ea typeface="Poppins SemiBold" charset="0"/>
+                <a:cs typeface="Poppins SemiBold" charset="0"/>
+              </a:rPr>
+              <a:t>ES module</a:t>
+            </a:r>
+          </a:p>
+          <a:p>
+            <a:pPr algn="ctr" defTabSz="914217">
+              <a:lnSpc>
+                <a:spcPts val="1340"/>
+              </a:lnSpc>
+            </a:pPr>
+            <a:r>
+              <a:rPr lang="zh-CN" altLang="en-US" sz="1100" b="1" dirty="0">
+                <a:solidFill>
+                  <a:srgbClr val="000000"/>
+                </a:solidFill>
+                <a:latin typeface="Poppins SemiBold" charset="0"/>
+                <a:ea typeface="Poppins SemiBold" charset="0"/>
+                <a:cs typeface="Poppins SemiBold" charset="0"/>
+              </a:rPr>
+              <a:t>动态</a:t>
+            </a:r>
+            <a:r>
+              <a:rPr lang="en-US" altLang="zh-CN" sz="1100" b="1" dirty="0">
+                <a:solidFill>
+                  <a:srgbClr val="000000"/>
+                </a:solidFill>
+                <a:latin typeface="Poppins SemiBold" charset="0"/>
+                <a:ea typeface="Poppins SemiBold" charset="0"/>
+                <a:cs typeface="Poppins SemiBold" charset="0"/>
+              </a:rPr>
+              <a:t>Import</a:t>
+            </a:r>
+          </a:p>
+          <a:p>
+            <a:pPr algn="ctr" defTabSz="914217">
+              <a:lnSpc>
+                <a:spcPts val="1340"/>
+              </a:lnSpc>
+            </a:pPr>
+            <a:r>
+              <a:rPr lang="zh-CN" altLang="en-US" sz="1100" b="1" dirty="0">
+                <a:solidFill>
+                  <a:srgbClr val="000000"/>
+                </a:solidFill>
+                <a:latin typeface="Poppins SemiBold" charset="0"/>
+                <a:ea typeface="Poppins SemiBold" charset="0"/>
+                <a:cs typeface="Poppins SemiBold" charset="0"/>
+              </a:rPr>
+              <a:t>新的文档</a:t>
+            </a:r>
+            <a:endParaRPr lang="en-US" altLang="zh-CN" sz="1100" b="1" dirty="0">
+              <a:solidFill>
+                <a:srgbClr val="000000"/>
+              </a:solidFill>
+              <a:latin typeface="Poppins SemiBold" charset="0"/>
+              <a:ea typeface="Poppins SemiBold" charset="0"/>
+              <a:cs typeface="Poppins SemiBold" charset="0"/>
+            </a:endParaRPr>
+          </a:p>
+          <a:p>
+            <a:pPr algn="ctr" defTabSz="914217">
+              <a:lnSpc>
+                <a:spcPts val="1340"/>
+              </a:lnSpc>
+            </a:pPr>
+            <a:endParaRPr lang="en-US" sz="1100" b="1" dirty="0">
+              <a:solidFill>
+                <a:srgbClr val="000000"/>
+              </a:solidFill>
+              <a:latin typeface="Poppins SemiBold" charset="0"/>
+              <a:ea typeface="Poppins SemiBold" charset="0"/>
+              <a:cs typeface="Poppins SemiBold" charset="0"/>
+            </a:endParaRPr>
+          </a:p>
+        </p:txBody>
+      </p:sp>
+      <p:cxnSp>
+        <p:nvCxnSpPr>
+          <p:cNvPr id="57" name="Straight Connector 56"/>
+          <p:cNvCxnSpPr/>
+          <p:nvPr/>
+        </p:nvCxnSpPr>
+        <p:spPr>
+          <a:xfrm>
+            <a:off x="3175" y="4147392"/>
+            <a:ext cx="12188825" cy="0"/>
+          </a:xfrm>
+          <a:prstGeom prst="line">
+            <a:avLst/>
+          </a:prstGeom>
+          <a:ln w="38100"/>
+        </p:spPr>
+        <p:style>
+          <a:lnRef idx="1">
+            <a:schemeClr val="accent1"/>
+          </a:lnRef>
+          <a:fillRef idx="0">
+            <a:schemeClr val="accent1"/>
+          </a:fillRef>
+          <a:effectRef idx="0">
+            <a:schemeClr val="accent1"/>
+          </a:effectRef>
+          <a:fontRef idx="minor">
+            <a:schemeClr val="tx1"/>
+          </a:fontRef>
+        </p:style>
+      </p:cxnSp>
+      <p:sp>
+        <p:nvSpPr>
+          <p:cNvPr id="58" name="Oval 57"/>
+          <p:cNvSpPr/>
+          <p:nvPr/>
+        </p:nvSpPr>
+        <p:spPr>
+          <a:xfrm>
+            <a:off x="1823819" y="3521890"/>
+            <a:ext cx="122754" cy="122754"/>
+          </a:xfrm>
+          <a:prstGeom prst="ellipse">
+            <a:avLst/>
+          </a:prstGeom>
+          <a:ln>
+            <a:noFill/>
+          </a:ln>
+        </p:spPr>
+        <p:style>
+          <a:lnRef idx="2">
+            <a:schemeClr val="accent1">
+              <a:shade val="50000"/>
+            </a:schemeClr>
+          </a:lnRef>
+          <a:fillRef idx="1">
+            <a:schemeClr val="accent1"/>
+          </a:fillRef>
+          <a:effectRef idx="0">
+            <a:schemeClr val="accent1"/>
+          </a:effectRef>
+          <a:fontRef idx="minor">
+            <a:schemeClr val="lt1"/>
+          </a:fontRef>
+        </p:style>
+        <p:txBody>
+          <a:bodyPr rtlCol="0" anchor="ctr"/>
+          <a:lstStyle/>
+          <a:p>
+            <a:pPr algn="ctr" defTabSz="914217"/>
+            <a:endParaRPr lang="en-US">
+              <a:solidFill>
+                <a:srgbClr val="FFFFFF"/>
+              </a:solidFill>
+              <a:latin typeface="Lato Light"/>
+            </a:endParaRPr>
+          </a:p>
+        </p:txBody>
+      </p:sp>
+      <p:sp>
+        <p:nvSpPr>
+          <p:cNvPr id="59" name="Oval 58"/>
+          <p:cNvSpPr/>
+          <p:nvPr/>
+        </p:nvSpPr>
+        <p:spPr>
+          <a:xfrm>
+            <a:off x="3857566" y="3507156"/>
+            <a:ext cx="122754" cy="122754"/>
+          </a:xfrm>
+          <a:prstGeom prst="ellipse">
+            <a:avLst/>
+          </a:prstGeom>
+          <a:ln>
+            <a:noFill/>
+          </a:ln>
+        </p:spPr>
+        <p:style>
+          <a:lnRef idx="2">
+            <a:schemeClr val="accent1">
+              <a:shade val="50000"/>
+            </a:schemeClr>
+          </a:lnRef>
+          <a:fillRef idx="1">
+            <a:schemeClr val="accent1"/>
+          </a:fillRef>
+          <a:effectRef idx="0">
+            <a:schemeClr val="accent1"/>
+          </a:effectRef>
+          <a:fontRef idx="minor">
+            <a:schemeClr val="lt1"/>
+          </a:fontRef>
+        </p:style>
+        <p:txBody>
+          <a:bodyPr rtlCol="0" anchor="ctr"/>
+          <a:lstStyle/>
+          <a:p>
+            <a:pPr algn="ctr" defTabSz="914217"/>
+            <a:endParaRPr lang="en-US">
+              <a:solidFill>
+                <a:srgbClr val="FFFFFF"/>
+              </a:solidFill>
+              <a:latin typeface="Lato Light"/>
+            </a:endParaRPr>
+          </a:p>
+        </p:txBody>
+      </p:sp>
+      <p:sp>
+        <p:nvSpPr>
+          <p:cNvPr id="60" name="Oval 59"/>
+          <p:cNvSpPr/>
+          <p:nvPr/>
+        </p:nvSpPr>
+        <p:spPr>
+          <a:xfrm>
+            <a:off x="8269022" y="3512025"/>
+            <a:ext cx="122754" cy="122754"/>
+          </a:xfrm>
+          <a:prstGeom prst="ellipse">
+            <a:avLst/>
+          </a:prstGeom>
+          <a:ln>
+            <a:noFill/>
+          </a:ln>
+        </p:spPr>
+        <p:style>
+          <a:lnRef idx="2">
+            <a:schemeClr val="accent1">
+              <a:shade val="50000"/>
+            </a:schemeClr>
+          </a:lnRef>
+          <a:fillRef idx="1">
+            <a:schemeClr val="accent1"/>
+          </a:fillRef>
+          <a:effectRef idx="0">
+            <a:schemeClr val="accent1"/>
+          </a:effectRef>
+          <a:fontRef idx="minor">
+            <a:schemeClr val="lt1"/>
+          </a:fontRef>
+        </p:style>
+        <p:txBody>
+          <a:bodyPr rtlCol="0" anchor="ctr"/>
+          <a:lstStyle/>
+          <a:p>
+            <a:pPr algn="ctr" defTabSz="914217"/>
+            <a:endParaRPr lang="en-US">
+              <a:solidFill>
+                <a:srgbClr val="FFFFFF"/>
+              </a:solidFill>
+              <a:latin typeface="Lato Light"/>
+            </a:endParaRPr>
+          </a:p>
+        </p:txBody>
+      </p:sp>
+      <p:sp>
+        <p:nvSpPr>
+          <p:cNvPr id="62" name="Oval 61"/>
+          <p:cNvSpPr/>
+          <p:nvPr/>
+        </p:nvSpPr>
+        <p:spPr>
+          <a:xfrm>
+            <a:off x="6034623" y="3532137"/>
+            <a:ext cx="122754" cy="122754"/>
+          </a:xfrm>
+          <a:prstGeom prst="ellipse">
+            <a:avLst/>
+          </a:prstGeom>
+          <a:ln>
+            <a:noFill/>
+          </a:ln>
+        </p:spPr>
+        <p:style>
+          <a:lnRef idx="2">
+            <a:schemeClr val="accent1">
+              <a:shade val="50000"/>
+            </a:schemeClr>
+          </a:lnRef>
+          <a:fillRef idx="1">
+            <a:schemeClr val="accent1"/>
+          </a:fillRef>
+          <a:effectRef idx="0">
+            <a:schemeClr val="accent1"/>
+          </a:effectRef>
+          <a:fontRef idx="minor">
+            <a:schemeClr val="lt1"/>
+          </a:fontRef>
+        </p:style>
+        <p:txBody>
+          <a:bodyPr rtlCol="0" anchor="ctr"/>
+          <a:lstStyle/>
+          <a:p>
+            <a:pPr algn="ctr" defTabSz="914217"/>
+            <a:endParaRPr lang="en-US">
+              <a:solidFill>
+                <a:srgbClr val="FFFFFF"/>
+              </a:solidFill>
+              <a:latin typeface="Lato Light"/>
+            </a:endParaRPr>
+          </a:p>
+        </p:txBody>
+      </p:sp>
+      <p:sp>
+        <p:nvSpPr>
+          <p:cNvPr id="63" name="TextBox 62"/>
+          <p:cNvSpPr txBox="1"/>
+          <p:nvPr/>
+        </p:nvSpPr>
+        <p:spPr>
+          <a:xfrm>
+            <a:off x="7702700" y="1732272"/>
+            <a:ext cx="1172116" cy="925894"/>
+          </a:xfrm>
+          <a:prstGeom prst="rect">
+            <a:avLst/>
+          </a:prstGeom>
+          <a:noFill/>
+        </p:spPr>
+        <p:txBody>
+          <a:bodyPr wrap="none" rtlCol="0" anchor="t" anchorCtr="1">
+            <a:spAutoFit/>
+          </a:bodyPr>
+          <a:lstStyle/>
+          <a:p>
+            <a:pPr algn="ctr" defTabSz="914217">
+              <a:lnSpc>
+                <a:spcPts val="1340"/>
+              </a:lnSpc>
+            </a:pPr>
+            <a:r>
+              <a:rPr lang="en-US" sz="1100" b="1" dirty="0">
+                <a:solidFill>
+                  <a:srgbClr val="000000"/>
+                </a:solidFill>
+                <a:latin typeface="Poppins SemiBold" charset="0"/>
+                <a:ea typeface="Poppins SemiBold" charset="0"/>
+                <a:cs typeface="Poppins SemiBold" charset="0"/>
+              </a:rPr>
+              <a:t>Webpack 4.0.0</a:t>
+            </a:r>
+          </a:p>
+          <a:p>
+            <a:pPr algn="ctr" defTabSz="914217">
+              <a:lnSpc>
+                <a:spcPts val="1340"/>
+              </a:lnSpc>
+            </a:pPr>
+            <a:r>
+              <a:rPr lang="zh-CN" altLang="en-US" sz="1100" b="1" dirty="0">
+                <a:solidFill>
+                  <a:srgbClr val="000000"/>
+                </a:solidFill>
+                <a:latin typeface="Poppins SemiBold" charset="0"/>
+                <a:ea typeface="Poppins SemiBold" charset="0"/>
+                <a:cs typeface="Poppins SemiBold" charset="0"/>
+              </a:rPr>
+              <a:t>零配置</a:t>
+            </a:r>
+            <a:endParaRPr lang="en-US" altLang="zh-CN" sz="1100" b="1" dirty="0">
+              <a:solidFill>
+                <a:srgbClr val="000000"/>
+              </a:solidFill>
+              <a:latin typeface="Poppins SemiBold" charset="0"/>
+              <a:ea typeface="Poppins SemiBold" charset="0"/>
+              <a:cs typeface="Poppins SemiBold" charset="0"/>
+            </a:endParaRPr>
+          </a:p>
+          <a:p>
+            <a:pPr algn="ctr" defTabSz="914217">
+              <a:lnSpc>
+                <a:spcPts val="1340"/>
+              </a:lnSpc>
+            </a:pPr>
+            <a:r>
+              <a:rPr lang="en-US" altLang="zh-CN" sz="1100" b="1" dirty="0">
+                <a:solidFill>
+                  <a:srgbClr val="000000"/>
+                </a:solidFill>
+                <a:latin typeface="Poppins SemiBold" charset="0"/>
+                <a:ea typeface="Poppins SemiBold" charset="0"/>
+                <a:cs typeface="Poppins SemiBold" charset="0"/>
+              </a:rPr>
+              <a:t>Mode</a:t>
+            </a:r>
+          </a:p>
+          <a:p>
+            <a:pPr algn="ctr" defTabSz="914217">
+              <a:lnSpc>
+                <a:spcPts val="1340"/>
+              </a:lnSpc>
+            </a:pPr>
+            <a:r>
+              <a:rPr lang="zh-CN" altLang="en-US" sz="1100" b="1" dirty="0">
+                <a:solidFill>
+                  <a:srgbClr val="000000"/>
+                </a:solidFill>
+                <a:latin typeface="Poppins SemiBold" charset="0"/>
+                <a:ea typeface="Poppins SemiBold" charset="0"/>
+                <a:cs typeface="Poppins SemiBold" charset="0"/>
+              </a:rPr>
+              <a:t>切分，压缩内置</a:t>
+            </a:r>
+            <a:endParaRPr lang="en-US" altLang="zh-CN" sz="1100" b="1" dirty="0">
+              <a:solidFill>
+                <a:srgbClr val="000000"/>
+              </a:solidFill>
+              <a:latin typeface="Poppins SemiBold" charset="0"/>
+              <a:ea typeface="Poppins SemiBold" charset="0"/>
+              <a:cs typeface="Poppins SemiBold" charset="0"/>
+            </a:endParaRPr>
+          </a:p>
+          <a:p>
+            <a:pPr algn="ctr" defTabSz="914217">
+              <a:lnSpc>
+                <a:spcPts val="1340"/>
+              </a:lnSpc>
+            </a:pPr>
+            <a:endParaRPr lang="en-US" sz="1100" b="1" dirty="0">
+              <a:solidFill>
+                <a:srgbClr val="000000"/>
+              </a:solidFill>
+              <a:latin typeface="Poppins SemiBold" charset="0"/>
+              <a:ea typeface="Poppins SemiBold" charset="0"/>
+              <a:cs typeface="Poppins SemiBold" charset="0"/>
+            </a:endParaRPr>
+          </a:p>
+        </p:txBody>
+      </p:sp>
+      <p:sp>
+        <p:nvSpPr>
+          <p:cNvPr id="64" name="TextBox 63"/>
+          <p:cNvSpPr txBox="1"/>
+          <p:nvPr/>
+        </p:nvSpPr>
+        <p:spPr>
+          <a:xfrm>
+            <a:off x="7880391" y="4728543"/>
+            <a:ext cx="918841" cy="363818"/>
+          </a:xfrm>
+          <a:prstGeom prst="rect">
+            <a:avLst/>
+          </a:prstGeom>
+          <a:noFill/>
+        </p:spPr>
+        <p:txBody>
+          <a:bodyPr wrap="none" tIns="137160" rtlCol="0" anchor="t" anchorCtr="1">
+            <a:spAutoFit/>
+          </a:bodyPr>
+          <a:lstStyle/>
+          <a:p>
+            <a:pPr algn="ctr" defTabSz="914217">
+              <a:lnSpc>
+                <a:spcPts val="1340"/>
+              </a:lnSpc>
+            </a:pPr>
+            <a:r>
+              <a:rPr lang="en-US" sz="1600" b="1" dirty="0">
+                <a:solidFill>
+                  <a:srgbClr val="000000"/>
+                </a:solidFill>
+                <a:latin typeface="Poppins SemiBold" charset="0"/>
+                <a:ea typeface="Poppins SemiBold" charset="0"/>
+                <a:cs typeface="Poppins SemiBold" charset="0"/>
+              </a:rPr>
+              <a:t>2018.2.4</a:t>
+            </a:r>
+          </a:p>
+        </p:txBody>
+      </p:sp>
+      <p:sp>
+        <p:nvSpPr>
+          <p:cNvPr id="65" name="TextBox 64"/>
+          <p:cNvSpPr txBox="1"/>
+          <p:nvPr/>
+        </p:nvSpPr>
+        <p:spPr>
+          <a:xfrm>
+            <a:off x="5449133" y="1752384"/>
+            <a:ext cx="1188147" cy="759182"/>
+          </a:xfrm>
+          <a:prstGeom prst="rect">
+            <a:avLst/>
+          </a:prstGeom>
+          <a:noFill/>
+        </p:spPr>
+        <p:txBody>
+          <a:bodyPr wrap="none" rtlCol="0" anchor="t" anchorCtr="1">
+            <a:spAutoFit/>
+          </a:bodyPr>
+          <a:lstStyle/>
+          <a:p>
+            <a:pPr algn="ctr" defTabSz="914217">
+              <a:lnSpc>
+                <a:spcPts val="1340"/>
+              </a:lnSpc>
+            </a:pPr>
+            <a:r>
+              <a:rPr lang="en-US" altLang="zh-CN" sz="1100" b="1" dirty="0">
+                <a:solidFill>
+                  <a:srgbClr val="000000"/>
+                </a:solidFill>
+                <a:latin typeface="Poppins SemiBold" charset="0"/>
+                <a:ea typeface="Poppins SemiBold" charset="0"/>
+                <a:cs typeface="Poppins SemiBold" charset="0"/>
+              </a:rPr>
+              <a:t>Webpack v3.0.0</a:t>
+            </a:r>
+          </a:p>
+          <a:p>
+            <a:pPr algn="ctr" defTabSz="914217">
+              <a:lnSpc>
+                <a:spcPts val="1340"/>
+              </a:lnSpc>
+            </a:pPr>
+            <a:r>
+              <a:rPr lang="en-US" altLang="zh-CN" sz="1100" b="1" dirty="0">
+                <a:solidFill>
+                  <a:srgbClr val="000000"/>
+                </a:solidFill>
+                <a:latin typeface="Poppins SemiBold" charset="0"/>
+                <a:ea typeface="Poppins SemiBold" charset="0"/>
+                <a:cs typeface="Poppins SemiBold" charset="0"/>
+              </a:rPr>
+              <a:t>Scope Hoisting</a:t>
+            </a:r>
+          </a:p>
+          <a:p>
+            <a:pPr algn="ctr" defTabSz="914217">
+              <a:lnSpc>
+                <a:spcPts val="1340"/>
+              </a:lnSpc>
+            </a:pPr>
+            <a:r>
+              <a:rPr lang="en-US" altLang="zh-CN" sz="1100" b="1" dirty="0">
+                <a:solidFill>
+                  <a:srgbClr val="000000"/>
+                </a:solidFill>
+                <a:latin typeface="Poppins SemiBold" charset="0"/>
+                <a:ea typeface="Poppins SemiBold" charset="0"/>
+                <a:cs typeface="Poppins SemiBold" charset="0"/>
+              </a:rPr>
+              <a:t>Magic comments</a:t>
+            </a:r>
+          </a:p>
+          <a:p>
+            <a:pPr algn="ctr" defTabSz="914217">
+              <a:lnSpc>
+                <a:spcPts val="1340"/>
+              </a:lnSpc>
+            </a:pPr>
+            <a:endParaRPr lang="en-US" sz="1100" b="1" dirty="0">
+              <a:solidFill>
+                <a:srgbClr val="000000"/>
+              </a:solidFill>
+              <a:latin typeface="Poppins SemiBold" charset="0"/>
+              <a:ea typeface="Poppins SemiBold" charset="0"/>
+              <a:cs typeface="Poppins SemiBold" charset="0"/>
+            </a:endParaRPr>
+          </a:p>
+        </p:txBody>
+      </p:sp>
+      <p:sp>
+        <p:nvSpPr>
+          <p:cNvPr id="67" name="TextBox 66"/>
+          <p:cNvSpPr txBox="1"/>
+          <p:nvPr/>
+        </p:nvSpPr>
+        <p:spPr>
+          <a:xfrm>
+            <a:off x="1286387" y="1742137"/>
+            <a:ext cx="1122422" cy="1259319"/>
+          </a:xfrm>
+          <a:prstGeom prst="rect">
+            <a:avLst/>
+          </a:prstGeom>
+          <a:noFill/>
+        </p:spPr>
+        <p:txBody>
+          <a:bodyPr wrap="none" rtlCol="0" anchor="t" anchorCtr="1">
+            <a:spAutoFit/>
+          </a:bodyPr>
+          <a:lstStyle/>
+          <a:p>
+            <a:pPr algn="ctr" defTabSz="914217">
+              <a:lnSpc>
+                <a:spcPts val="1340"/>
+              </a:lnSpc>
+            </a:pPr>
+            <a:r>
+              <a:rPr lang="en-US" altLang="zh-CN" sz="1100" b="1" dirty="0">
+                <a:solidFill>
+                  <a:srgbClr val="000000"/>
+                </a:solidFill>
+                <a:latin typeface="Poppins SemiBold" charset="0"/>
+                <a:ea typeface="Poppins SemiBold" charset="0"/>
+                <a:cs typeface="Poppins SemiBold" charset="0"/>
+              </a:rPr>
+              <a:t>Webpack v1.0.0</a:t>
+            </a:r>
+          </a:p>
+          <a:p>
+            <a:pPr algn="ctr" defTabSz="914217">
+              <a:lnSpc>
+                <a:spcPts val="1340"/>
+              </a:lnSpc>
+            </a:pPr>
+            <a:r>
+              <a:rPr lang="zh-CN" altLang="en-US" sz="1100" b="1" dirty="0">
+                <a:solidFill>
+                  <a:srgbClr val="000000"/>
+                </a:solidFill>
+                <a:latin typeface="Poppins SemiBold" charset="0"/>
+                <a:ea typeface="Poppins SemiBold" charset="0"/>
+                <a:cs typeface="Poppins SemiBold" charset="0"/>
+              </a:rPr>
+              <a:t>编译打包</a:t>
+            </a:r>
+            <a:endParaRPr lang="en-US" altLang="zh-CN" sz="1100" b="1" dirty="0">
+              <a:solidFill>
+                <a:srgbClr val="000000"/>
+              </a:solidFill>
+              <a:latin typeface="Poppins SemiBold" charset="0"/>
+              <a:ea typeface="Poppins SemiBold" charset="0"/>
+              <a:cs typeface="Poppins SemiBold" charset="0"/>
+            </a:endParaRPr>
+          </a:p>
+          <a:p>
+            <a:pPr algn="ctr" defTabSz="914217">
+              <a:lnSpc>
+                <a:spcPts val="1340"/>
+              </a:lnSpc>
+            </a:pPr>
+            <a:r>
+              <a:rPr lang="en-US" altLang="zh-CN" sz="1100" b="1" dirty="0">
+                <a:solidFill>
+                  <a:srgbClr val="000000"/>
+                </a:solidFill>
+                <a:latin typeface="Poppins SemiBold" charset="0"/>
+                <a:ea typeface="Poppins SemiBold" charset="0"/>
+                <a:cs typeface="Poppins SemiBold" charset="0"/>
+              </a:rPr>
+              <a:t>HMR</a:t>
+            </a:r>
+          </a:p>
+          <a:p>
+            <a:pPr algn="ctr" defTabSz="914217">
+              <a:lnSpc>
+                <a:spcPts val="1340"/>
+              </a:lnSpc>
+            </a:pPr>
+            <a:r>
+              <a:rPr lang="zh-CN" altLang="en-US" sz="1100" b="1" dirty="0">
+                <a:solidFill>
+                  <a:srgbClr val="000000"/>
+                </a:solidFill>
+                <a:latin typeface="Poppins SemiBold" charset="0"/>
+                <a:ea typeface="Poppins SemiBold" charset="0"/>
+                <a:cs typeface="Poppins SemiBold" charset="0"/>
+              </a:rPr>
+              <a:t>代码分割</a:t>
+            </a:r>
+            <a:endParaRPr lang="en-US" altLang="zh-CN" sz="1100" b="1" dirty="0">
+              <a:solidFill>
+                <a:srgbClr val="000000"/>
+              </a:solidFill>
+              <a:latin typeface="Poppins SemiBold" charset="0"/>
+              <a:ea typeface="Poppins SemiBold" charset="0"/>
+              <a:cs typeface="Poppins SemiBold" charset="0"/>
+            </a:endParaRPr>
+          </a:p>
+          <a:p>
+            <a:pPr algn="ctr" defTabSz="914217">
+              <a:lnSpc>
+                <a:spcPts val="1340"/>
+              </a:lnSpc>
+            </a:pPr>
+            <a:r>
+              <a:rPr lang="zh-CN" altLang="en-US" sz="1100" b="1" dirty="0">
+                <a:solidFill>
+                  <a:srgbClr val="000000"/>
+                </a:solidFill>
+                <a:latin typeface="Poppins SemiBold" charset="0"/>
+                <a:ea typeface="Poppins SemiBold" charset="0"/>
+                <a:cs typeface="Poppins SemiBold" charset="0"/>
+              </a:rPr>
+              <a:t>文件处理</a:t>
+            </a:r>
+            <a:endParaRPr lang="en-US" altLang="zh-CN" sz="1100" b="1" dirty="0">
+              <a:solidFill>
+                <a:srgbClr val="000000"/>
+              </a:solidFill>
+              <a:latin typeface="Poppins SemiBold" charset="0"/>
+              <a:ea typeface="Poppins SemiBold" charset="0"/>
+              <a:cs typeface="Poppins SemiBold" charset="0"/>
+            </a:endParaRPr>
+          </a:p>
+          <a:p>
+            <a:pPr algn="ctr" defTabSz="914217">
+              <a:lnSpc>
+                <a:spcPts val="1340"/>
+              </a:lnSpc>
+            </a:pPr>
+            <a:endParaRPr lang="en-US" sz="1100" b="1" dirty="0">
+              <a:solidFill>
+                <a:srgbClr val="000000"/>
+              </a:solidFill>
+              <a:latin typeface="Poppins SemiBold" charset="0"/>
+              <a:ea typeface="Poppins SemiBold" charset="0"/>
+              <a:cs typeface="Poppins SemiBold" charset="0"/>
+            </a:endParaRPr>
+          </a:p>
+          <a:p>
+            <a:pPr algn="ctr" defTabSz="914217">
+              <a:lnSpc>
+                <a:spcPts val="1340"/>
+              </a:lnSpc>
+            </a:pPr>
+            <a:endParaRPr lang="en-US" sz="1100" b="1" dirty="0">
+              <a:solidFill>
+                <a:srgbClr val="000000"/>
+              </a:solidFill>
+              <a:latin typeface="Poppins SemiBold" charset="0"/>
+              <a:ea typeface="Poppins SemiBold" charset="0"/>
+              <a:cs typeface="Poppins SemiBold" charset="0"/>
+            </a:endParaRPr>
+          </a:p>
+        </p:txBody>
+      </p:sp>
+      <p:sp>
+        <p:nvSpPr>
+          <p:cNvPr id="68" name="TextBox 67"/>
+          <p:cNvSpPr txBox="1"/>
+          <p:nvPr/>
+        </p:nvSpPr>
+        <p:spPr>
+          <a:xfrm>
+            <a:off x="5586405" y="4748655"/>
+            <a:ext cx="1023037" cy="363818"/>
+          </a:xfrm>
+          <a:prstGeom prst="rect">
+            <a:avLst/>
+          </a:prstGeom>
+          <a:noFill/>
+        </p:spPr>
+        <p:txBody>
+          <a:bodyPr wrap="none" tIns="137160" rtlCol="0" anchor="t" anchorCtr="1">
+            <a:spAutoFit/>
+          </a:bodyPr>
+          <a:lstStyle/>
+          <a:p>
+            <a:pPr algn="ctr" defTabSz="914217">
+              <a:lnSpc>
+                <a:spcPts val="1340"/>
+              </a:lnSpc>
+            </a:pPr>
+            <a:r>
+              <a:rPr lang="en-US" sz="1600" b="1" dirty="0">
+                <a:solidFill>
+                  <a:srgbClr val="000000"/>
+                </a:solidFill>
+                <a:latin typeface="Poppins SemiBold" charset="0"/>
+                <a:ea typeface="Poppins SemiBold" charset="0"/>
+                <a:cs typeface="Poppins SemiBold" charset="0"/>
+              </a:rPr>
+              <a:t>2017.6.19</a:t>
+            </a:r>
+          </a:p>
+        </p:txBody>
+      </p:sp>
+      <p:sp>
+        <p:nvSpPr>
+          <p:cNvPr id="69" name="TextBox 68"/>
+          <p:cNvSpPr txBox="1"/>
+          <p:nvPr/>
+        </p:nvSpPr>
+        <p:spPr>
+          <a:xfrm>
+            <a:off x="3388690" y="4774743"/>
+            <a:ext cx="1023037" cy="363818"/>
+          </a:xfrm>
+          <a:prstGeom prst="rect">
+            <a:avLst/>
+          </a:prstGeom>
+          <a:noFill/>
+        </p:spPr>
+        <p:txBody>
+          <a:bodyPr wrap="none" tIns="137160" rtlCol="0" anchor="t" anchorCtr="1">
+            <a:spAutoFit/>
+          </a:bodyPr>
+          <a:lstStyle/>
+          <a:p>
+            <a:pPr algn="ctr" defTabSz="914217">
+              <a:lnSpc>
+                <a:spcPts val="1340"/>
+              </a:lnSpc>
+            </a:pPr>
+            <a:r>
+              <a:rPr lang="en-US" sz="1600" b="1" dirty="0">
+                <a:solidFill>
+                  <a:srgbClr val="000000"/>
+                </a:solidFill>
+                <a:latin typeface="Poppins SemiBold" charset="0"/>
+                <a:ea typeface="Poppins SemiBold" charset="0"/>
+                <a:cs typeface="Poppins SemiBold" charset="0"/>
+              </a:rPr>
+              <a:t>2017.1.18</a:t>
+            </a:r>
+          </a:p>
+        </p:txBody>
+      </p:sp>
+      <p:sp>
+        <p:nvSpPr>
+          <p:cNvPr id="70" name="TextBox 69"/>
+          <p:cNvSpPr txBox="1"/>
+          <p:nvPr/>
+        </p:nvSpPr>
+        <p:spPr>
+          <a:xfrm>
+            <a:off x="1416320" y="4738408"/>
+            <a:ext cx="1023037" cy="363818"/>
+          </a:xfrm>
+          <a:prstGeom prst="rect">
+            <a:avLst/>
+          </a:prstGeom>
+          <a:noFill/>
+        </p:spPr>
+        <p:txBody>
+          <a:bodyPr wrap="none" tIns="137160" rtlCol="0" anchor="t" anchorCtr="1">
+            <a:spAutoFit/>
+          </a:bodyPr>
+          <a:lstStyle/>
+          <a:p>
+            <a:pPr algn="ctr" defTabSz="914217">
+              <a:lnSpc>
+                <a:spcPts val="1340"/>
+              </a:lnSpc>
+            </a:pPr>
+            <a:r>
+              <a:rPr lang="en-US" sz="1600" b="1" dirty="0">
+                <a:solidFill>
+                  <a:srgbClr val="000000"/>
+                </a:solidFill>
+                <a:latin typeface="Poppins SemiBold" charset="0"/>
+                <a:ea typeface="Poppins SemiBold" charset="0"/>
+                <a:cs typeface="Poppins SemiBold" charset="0"/>
+              </a:rPr>
+              <a:t>2014.2.20</a:t>
+            </a:r>
+          </a:p>
+        </p:txBody>
+      </p:sp>
+      <p:sp>
+        <p:nvSpPr>
+          <p:cNvPr id="25" name="Oval 59">
+            <a:extLst>
+              <a:ext uri="{FF2B5EF4-FFF2-40B4-BE49-F238E27FC236}">
+                <a16:creationId xmlns="" xmlns:a16="http://schemas.microsoft.com/office/drawing/2014/main" id="{5021A821-DE01-4B50-BF66-AF9D55E60DC0}"/>
+              </a:ext>
+            </a:extLst>
+          </p:cNvPr>
+          <p:cNvSpPr/>
+          <p:nvPr/>
+        </p:nvSpPr>
+        <p:spPr>
+          <a:xfrm>
+            <a:off x="10577669" y="3521382"/>
+            <a:ext cx="122754" cy="122754"/>
+          </a:xfrm>
+          <a:prstGeom prst="ellipse">
+            <a:avLst/>
+          </a:prstGeom>
+          <a:ln>
+            <a:noFill/>
+          </a:ln>
+        </p:spPr>
+        <p:style>
+          <a:lnRef idx="2">
+            <a:schemeClr val="accent1">
+              <a:shade val="50000"/>
+            </a:schemeClr>
+          </a:lnRef>
+          <a:fillRef idx="1">
+            <a:schemeClr val="accent1"/>
+          </a:fillRef>
+          <a:effectRef idx="0">
+            <a:schemeClr val="accent1"/>
+          </a:effectRef>
+          <a:fontRef idx="minor">
+            <a:schemeClr val="lt1"/>
+          </a:fontRef>
+        </p:style>
+        <p:txBody>
+          <a:bodyPr rtlCol="0" anchor="ctr"/>
+          <a:lstStyle/>
+          <a:p>
+            <a:pPr algn="ctr" defTabSz="914217"/>
+            <a:endParaRPr lang="en-US">
+              <a:solidFill>
+                <a:srgbClr val="FFFFFF"/>
+              </a:solidFill>
+              <a:latin typeface="Lato Light"/>
+            </a:endParaRPr>
+          </a:p>
+        </p:txBody>
+      </p:sp>
+      <p:sp>
+        <p:nvSpPr>
+          <p:cNvPr id="26" name="TextBox 62">
+            <a:extLst>
+              <a:ext uri="{FF2B5EF4-FFF2-40B4-BE49-F238E27FC236}">
+                <a16:creationId xmlns="" xmlns:a16="http://schemas.microsoft.com/office/drawing/2014/main" id="{4C544DAB-962C-4EBC-BD2F-27E7FA7F5D03}"/>
+              </a:ext>
+            </a:extLst>
+          </p:cNvPr>
+          <p:cNvSpPr txBox="1"/>
+          <p:nvPr/>
+        </p:nvSpPr>
+        <p:spPr>
+          <a:xfrm>
+            <a:off x="10032188" y="1741629"/>
+            <a:ext cx="1130438" cy="425758"/>
+          </a:xfrm>
+          <a:prstGeom prst="rect">
+            <a:avLst/>
+          </a:prstGeom>
+          <a:noFill/>
+        </p:spPr>
+        <p:txBody>
+          <a:bodyPr wrap="none" rtlCol="0" anchor="t" anchorCtr="1">
+            <a:spAutoFit/>
+          </a:bodyPr>
+          <a:lstStyle/>
+          <a:p>
+            <a:pPr algn="ctr" defTabSz="914217">
+              <a:lnSpc>
+                <a:spcPts val="1340"/>
+              </a:lnSpc>
+            </a:pPr>
+            <a:r>
+              <a:rPr lang="en-US" sz="1100" b="1" dirty="0">
+                <a:solidFill>
+                  <a:srgbClr val="000000"/>
+                </a:solidFill>
+                <a:latin typeface="Poppins SemiBold" charset="0"/>
+                <a:ea typeface="Poppins SemiBold" charset="0"/>
+                <a:cs typeface="Poppins SemiBold" charset="0"/>
+              </a:rPr>
+              <a:t>Webpack 5 beta</a:t>
+            </a:r>
+          </a:p>
+          <a:p>
+            <a:pPr algn="ctr" defTabSz="914217">
+              <a:lnSpc>
+                <a:spcPts val="1340"/>
+              </a:lnSpc>
+            </a:pPr>
+            <a:r>
+              <a:rPr lang="en-US" altLang="zh-CN" sz="1100" b="1" dirty="0">
+                <a:solidFill>
+                  <a:srgbClr val="000000"/>
+                </a:solidFill>
+                <a:latin typeface="Poppins SemiBold" charset="0"/>
+                <a:ea typeface="Poppins SemiBold" charset="0"/>
+                <a:cs typeface="Poppins SemiBold" charset="0"/>
+              </a:rPr>
+              <a:t>vote</a:t>
+            </a:r>
+            <a:endParaRPr lang="en-US" sz="1100" b="1" dirty="0">
+              <a:solidFill>
+                <a:srgbClr val="000000"/>
+              </a:solidFill>
+              <a:latin typeface="Poppins SemiBold" charset="0"/>
+              <a:ea typeface="Poppins SemiBold" charset="0"/>
+              <a:cs typeface="Poppins SemiBold" charset="0"/>
+            </a:endParaRPr>
+          </a:p>
+        </p:txBody>
+      </p:sp>
+      <p:sp>
+        <p:nvSpPr>
+          <p:cNvPr id="27" name="TextBox 63">
+            <a:extLst>
+              <a:ext uri="{FF2B5EF4-FFF2-40B4-BE49-F238E27FC236}">
+                <a16:creationId xmlns="" xmlns:a16="http://schemas.microsoft.com/office/drawing/2014/main" id="{F8E3DA47-4C9E-48EB-B718-9848941943F3}"/>
+              </a:ext>
+            </a:extLst>
+          </p:cNvPr>
+          <p:cNvSpPr txBox="1"/>
+          <p:nvPr/>
+        </p:nvSpPr>
+        <p:spPr>
+          <a:xfrm>
+            <a:off x="10347733" y="4737900"/>
+            <a:ext cx="601448" cy="363818"/>
+          </a:xfrm>
+          <a:prstGeom prst="rect">
+            <a:avLst/>
+          </a:prstGeom>
+          <a:noFill/>
+        </p:spPr>
+        <p:txBody>
+          <a:bodyPr wrap="none" tIns="137160" rtlCol="0" anchor="t" anchorCtr="1">
+            <a:spAutoFit/>
+          </a:bodyPr>
+          <a:lstStyle/>
+          <a:p>
+            <a:pPr algn="ctr" defTabSz="914217">
+              <a:lnSpc>
+                <a:spcPts val="1340"/>
+              </a:lnSpc>
+            </a:pPr>
+            <a:r>
+              <a:rPr lang="en-US" sz="1600" b="1" dirty="0">
+                <a:solidFill>
+                  <a:srgbClr val="000000"/>
+                </a:solidFill>
+                <a:latin typeface="Poppins SemiBold" charset="0"/>
+                <a:ea typeface="Poppins SemiBold" charset="0"/>
+                <a:cs typeface="Poppins SemiBold" charset="0"/>
+              </a:rPr>
+              <a:t>2019</a:t>
+            </a:r>
+          </a:p>
+        </p:txBody>
+      </p:sp>
+    </p:spTree>
+    <p:extLst>
+      <p:ext uri="{BB962C8B-B14F-4D97-AF65-F5344CB8AC3E}">
+        <p14:creationId xmlns:p14="http://schemas.microsoft.com/office/powerpoint/2010/main" val="299278963"/>
+      </p:ext>
+    </p:extLst>
+  </p:cSld>
+  <p:clrMapOvr>
+    <a:masterClrMapping/>
+  </p:clrMapOvr>
+  <mc:AlternateContent xmlns:mc="http://schemas.openxmlformats.org/markup-compatibility/2006" xmlns:p14="http://schemas.microsoft.com/office/powerpoint/2010/main">
+    <mc:Choice Requires="p14">
+      <p:transition p14:dur="0" advClick="0"/>
+    </mc:Choice>
+    <mc:Fallback xmlns="">
+      <p:transition advClick="0"/>
+    </mc:Fallback>
+  </mc:AlternateContent>
+</p:sld>
+</file>
+
+<file path=ppt/slides/slide21.xml><?xml version="1.0" encoding="utf-8"?>
+<p:sld xmlns:a="http://schemas.openxmlformats.org/drawingml/2006/main" xmlns:r="http://schemas.openxmlformats.org/officeDocument/2006/relationships" xmlns:p="http://schemas.openxmlformats.org/presentationml/2006/main">
+  <p:cSld>
+    <p:spTree>
+      <p:nvGrpSpPr>
+        <p:cNvPr id="1" name=""/>
+        <p:cNvGrpSpPr/>
+        <p:nvPr/>
+      </p:nvGrpSpPr>
+      <p:grpSpPr>
+        <a:xfrm>
+          <a:off x="0" y="0"/>
+          <a:ext cx="0" cy="0"/>
+          <a:chOff x="0" y="0"/>
+          <a:chExt cx="0" cy="0"/>
+        </a:xfrm>
+      </p:grpSpPr>
+      <p:sp>
+        <p:nvSpPr>
+          <p:cNvPr id="9" name="TextBox 8"/>
+          <p:cNvSpPr txBox="1"/>
+          <p:nvPr/>
+        </p:nvSpPr>
+        <p:spPr>
+          <a:xfrm>
+            <a:off x="2550159" y="2690336"/>
+            <a:ext cx="7091686" cy="1200329"/>
+          </a:xfrm>
+          <a:prstGeom prst="rect">
+            <a:avLst/>
+          </a:prstGeom>
+          <a:noFill/>
+        </p:spPr>
+        <p:txBody>
+          <a:bodyPr wrap="none" rtlCol="0">
+            <a:spAutoFit/>
+          </a:bodyPr>
+          <a:lstStyle/>
+          <a:p>
+            <a:pPr algn="ctr"/>
+            <a:r>
+              <a:rPr lang="en-US" altLang="zh-CN" sz="7200" dirty="0">
+                <a:solidFill>
+                  <a:schemeClr val="tx1">
+                    <a:lumMod val="75000"/>
+                    <a:lumOff val="25000"/>
+                  </a:schemeClr>
+                </a:solidFill>
+                <a:latin typeface="GeosansLight" panose="02000603020000020003" pitchFamily="2" charset="0"/>
+              </a:rPr>
+              <a:t>Demo for example</a:t>
+            </a:r>
+            <a:endParaRPr lang="en-US" sz="7200" dirty="0">
+              <a:solidFill>
+                <a:schemeClr val="tx1">
+                  <a:lumMod val="75000"/>
+                  <a:lumOff val="25000"/>
+                </a:schemeClr>
+              </a:solidFill>
+              <a:latin typeface="GeosansLight" panose="02000603020000020003" pitchFamily="2" charset="0"/>
+            </a:endParaRPr>
+          </a:p>
+        </p:txBody>
+      </p:sp>
+    </p:spTree>
+  </p:cSld>
+  <p:clrMapOvr>
+    <a:masterClrMapping/>
+  </p:clrMapOvr>
+</p:sld>
+</file>
+
 <file path=ppt/slides/slide3.xml><?xml version="1.0" encoding="utf-8"?>
 <p:sld xmlns:a="http://schemas.openxmlformats.org/drawingml/2006/main" xmlns:r="http://schemas.openxmlformats.org/officeDocument/2006/relationships" xmlns:p="http://schemas.openxmlformats.org/presentationml/2006/main">
   <p:cSld>
@@ -11183,7 +12557,7 @@
           <p:cNvPr id="20" name="Straight Connector 5">
             <a:extLst>
               <a:ext uri="{FF2B5EF4-FFF2-40B4-BE49-F238E27FC236}">
-                <a16:creationId xmlns:a16="http://schemas.microsoft.com/office/drawing/2014/main" id="{DD60A0AA-58FB-45E5-9772-E23F967EE06C}"/>
+                <a16:creationId xmlns="" xmlns:a16="http://schemas.microsoft.com/office/drawing/2014/main" id="{DD60A0AA-58FB-45E5-9772-E23F967EE06C}"/>
               </a:ext>
             </a:extLst>
           </p:cNvPr>
@@ -11218,7 +12592,7 @@
           <p:cNvPr id="3" name="文本框 2">
             <a:extLst>
               <a:ext uri="{FF2B5EF4-FFF2-40B4-BE49-F238E27FC236}">
-                <a16:creationId xmlns:a16="http://schemas.microsoft.com/office/drawing/2014/main" id="{F9AECB3E-7A19-48A6-BF0C-62FBA71BA67E}"/>
+                <a16:creationId xmlns="" xmlns:a16="http://schemas.microsoft.com/office/drawing/2014/main" id="{F9AECB3E-7A19-48A6-BF0C-62FBA71BA67E}"/>
               </a:ext>
             </a:extLst>
           </p:cNvPr>
@@ -11264,7 +12638,7 @@
           <p:cNvPr id="21" name="文本框 20">
             <a:extLst>
               <a:ext uri="{FF2B5EF4-FFF2-40B4-BE49-F238E27FC236}">
-                <a16:creationId xmlns:a16="http://schemas.microsoft.com/office/drawing/2014/main" id="{D942E827-1B6E-4681-8677-3EB721F194BC}"/>
+                <a16:creationId xmlns="" xmlns:a16="http://schemas.microsoft.com/office/drawing/2014/main" id="{D942E827-1B6E-4681-8677-3EB721F194BC}"/>
               </a:ext>
             </a:extLst>
           </p:cNvPr>
@@ -11303,7 +12677,7 @@
           <p:cNvPr id="22" name="TextBox 26">
             <a:extLst>
               <a:ext uri="{FF2B5EF4-FFF2-40B4-BE49-F238E27FC236}">
-                <a16:creationId xmlns:a16="http://schemas.microsoft.com/office/drawing/2014/main" id="{51A5ECF3-4A77-4B10-AB1F-BF5EDBDF0418}"/>
+                <a16:creationId xmlns="" xmlns:a16="http://schemas.microsoft.com/office/drawing/2014/main" id="{51A5ECF3-4A77-4B10-AB1F-BF5EDBDF0418}"/>
               </a:ext>
             </a:extLst>
           </p:cNvPr>
@@ -11462,7 +12836,7 @@
           <p:cNvPr id="23" name="TextBox 26">
             <a:extLst>
               <a:ext uri="{FF2B5EF4-FFF2-40B4-BE49-F238E27FC236}">
-                <a16:creationId xmlns:a16="http://schemas.microsoft.com/office/drawing/2014/main" id="{1463C223-0201-4F3C-9EFB-B9FA5B95BE03}"/>
+                <a16:creationId xmlns="" xmlns:a16="http://schemas.microsoft.com/office/drawing/2014/main" id="{1463C223-0201-4F3C-9EFB-B9FA5B95BE03}"/>
               </a:ext>
             </a:extLst>
           </p:cNvPr>
@@ -12505,7 +13879,7 @@
           <p:cNvPr id="2" name="文本框 1">
             <a:extLst>
               <a:ext uri="{FF2B5EF4-FFF2-40B4-BE49-F238E27FC236}">
-                <a16:creationId xmlns:a16="http://schemas.microsoft.com/office/drawing/2014/main" id="{85BA705B-7F7A-4E03-A3AD-5A070B0E689F}"/>
+                <a16:creationId xmlns="" xmlns:a16="http://schemas.microsoft.com/office/drawing/2014/main" id="{85BA705B-7F7A-4E03-A3AD-5A070B0E689F}"/>
               </a:ext>
             </a:extLst>
           </p:cNvPr>
@@ -12556,7 +13930,7 @@
           <p:cNvPr id="3" name="文本框 2">
             <a:extLst>
               <a:ext uri="{FF2B5EF4-FFF2-40B4-BE49-F238E27FC236}">
-                <a16:creationId xmlns:a16="http://schemas.microsoft.com/office/drawing/2014/main" id="{D58978E3-AE65-419A-87DC-AC6DB2093433}"/>
+                <a16:creationId xmlns="" xmlns:a16="http://schemas.microsoft.com/office/drawing/2014/main" id="{D58978E3-AE65-419A-87DC-AC6DB2093433}"/>
               </a:ext>
             </a:extLst>
           </p:cNvPr>
@@ -12634,7 +14008,7 @@
           <p:cNvPr id="10" name="文本框 9">
             <a:extLst>
               <a:ext uri="{FF2B5EF4-FFF2-40B4-BE49-F238E27FC236}">
-                <a16:creationId xmlns:a16="http://schemas.microsoft.com/office/drawing/2014/main" id="{EC0BCE8F-ACC7-4848-A152-513007E3CD53}"/>
+                <a16:creationId xmlns="" xmlns:a16="http://schemas.microsoft.com/office/drawing/2014/main" id="{EC0BCE8F-ACC7-4848-A152-513007E3CD53}"/>
               </a:ext>
             </a:extLst>
           </p:cNvPr>
@@ -12717,6 +14091,13 @@
   <p:clrMapOvr>
     <a:masterClrMapping/>
   </p:clrMapOvr>
+  <p:timing>
+    <p:tnLst>
+      <p:par>
+        <p:cTn id="1" dur="indefinite" restart="never" nodeType="tmRoot"/>
+      </p:par>
+    </p:tnLst>
+  </p:timing>
 </p:sld>
 </file>
 
@@ -12950,7 +14331,7 @@
           <p:cNvPr id="9" name="TextBox 26">
             <a:extLst>
               <a:ext uri="{FF2B5EF4-FFF2-40B4-BE49-F238E27FC236}">
-                <a16:creationId xmlns:a16="http://schemas.microsoft.com/office/drawing/2014/main" id="{6F4B9E25-EC4F-41FD-B009-782E2ACAA424}"/>
+                <a16:creationId xmlns="" xmlns:a16="http://schemas.microsoft.com/office/drawing/2014/main" id="{6F4B9E25-EC4F-41FD-B009-782E2ACAA424}"/>
               </a:ext>
             </a:extLst>
           </p:cNvPr>
@@ -13661,7 +15042,7 @@
           <p:cNvPr id="9" name="TextBox 26">
             <a:extLst>
               <a:ext uri="{FF2B5EF4-FFF2-40B4-BE49-F238E27FC236}">
-                <a16:creationId xmlns:a16="http://schemas.microsoft.com/office/drawing/2014/main" id="{6F4B9E25-EC4F-41FD-B009-782E2ACAA424}"/>
+                <a16:creationId xmlns="" xmlns:a16="http://schemas.microsoft.com/office/drawing/2014/main" id="{6F4B9E25-EC4F-41FD-B009-782E2ACAA424}"/>
               </a:ext>
             </a:extLst>
           </p:cNvPr>
@@ -14380,7 +15761,7 @@
           <p:cNvPr id="9" name="TextBox 26">
             <a:extLst>
               <a:ext uri="{FF2B5EF4-FFF2-40B4-BE49-F238E27FC236}">
-                <a16:creationId xmlns:a16="http://schemas.microsoft.com/office/drawing/2014/main" id="{6F4B9E25-EC4F-41FD-B009-782E2ACAA424}"/>
+                <a16:creationId xmlns="" xmlns:a16="http://schemas.microsoft.com/office/drawing/2014/main" id="{6F4B9E25-EC4F-41FD-B009-782E2ACAA424}"/>
               </a:ext>
             </a:extLst>
           </p:cNvPr>
@@ -15165,7 +16546,7 @@
           <p:cNvPr id="9" name="TextBox 26">
             <a:extLst>
               <a:ext uri="{FF2B5EF4-FFF2-40B4-BE49-F238E27FC236}">
-                <a16:creationId xmlns:a16="http://schemas.microsoft.com/office/drawing/2014/main" id="{6F4B9E25-EC4F-41FD-B009-782E2ACAA424}"/>
+                <a16:creationId xmlns="" xmlns:a16="http://schemas.microsoft.com/office/drawing/2014/main" id="{6F4B9E25-EC4F-41FD-B009-782E2ACAA424}"/>
               </a:ext>
             </a:extLst>
           </p:cNvPr>
@@ -15940,7 +17321,7 @@
           <p:cNvPr id="9" name="TextBox 26">
             <a:extLst>
               <a:ext uri="{FF2B5EF4-FFF2-40B4-BE49-F238E27FC236}">
-                <a16:creationId xmlns:a16="http://schemas.microsoft.com/office/drawing/2014/main" id="{6F4B9E25-EC4F-41FD-B009-782E2ACAA424}"/>
+                <a16:creationId xmlns="" xmlns:a16="http://schemas.microsoft.com/office/drawing/2014/main" id="{6F4B9E25-EC4F-41FD-B009-782E2ACAA424}"/>
               </a:ext>
             </a:extLst>
           </p:cNvPr>
